--- a/Document/SlideShow.pptx
+++ b/Document/SlideShow.pptx
@@ -5,7 +5,7 @@
     <p:sldMasterId id="2147483661" r:id="rId1"/>
   </p:sldMasterIdLst>
   <p:notesMasterIdLst>
-    <p:notesMasterId r:id="rId23"/>
+    <p:notesMasterId r:id="rId26"/>
   </p:notesMasterIdLst>
   <p:sldIdLst>
     <p:sldId id="256" r:id="rId2"/>
@@ -22,28 +22,31 @@
     <p:sldId id="324" r:id="rId13"/>
     <p:sldId id="325" r:id="rId14"/>
     <p:sldId id="326" r:id="rId15"/>
-    <p:sldId id="327" r:id="rId16"/>
-    <p:sldId id="328" r:id="rId17"/>
-    <p:sldId id="329" r:id="rId18"/>
-    <p:sldId id="330" r:id="rId19"/>
-    <p:sldId id="331" r:id="rId20"/>
-    <p:sldId id="333" r:id="rId21"/>
-    <p:sldId id="332" r:id="rId22"/>
+    <p:sldId id="334" r:id="rId16"/>
+    <p:sldId id="335" r:id="rId17"/>
+    <p:sldId id="336" r:id="rId18"/>
+    <p:sldId id="327" r:id="rId19"/>
+    <p:sldId id="328" r:id="rId20"/>
+    <p:sldId id="329" r:id="rId21"/>
+    <p:sldId id="330" r:id="rId22"/>
+    <p:sldId id="331" r:id="rId23"/>
+    <p:sldId id="333" r:id="rId24"/>
+    <p:sldId id="332" r:id="rId25"/>
   </p:sldIdLst>
   <p:sldSz cx="9144000" cy="5143500" type="screen16x9"/>
   <p:notesSz cx="6858000" cy="9144000"/>
   <p:embeddedFontLst>
     <p:embeddedFont>
       <p:font typeface="Lato Light" panose="020B0604020202020204" charset="0"/>
-      <p:regular r:id="rId24"/>
-      <p:bold r:id="rId25"/>
-      <p:italic r:id="rId26"/>
-      <p:boldItalic r:id="rId27"/>
+      <p:regular r:id="rId27"/>
+      <p:bold r:id="rId28"/>
+      <p:italic r:id="rId29"/>
+      <p:boldItalic r:id="rId30"/>
     </p:embeddedFont>
     <p:embeddedFont>
       <p:font typeface="Roboto Slab Light" panose="020B0604020202020204" charset="0"/>
-      <p:regular r:id="rId28"/>
-      <p:bold r:id="rId29"/>
+      <p:regular r:id="rId31"/>
+      <p:bold r:id="rId32"/>
     </p:embeddedFont>
   </p:embeddedFontLst>
   <p:defaultTextStyle>
@@ -32128,7 +32131,7 @@
               <a:buNone/>
             </a:pPr>
             <a:r>
-              <a:rPr lang="en" dirty="0" smtClean="0">
+              <a:rPr lang="en" dirty="0">
                 <a:latin typeface="+mj-lt"/>
               </a:rPr>
               <a:t>Ryana Calendars</a:t>
@@ -32592,6 +32595,71 @@
           </a:p>
         </p:txBody>
       </p:sp>
+      <p:pic>
+        <p:nvPicPr>
+          <p:cNvPr id="4" name="Picture 3">
+            <a:extLst>
+              <a:ext uri="{FF2B5EF4-FFF2-40B4-BE49-F238E27FC236}">
+                <a16:creationId xmlns:a16="http://schemas.microsoft.com/office/drawing/2014/main" id="{C353E40E-7839-4D51-B45C-6EE094EA98BC}"/>
+              </a:ext>
+            </a:extLst>
+          </p:cNvPr>
+          <p:cNvPicPr>
+            <a:picLocks noChangeAspect="1"/>
+          </p:cNvPicPr>
+          <p:nvPr/>
+        </p:nvPicPr>
+        <p:blipFill>
+          <a:blip r:embed="rId2"/>
+          <a:stretch>
+            <a:fillRect/>
+          </a:stretch>
+        </p:blipFill>
+        <p:spPr>
+          <a:xfrm>
+            <a:off x="3374722" y="302882"/>
+            <a:ext cx="2293213" cy="4008383"/>
+          </a:xfrm>
+          <a:prstGeom prst="rect">
+            <a:avLst/>
+          </a:prstGeom>
+        </p:spPr>
+      </p:pic>
+      <p:sp>
+        <p:nvSpPr>
+          <p:cNvPr id="6" name="TextBox 5">
+            <a:extLst>
+              <a:ext uri="{FF2B5EF4-FFF2-40B4-BE49-F238E27FC236}">
+                <a16:creationId xmlns:a16="http://schemas.microsoft.com/office/drawing/2014/main" id="{6724843B-15EB-4DE6-8980-F82E92905D40}"/>
+              </a:ext>
+            </a:extLst>
+          </p:cNvPr>
+          <p:cNvSpPr txBox="1"/>
+          <p:nvPr/>
+        </p:nvSpPr>
+        <p:spPr>
+          <a:xfrm>
+            <a:off x="4171088" y="4477871"/>
+            <a:ext cx="801823" cy="307777"/>
+          </a:xfrm>
+          <a:prstGeom prst="rect">
+            <a:avLst/>
+          </a:prstGeom>
+          <a:noFill/>
+        </p:spPr>
+        <p:txBody>
+          <a:bodyPr wrap="none" rtlCol="0">
+            <a:spAutoFit/>
+          </a:bodyPr>
+          <a:lstStyle/>
+          <a:p>
+            <a:r>
+              <a:rPr lang="en-US" dirty="0"/>
+              <a:t>Contact</a:t>
+            </a:r>
+          </a:p>
+        </p:txBody>
+      </p:sp>
     </p:spTree>
     <p:extLst>
       <p:ext uri="{BB962C8B-B14F-4D97-AF65-F5344CB8AC3E}">
@@ -32602,13 +32670,6 @@
   <p:clrMapOvr>
     <a:masterClrMapping/>
   </p:clrMapOvr>
-  <p:timing>
-    <p:tnLst>
-      <p:par>
-        <p:cTn id="1" dur="indefinite" restart="never" nodeType="tmRoot"/>
-      </p:par>
-    </p:tnLst>
-  </p:timing>
 </p:sld>
 </file>
 
@@ -32661,6 +32722,71 @@
           </a:p>
         </p:txBody>
       </p:sp>
+      <p:pic>
+        <p:nvPicPr>
+          <p:cNvPr id="4" name="Picture 3">
+            <a:extLst>
+              <a:ext uri="{FF2B5EF4-FFF2-40B4-BE49-F238E27FC236}">
+                <a16:creationId xmlns:a16="http://schemas.microsoft.com/office/drawing/2014/main" id="{28C0C3B3-79D8-473B-8F1A-19E81956B136}"/>
+              </a:ext>
+            </a:extLst>
+          </p:cNvPr>
+          <p:cNvPicPr>
+            <a:picLocks noChangeAspect="1"/>
+          </p:cNvPicPr>
+          <p:nvPr/>
+        </p:nvPicPr>
+        <p:blipFill>
+          <a:blip r:embed="rId2"/>
+          <a:stretch>
+            <a:fillRect/>
+          </a:stretch>
+        </p:blipFill>
+        <p:spPr>
+          <a:xfrm>
+            <a:off x="3595772" y="262218"/>
+            <a:ext cx="2136491" cy="3743133"/>
+          </a:xfrm>
+          <a:prstGeom prst="rect">
+            <a:avLst/>
+          </a:prstGeom>
+        </p:spPr>
+      </p:pic>
+      <p:sp>
+        <p:nvSpPr>
+          <p:cNvPr id="8" name="TextBox 7">
+            <a:extLst>
+              <a:ext uri="{FF2B5EF4-FFF2-40B4-BE49-F238E27FC236}">
+                <a16:creationId xmlns:a16="http://schemas.microsoft.com/office/drawing/2014/main" id="{C2AB2BC5-7CB5-417C-9BDE-7BD86D0CD63B}"/>
+              </a:ext>
+            </a:extLst>
+          </p:cNvPr>
+          <p:cNvSpPr txBox="1"/>
+          <p:nvPr/>
+        </p:nvSpPr>
+        <p:spPr>
+          <a:xfrm>
+            <a:off x="4195482" y="4343400"/>
+            <a:ext cx="922047" cy="307777"/>
+          </a:xfrm>
+          <a:prstGeom prst="rect">
+            <a:avLst/>
+          </a:prstGeom>
+          <a:noFill/>
+        </p:spPr>
+        <p:txBody>
+          <a:bodyPr wrap="none" rtlCol="0">
+            <a:spAutoFit/>
+          </a:bodyPr>
+          <a:lstStyle/>
+          <a:p>
+            <a:r>
+              <a:rPr lang="en-US" dirty="0"/>
+              <a:t>About Us</a:t>
+            </a:r>
+          </a:p>
+        </p:txBody>
+      </p:sp>
     </p:spTree>
     <p:extLst>
       <p:ext uri="{BB962C8B-B14F-4D97-AF65-F5344CB8AC3E}">
@@ -32671,13 +32797,6 @@
   <p:clrMapOvr>
     <a:masterClrMapping/>
   </p:clrMapOvr>
-  <p:timing>
-    <p:tnLst>
-      <p:par>
-        <p:cTn id="1" dur="indefinite" restart="never" nodeType="tmRoot"/>
-      </p:par>
-    </p:tnLst>
-  </p:timing>
 </p:sld>
 </file>
 
@@ -32730,6 +32849,71 @@
           </a:p>
         </p:txBody>
       </p:sp>
+      <p:pic>
+        <p:nvPicPr>
+          <p:cNvPr id="4" name="Picture 3">
+            <a:extLst>
+              <a:ext uri="{FF2B5EF4-FFF2-40B4-BE49-F238E27FC236}">
+                <a16:creationId xmlns:a16="http://schemas.microsoft.com/office/drawing/2014/main" id="{BFE4717D-F32F-4094-9732-9A28889C9C4C}"/>
+              </a:ext>
+            </a:extLst>
+          </p:cNvPr>
+          <p:cNvPicPr>
+            <a:picLocks noChangeAspect="1"/>
+          </p:cNvPicPr>
+          <p:nvPr/>
+        </p:nvPicPr>
+        <p:blipFill>
+          <a:blip r:embed="rId2"/>
+          <a:stretch>
+            <a:fillRect/>
+          </a:stretch>
+        </p:blipFill>
+        <p:spPr>
+          <a:xfrm>
+            <a:off x="3405161" y="205419"/>
+            <a:ext cx="2444309" cy="4307109"/>
+          </a:xfrm>
+          <a:prstGeom prst="rect">
+            <a:avLst/>
+          </a:prstGeom>
+        </p:spPr>
+      </p:pic>
+      <p:sp>
+        <p:nvSpPr>
+          <p:cNvPr id="7" name="TextBox 6">
+            <a:extLst>
+              <a:ext uri="{FF2B5EF4-FFF2-40B4-BE49-F238E27FC236}">
+                <a16:creationId xmlns:a16="http://schemas.microsoft.com/office/drawing/2014/main" id="{BE16B4FC-CC65-45CC-8C33-FF49490C382C}"/>
+              </a:ext>
+            </a:extLst>
+          </p:cNvPr>
+          <p:cNvSpPr txBox="1"/>
+          <p:nvPr/>
+        </p:nvSpPr>
+        <p:spPr>
+          <a:xfrm>
+            <a:off x="4430805" y="4512528"/>
+            <a:ext cx="532518" cy="307777"/>
+          </a:xfrm>
+          <a:prstGeom prst="rect">
+            <a:avLst/>
+          </a:prstGeom>
+          <a:noFill/>
+        </p:spPr>
+        <p:txBody>
+          <a:bodyPr wrap="none" rtlCol="0">
+            <a:spAutoFit/>
+          </a:bodyPr>
+          <a:lstStyle/>
+          <a:p>
+            <a:r>
+              <a:rPr lang="en-US" dirty="0"/>
+              <a:t>Map</a:t>
+            </a:r>
+          </a:p>
+        </p:txBody>
+      </p:sp>
     </p:spTree>
     <p:extLst>
       <p:ext uri="{BB962C8B-B14F-4D97-AF65-F5344CB8AC3E}">
@@ -32740,13 +32924,6 @@
   <p:clrMapOvr>
     <a:masterClrMapping/>
   </p:clrMapOvr>
-  <p:timing>
-    <p:tnLst>
-      <p:par>
-        <p:cTn id="1" dur="indefinite" restart="never" nodeType="tmRoot"/>
-      </p:par>
-    </p:tnLst>
-  </p:timing>
 </p:sld>
 </file>
 
@@ -32799,6 +32976,71 @@
           </a:p>
         </p:txBody>
       </p:sp>
+      <p:pic>
+        <p:nvPicPr>
+          <p:cNvPr id="4" name="Picture 3">
+            <a:extLst>
+              <a:ext uri="{FF2B5EF4-FFF2-40B4-BE49-F238E27FC236}">
+                <a16:creationId xmlns:a16="http://schemas.microsoft.com/office/drawing/2014/main" id="{B42DC923-598B-4610-BB7B-60A0958AF83C}"/>
+              </a:ext>
+            </a:extLst>
+          </p:cNvPr>
+          <p:cNvPicPr>
+            <a:picLocks noChangeAspect="1"/>
+          </p:cNvPicPr>
+          <p:nvPr/>
+        </p:nvPicPr>
+        <p:blipFill>
+          <a:blip r:embed="rId2"/>
+          <a:stretch>
+            <a:fillRect/>
+          </a:stretch>
+        </p:blipFill>
+        <p:spPr>
+          <a:xfrm>
+            <a:off x="3395454" y="203497"/>
+            <a:ext cx="2588488" cy="4600592"/>
+          </a:xfrm>
+          <a:prstGeom prst="rect">
+            <a:avLst/>
+          </a:prstGeom>
+        </p:spPr>
+      </p:pic>
+      <p:sp>
+        <p:nvSpPr>
+          <p:cNvPr id="5" name="TextBox 4">
+            <a:extLst>
+              <a:ext uri="{FF2B5EF4-FFF2-40B4-BE49-F238E27FC236}">
+                <a16:creationId xmlns:a16="http://schemas.microsoft.com/office/drawing/2014/main" id="{2C434F9E-4D25-43AF-A533-3BD5BF0419FE}"/>
+              </a:ext>
+            </a:extLst>
+          </p:cNvPr>
+          <p:cNvSpPr txBox="1"/>
+          <p:nvPr/>
+        </p:nvSpPr>
+        <p:spPr>
+          <a:xfrm>
+            <a:off x="3476064" y="4835723"/>
+            <a:ext cx="1904689" cy="307777"/>
+          </a:xfrm>
+          <a:prstGeom prst="rect">
+            <a:avLst/>
+          </a:prstGeom>
+          <a:noFill/>
+        </p:spPr>
+        <p:txBody>
+          <a:bodyPr wrap="none" rtlCol="0">
+            <a:spAutoFit/>
+          </a:bodyPr>
+          <a:lstStyle/>
+          <a:p>
+            <a:r>
+              <a:rPr lang="en-US" dirty="0"/>
+              <a:t>Information Customer</a:t>
+            </a:r>
+          </a:p>
+        </p:txBody>
+      </p:sp>
     </p:spTree>
     <p:extLst>
       <p:ext uri="{BB962C8B-B14F-4D97-AF65-F5344CB8AC3E}">
@@ -32809,13 +33051,6 @@
   <p:clrMapOvr>
     <a:masterClrMapping/>
   </p:clrMapOvr>
-  <p:timing>
-    <p:tnLst>
-      <p:par>
-        <p:cTn id="1" dur="indefinite" restart="never" nodeType="tmRoot"/>
-      </p:par>
-    </p:tnLst>
-  </p:timing>
 </p:sld>
 </file>
 
@@ -32868,6 +33103,71 @@
           </a:p>
         </p:txBody>
       </p:sp>
+      <p:pic>
+        <p:nvPicPr>
+          <p:cNvPr id="4" name="Picture 3">
+            <a:extLst>
+              <a:ext uri="{FF2B5EF4-FFF2-40B4-BE49-F238E27FC236}">
+                <a16:creationId xmlns:a16="http://schemas.microsoft.com/office/drawing/2014/main" id="{AF8F1878-DDE2-4FCC-BFDA-7CF284B8EA6D}"/>
+              </a:ext>
+            </a:extLst>
+          </p:cNvPr>
+          <p:cNvPicPr>
+            <a:picLocks noChangeAspect="1"/>
+          </p:cNvPicPr>
+          <p:nvPr/>
+        </p:nvPicPr>
+        <p:blipFill>
+          <a:blip r:embed="rId2"/>
+          <a:stretch>
+            <a:fillRect/>
+          </a:stretch>
+        </p:blipFill>
+        <p:spPr>
+          <a:xfrm>
+            <a:off x="3515650" y="65597"/>
+            <a:ext cx="2575868" cy="4510357"/>
+          </a:xfrm>
+          <a:prstGeom prst="rect">
+            <a:avLst/>
+          </a:prstGeom>
+        </p:spPr>
+      </p:pic>
+      <p:sp>
+        <p:nvSpPr>
+          <p:cNvPr id="6" name="TextBox 5">
+            <a:extLst>
+              <a:ext uri="{FF2B5EF4-FFF2-40B4-BE49-F238E27FC236}">
+                <a16:creationId xmlns:a16="http://schemas.microsoft.com/office/drawing/2014/main" id="{5F726078-A43B-4F0C-9FAC-F1CA535FEC19}"/>
+              </a:ext>
+            </a:extLst>
+          </p:cNvPr>
+          <p:cNvSpPr txBox="1"/>
+          <p:nvPr/>
+        </p:nvSpPr>
+        <p:spPr>
+          <a:xfrm>
+            <a:off x="4235823" y="4672852"/>
+            <a:ext cx="1260281" cy="307777"/>
+          </a:xfrm>
+          <a:prstGeom prst="rect">
+            <a:avLst/>
+          </a:prstGeom>
+          <a:noFill/>
+        </p:spPr>
+        <p:txBody>
+          <a:bodyPr wrap="none" rtlCol="0">
+            <a:spAutoFit/>
+          </a:bodyPr>
+          <a:lstStyle/>
+          <a:p>
+            <a:r>
+              <a:rPr lang="en-US" dirty="0"/>
+              <a:t>ALL Products</a:t>
+            </a:r>
+          </a:p>
+        </p:txBody>
+      </p:sp>
     </p:spTree>
     <p:extLst>
       <p:ext uri="{BB962C8B-B14F-4D97-AF65-F5344CB8AC3E}">
@@ -32878,17 +33178,449 @@
   <p:clrMapOvr>
     <a:masterClrMapping/>
   </p:clrMapOvr>
-  <p:timing>
-    <p:tnLst>
-      <p:par>
-        <p:cTn id="1" dur="indefinite" restart="never" nodeType="tmRoot"/>
-      </p:par>
-    </p:tnLst>
-  </p:timing>
 </p:sld>
 </file>
 
 <file path=ppt/slides/slide15.xml><?xml version="1.0" encoding="utf-8"?>
+<p:sld xmlns:a="http://schemas.openxmlformats.org/drawingml/2006/main" xmlns:r="http://schemas.openxmlformats.org/officeDocument/2006/relationships" xmlns:p="http://schemas.openxmlformats.org/presentationml/2006/main">
+  <p:cSld>
+    <p:spTree>
+      <p:nvGrpSpPr>
+        <p:cNvPr id="1" name=""/>
+        <p:cNvGrpSpPr/>
+        <p:nvPr/>
+      </p:nvGrpSpPr>
+      <p:grpSpPr>
+        <a:xfrm>
+          <a:off x="0" y="0"/>
+          <a:ext cx="0" cy="0"/>
+          <a:chOff x="0" y="0"/>
+          <a:chExt cx="0" cy="0"/>
+        </a:xfrm>
+      </p:grpSpPr>
+      <p:sp>
+        <p:nvSpPr>
+          <p:cNvPr id="2" name="Slide Number Placeholder 1">
+            <a:extLst>
+              <a:ext uri="{FF2B5EF4-FFF2-40B4-BE49-F238E27FC236}">
+                <a16:creationId xmlns:a16="http://schemas.microsoft.com/office/drawing/2014/main" id="{49B1C062-CBB8-486E-8678-73BBA27253DA}"/>
+              </a:ext>
+            </a:extLst>
+          </p:cNvPr>
+          <p:cNvSpPr>
+            <a:spLocks noGrp="1"/>
+          </p:cNvSpPr>
+          <p:nvPr>
+            <p:ph type="sldNum" idx="12"/>
+          </p:nvPr>
+        </p:nvSpPr>
+        <p:spPr/>
+        <p:txBody>
+          <a:bodyPr/>
+          <a:lstStyle/>
+          <a:p>
+            <a:pPr marL="0" lvl="0" indent="0" algn="r" rtl="0">
+              <a:spcBef>
+                <a:spcPts val="0"/>
+              </a:spcBef>
+              <a:spcAft>
+                <a:spcPts val="0"/>
+              </a:spcAft>
+              <a:buNone/>
+            </a:pPr>
+            <a:fld id="{00000000-1234-1234-1234-123412341234}" type="slidenum">
+              <a:rPr lang="en" smtClean="0"/>
+              <a:t>15</a:t>
+            </a:fld>
+            <a:endParaRPr lang="en"/>
+          </a:p>
+        </p:txBody>
+      </p:sp>
+      <p:pic>
+        <p:nvPicPr>
+          <p:cNvPr id="6" name="Picture 5">
+            <a:extLst>
+              <a:ext uri="{FF2B5EF4-FFF2-40B4-BE49-F238E27FC236}">
+                <a16:creationId xmlns:a16="http://schemas.microsoft.com/office/drawing/2014/main" id="{069DF4CE-ED44-4796-95EB-536340EA928D}"/>
+              </a:ext>
+            </a:extLst>
+          </p:cNvPr>
+          <p:cNvPicPr>
+            <a:picLocks noChangeAspect="1"/>
+          </p:cNvPicPr>
+          <p:nvPr/>
+        </p:nvPicPr>
+        <p:blipFill>
+          <a:blip r:embed="rId2"/>
+          <a:stretch>
+            <a:fillRect/>
+          </a:stretch>
+        </p:blipFill>
+        <p:spPr>
+          <a:xfrm>
+            <a:off x="1574049" y="596509"/>
+            <a:ext cx="2512914" cy="4331837"/>
+          </a:xfrm>
+          <a:prstGeom prst="rect">
+            <a:avLst/>
+          </a:prstGeom>
+        </p:spPr>
+      </p:pic>
+      <p:pic>
+        <p:nvPicPr>
+          <p:cNvPr id="8" name="Picture 7">
+            <a:extLst>
+              <a:ext uri="{FF2B5EF4-FFF2-40B4-BE49-F238E27FC236}">
+                <a16:creationId xmlns:a16="http://schemas.microsoft.com/office/drawing/2014/main" id="{CEE4A48D-66DF-4017-B97F-60A31B8E6512}"/>
+              </a:ext>
+            </a:extLst>
+          </p:cNvPr>
+          <p:cNvPicPr>
+            <a:picLocks noChangeAspect="1"/>
+          </p:cNvPicPr>
+          <p:nvPr/>
+        </p:nvPicPr>
+        <p:blipFill>
+          <a:blip r:embed="rId3"/>
+          <a:stretch>
+            <a:fillRect/>
+          </a:stretch>
+        </p:blipFill>
+        <p:spPr>
+          <a:xfrm>
+            <a:off x="5267125" y="596509"/>
+            <a:ext cx="2420415" cy="4331837"/>
+          </a:xfrm>
+          <a:prstGeom prst="rect">
+            <a:avLst/>
+          </a:prstGeom>
+        </p:spPr>
+      </p:pic>
+      <p:sp>
+        <p:nvSpPr>
+          <p:cNvPr id="9" name="TextBox 8">
+            <a:extLst>
+              <a:ext uri="{FF2B5EF4-FFF2-40B4-BE49-F238E27FC236}">
+                <a16:creationId xmlns:a16="http://schemas.microsoft.com/office/drawing/2014/main" id="{3C7C4367-812B-471B-9B67-440D8FCECCD7}"/>
+              </a:ext>
+            </a:extLst>
+          </p:cNvPr>
+          <p:cNvSpPr txBox="1"/>
+          <p:nvPr/>
+        </p:nvSpPr>
+        <p:spPr>
+          <a:xfrm>
+            <a:off x="3711387" y="215154"/>
+            <a:ext cx="1478290" cy="307777"/>
+          </a:xfrm>
+          <a:prstGeom prst="rect">
+            <a:avLst/>
+          </a:prstGeom>
+          <a:noFill/>
+        </p:spPr>
+        <p:txBody>
+          <a:bodyPr wrap="none" rtlCol="0">
+            <a:spAutoFit/>
+          </a:bodyPr>
+          <a:lstStyle/>
+          <a:p>
+            <a:r>
+              <a:rPr lang="en-US" dirty="0"/>
+              <a:t>Demo Product 1</a:t>
+            </a:r>
+          </a:p>
+        </p:txBody>
+      </p:sp>
+    </p:spTree>
+    <p:extLst>
+      <p:ext uri="{BB962C8B-B14F-4D97-AF65-F5344CB8AC3E}">
+        <p14:creationId xmlns:p14="http://schemas.microsoft.com/office/powerpoint/2010/main" val="1568937183"/>
+      </p:ext>
+    </p:extLst>
+  </p:cSld>
+  <p:clrMapOvr>
+    <a:masterClrMapping/>
+  </p:clrMapOvr>
+</p:sld>
+</file>
+
+<file path=ppt/slides/slide16.xml><?xml version="1.0" encoding="utf-8"?>
+<p:sld xmlns:a="http://schemas.openxmlformats.org/drawingml/2006/main" xmlns:r="http://schemas.openxmlformats.org/officeDocument/2006/relationships" xmlns:p="http://schemas.openxmlformats.org/presentationml/2006/main">
+  <p:cSld>
+    <p:spTree>
+      <p:nvGrpSpPr>
+        <p:cNvPr id="1" name=""/>
+        <p:cNvGrpSpPr/>
+        <p:nvPr/>
+      </p:nvGrpSpPr>
+      <p:grpSpPr>
+        <a:xfrm>
+          <a:off x="0" y="0"/>
+          <a:ext cx="0" cy="0"/>
+          <a:chOff x="0" y="0"/>
+          <a:chExt cx="0" cy="0"/>
+        </a:xfrm>
+      </p:grpSpPr>
+      <p:sp>
+        <p:nvSpPr>
+          <p:cNvPr id="2" name="Slide Number Placeholder 1">
+            <a:extLst>
+              <a:ext uri="{FF2B5EF4-FFF2-40B4-BE49-F238E27FC236}">
+                <a16:creationId xmlns:a16="http://schemas.microsoft.com/office/drawing/2014/main" id="{DD2C2DB0-4334-48E4-AE13-1EDA3A3374A4}"/>
+              </a:ext>
+            </a:extLst>
+          </p:cNvPr>
+          <p:cNvSpPr>
+            <a:spLocks noGrp="1"/>
+          </p:cNvSpPr>
+          <p:nvPr>
+            <p:ph type="sldNum" idx="12"/>
+          </p:nvPr>
+        </p:nvSpPr>
+        <p:spPr/>
+        <p:txBody>
+          <a:bodyPr/>
+          <a:lstStyle/>
+          <a:p>
+            <a:pPr marL="0" lvl="0" indent="0" algn="r" rtl="0">
+              <a:spcBef>
+                <a:spcPts val="0"/>
+              </a:spcBef>
+              <a:spcAft>
+                <a:spcPts val="0"/>
+              </a:spcAft>
+              <a:buNone/>
+            </a:pPr>
+            <a:fld id="{00000000-1234-1234-1234-123412341234}" type="slidenum">
+              <a:rPr lang="en" smtClean="0"/>
+              <a:t>16</a:t>
+            </a:fld>
+            <a:endParaRPr lang="en"/>
+          </a:p>
+        </p:txBody>
+      </p:sp>
+      <p:pic>
+        <p:nvPicPr>
+          <p:cNvPr id="4" name="Picture 3">
+            <a:extLst>
+              <a:ext uri="{FF2B5EF4-FFF2-40B4-BE49-F238E27FC236}">
+                <a16:creationId xmlns:a16="http://schemas.microsoft.com/office/drawing/2014/main" id="{A837139F-D027-4073-AD59-DB00B2A1855A}"/>
+              </a:ext>
+            </a:extLst>
+          </p:cNvPr>
+          <p:cNvPicPr>
+            <a:picLocks noChangeAspect="1"/>
+          </p:cNvPicPr>
+          <p:nvPr/>
+        </p:nvPicPr>
+        <p:blipFill>
+          <a:blip r:embed="rId2"/>
+          <a:stretch>
+            <a:fillRect/>
+          </a:stretch>
+        </p:blipFill>
+        <p:spPr>
+          <a:xfrm>
+            <a:off x="3106270" y="150410"/>
+            <a:ext cx="2373408" cy="4241269"/>
+          </a:xfrm>
+          <a:prstGeom prst="rect">
+            <a:avLst/>
+          </a:prstGeom>
+        </p:spPr>
+      </p:pic>
+      <p:sp>
+        <p:nvSpPr>
+          <p:cNvPr id="5" name="TextBox 4">
+            <a:extLst>
+              <a:ext uri="{FF2B5EF4-FFF2-40B4-BE49-F238E27FC236}">
+                <a16:creationId xmlns:a16="http://schemas.microsoft.com/office/drawing/2014/main" id="{F37DEBD0-BB9B-4CF5-910C-E5681FB75BD4}"/>
+              </a:ext>
+            </a:extLst>
+          </p:cNvPr>
+          <p:cNvSpPr txBox="1"/>
+          <p:nvPr/>
+        </p:nvSpPr>
+        <p:spPr>
+          <a:xfrm>
+            <a:off x="3032561" y="4391679"/>
+            <a:ext cx="2722220" cy="523220"/>
+          </a:xfrm>
+          <a:prstGeom prst="rect">
+            <a:avLst/>
+          </a:prstGeom>
+          <a:noFill/>
+        </p:spPr>
+        <p:txBody>
+          <a:bodyPr wrap="none" rtlCol="0">
+            <a:spAutoFit/>
+          </a:bodyPr>
+          <a:lstStyle/>
+          <a:p>
+            <a:br>
+              <a:rPr lang="en-US" dirty="0"/>
+            </a:br>
+            <a:r>
+              <a:rPr lang="en-US" b="0" i="0" dirty="0">
+                <a:solidFill>
+                  <a:srgbClr val="222222"/>
+                </a:solidFill>
+                <a:effectLst/>
+                <a:latin typeface="arial" panose="020B0604020202020204" pitchFamily="34" charset="0"/>
+              </a:rPr>
+              <a:t>Product description and reviews</a:t>
+            </a:r>
+            <a:endParaRPr lang="en-US" dirty="0"/>
+          </a:p>
+        </p:txBody>
+      </p:sp>
+    </p:spTree>
+    <p:extLst>
+      <p:ext uri="{BB962C8B-B14F-4D97-AF65-F5344CB8AC3E}">
+        <p14:creationId xmlns:p14="http://schemas.microsoft.com/office/powerpoint/2010/main" val="1222017313"/>
+      </p:ext>
+    </p:extLst>
+  </p:cSld>
+  <p:clrMapOvr>
+    <a:masterClrMapping/>
+  </p:clrMapOvr>
+</p:sld>
+</file>
+
+<file path=ppt/slides/slide17.xml><?xml version="1.0" encoding="utf-8"?>
+<p:sld xmlns:a="http://schemas.openxmlformats.org/drawingml/2006/main" xmlns:r="http://schemas.openxmlformats.org/officeDocument/2006/relationships" xmlns:p="http://schemas.openxmlformats.org/presentationml/2006/main">
+  <p:cSld>
+    <p:spTree>
+      <p:nvGrpSpPr>
+        <p:cNvPr id="1" name=""/>
+        <p:cNvGrpSpPr/>
+        <p:nvPr/>
+      </p:nvGrpSpPr>
+      <p:grpSpPr>
+        <a:xfrm>
+          <a:off x="0" y="0"/>
+          <a:ext cx="0" cy="0"/>
+          <a:chOff x="0" y="0"/>
+          <a:chExt cx="0" cy="0"/>
+        </a:xfrm>
+      </p:grpSpPr>
+      <p:sp>
+        <p:nvSpPr>
+          <p:cNvPr id="2" name="Slide Number Placeholder 1">
+            <a:extLst>
+              <a:ext uri="{FF2B5EF4-FFF2-40B4-BE49-F238E27FC236}">
+                <a16:creationId xmlns:a16="http://schemas.microsoft.com/office/drawing/2014/main" id="{B5DCA2AA-FBDC-4051-8DFD-1EEB13F7899D}"/>
+              </a:ext>
+            </a:extLst>
+          </p:cNvPr>
+          <p:cNvSpPr>
+            <a:spLocks noGrp="1"/>
+          </p:cNvSpPr>
+          <p:nvPr>
+            <p:ph type="sldNum" idx="12"/>
+          </p:nvPr>
+        </p:nvSpPr>
+        <p:spPr/>
+        <p:txBody>
+          <a:bodyPr/>
+          <a:lstStyle/>
+          <a:p>
+            <a:pPr marL="0" lvl="0" indent="0" algn="r" rtl="0">
+              <a:spcBef>
+                <a:spcPts val="0"/>
+              </a:spcBef>
+              <a:spcAft>
+                <a:spcPts val="0"/>
+              </a:spcAft>
+              <a:buNone/>
+            </a:pPr>
+            <a:fld id="{00000000-1234-1234-1234-123412341234}" type="slidenum">
+              <a:rPr lang="en" smtClean="0"/>
+              <a:t>17</a:t>
+            </a:fld>
+            <a:endParaRPr lang="en"/>
+          </a:p>
+        </p:txBody>
+      </p:sp>
+      <p:sp>
+        <p:nvSpPr>
+          <p:cNvPr id="5" name="TextBox 4">
+            <a:extLst>
+              <a:ext uri="{FF2B5EF4-FFF2-40B4-BE49-F238E27FC236}">
+                <a16:creationId xmlns:a16="http://schemas.microsoft.com/office/drawing/2014/main" id="{19DB7190-EA9E-46A2-BBC8-2CB8DC15D08A}"/>
+              </a:ext>
+            </a:extLst>
+          </p:cNvPr>
+          <p:cNvSpPr txBox="1"/>
+          <p:nvPr/>
+        </p:nvSpPr>
+        <p:spPr>
+          <a:xfrm>
+            <a:off x="3998562" y="4644086"/>
+            <a:ext cx="700833" cy="307777"/>
+          </a:xfrm>
+          <a:prstGeom prst="rect">
+            <a:avLst/>
+          </a:prstGeom>
+          <a:noFill/>
+        </p:spPr>
+        <p:txBody>
+          <a:bodyPr wrap="none" rtlCol="0">
+            <a:spAutoFit/>
+          </a:bodyPr>
+          <a:lstStyle/>
+          <a:p>
+            <a:r>
+              <a:rPr lang="en-US" dirty="0"/>
+              <a:t>Footer</a:t>
+            </a:r>
+          </a:p>
+        </p:txBody>
+      </p:sp>
+      <p:pic>
+        <p:nvPicPr>
+          <p:cNvPr id="7" name="Picture 6">
+            <a:extLst>
+              <a:ext uri="{FF2B5EF4-FFF2-40B4-BE49-F238E27FC236}">
+                <a16:creationId xmlns:a16="http://schemas.microsoft.com/office/drawing/2014/main" id="{86E2B2D7-4065-4E67-89D9-6BA1E3D4F49D}"/>
+              </a:ext>
+            </a:extLst>
+          </p:cNvPr>
+          <p:cNvPicPr>
+            <a:picLocks noChangeAspect="1"/>
+          </p:cNvPicPr>
+          <p:nvPr/>
+        </p:nvPicPr>
+        <p:blipFill>
+          <a:blip r:embed="rId2"/>
+          <a:stretch>
+            <a:fillRect/>
+          </a:stretch>
+        </p:blipFill>
+        <p:spPr>
+          <a:xfrm>
+            <a:off x="3112595" y="80682"/>
+            <a:ext cx="2501551" cy="4502793"/>
+          </a:xfrm>
+          <a:prstGeom prst="rect">
+            <a:avLst/>
+          </a:prstGeom>
+        </p:spPr>
+      </p:pic>
+    </p:spTree>
+    <p:extLst>
+      <p:ext uri="{BB962C8B-B14F-4D97-AF65-F5344CB8AC3E}">
+        <p14:creationId xmlns:p14="http://schemas.microsoft.com/office/powerpoint/2010/main" val="2178528322"/>
+      </p:ext>
+    </p:extLst>
+  </p:cSld>
+  <p:clrMapOvr>
+    <a:masterClrMapping/>
+  </p:clrMapOvr>
+</p:sld>
+</file>
+
+<file path=ppt/slides/slide18.xml><?xml version="1.0" encoding="utf-8"?>
 <p:sld xmlns:a="http://schemas.openxmlformats.org/drawingml/2006/main" xmlns:r="http://schemas.openxmlformats.org/officeDocument/2006/relationships" xmlns:p="http://schemas.openxmlformats.org/presentationml/2006/main">
   <p:cSld>
     <p:spTree>
@@ -32926,14 +33658,11 @@
           <a:lstStyle/>
           <a:p>
             <a:r>
-              <a:rPr lang="en-US" sz="2800" b="1" dirty="0" smtClean="0">
+              <a:rPr lang="en-US" sz="2800" b="1" dirty="0">
                 <a:latin typeface="+mj-lt"/>
               </a:rPr>
               <a:t>ADVANTAGE AND DISVANTAGE</a:t>
             </a:r>
-            <a:endParaRPr lang="en-US" sz="2800" b="1" dirty="0">
-              <a:latin typeface="+mj-lt"/>
-            </a:endParaRPr>
           </a:p>
         </p:txBody>
       </p:sp>
@@ -32959,17 +33688,10 @@
       </p:transition>
     </mc:Fallback>
   </mc:AlternateContent>
-  <p:timing>
-    <p:tnLst>
-      <p:par>
-        <p:cTn id="1" dur="indefinite" restart="never" nodeType="tmRoot"/>
-      </p:par>
-    </p:tnLst>
-  </p:timing>
 </p:sld>
 </file>
 
-<file path=ppt/slides/slide16.xml><?xml version="1.0" encoding="utf-8"?>
+<file path=ppt/slides/slide19.xml><?xml version="1.0" encoding="utf-8"?>
 <p:sld xmlns:a="http://schemas.openxmlformats.org/drawingml/2006/main" xmlns:r="http://schemas.openxmlformats.org/officeDocument/2006/relationships" xmlns:p="http://schemas.openxmlformats.org/presentationml/2006/main">
   <p:cSld>
     <p:spTree>
@@ -33007,14 +33729,11 @@
           <a:lstStyle/>
           <a:p>
             <a:r>
-              <a:rPr lang="en-US" sz="2800" dirty="0" smtClean="0">
+              <a:rPr lang="en-US" sz="2800" dirty="0">
                 <a:latin typeface="+mj-lt"/>
               </a:rPr>
               <a:t>Advantage</a:t>
             </a:r>
-            <a:endParaRPr lang="en-US" sz="2800" dirty="0">
-              <a:latin typeface="+mj-lt"/>
-            </a:endParaRPr>
           </a:p>
         </p:txBody>
       </p:sp>
@@ -33071,7 +33790,7 @@
             </a:pPr>
             <a:fld id="{00000000-1234-1234-1234-123412341234}" type="slidenum">
               <a:rPr lang="en" smtClean="0"/>
-              <a:t>16</a:t>
+              <a:t>19</a:t>
             </a:fld>
             <a:endParaRPr lang="en"/>
           </a:p>
@@ -33350,15 +34069,7 @@
           <a:p>
             <a:r>
               <a:rPr lang="en-US" dirty="0"/>
-              <a:t>Know how to use </a:t>
-            </a:r>
-            <a:r>
-              <a:rPr lang="en-US" dirty="0" smtClean="0"/>
-              <a:t>Github </a:t>
-            </a:r>
-            <a:r>
-              <a:rPr lang="en-US" dirty="0"/>
-              <a:t>in teamwork</a:t>
+              <a:t>Know how to use Github in teamwork</a:t>
             </a:r>
           </a:p>
         </p:txBody>
@@ -33385,21 +34096,8 @@
           <a:p>
             <a:r>
               <a:rPr lang="en-US" dirty="0"/>
-              <a:t>Learn a lot about </a:t>
+              <a:t>Learn a lot about HTML and CSS</a:t>
             </a:r>
-            <a:r>
-              <a:rPr lang="en-US" dirty="0" smtClean="0"/>
-              <a:t>HTML </a:t>
-            </a:r>
-            <a:r>
-              <a:rPr lang="en-US" dirty="0"/>
-              <a:t>and </a:t>
-            </a:r>
-            <a:r>
-              <a:rPr lang="en-US" dirty="0" smtClean="0"/>
-              <a:t>CSS</a:t>
-            </a:r>
-            <a:endParaRPr lang="en-US" dirty="0"/>
           </a:p>
         </p:txBody>
       </p:sp>
@@ -33675,12 +34373,8 @@
           </a:lstStyle>
           <a:p>
             <a:r>
-              <a:rPr lang="en-US" dirty="0" smtClean="0"/>
-              <a:t>Solidarity </a:t>
-            </a:r>
-            <a:r>
               <a:rPr lang="en-US" dirty="0"/>
-              <a:t>of team members</a:t>
+              <a:t>Solidarity of team members</a:t>
             </a:r>
           </a:p>
         </p:txBody>
@@ -34480,2276 +35174,6 @@
 </p:sld>
 </file>
 
-<file path=ppt/slides/slide17.xml><?xml version="1.0" encoding="utf-8"?>
-<p:sld xmlns:a="http://schemas.openxmlformats.org/drawingml/2006/main" xmlns:r="http://schemas.openxmlformats.org/officeDocument/2006/relationships" xmlns:p="http://schemas.openxmlformats.org/presentationml/2006/main">
-  <p:cSld>
-    <p:spTree>
-      <p:nvGrpSpPr>
-        <p:cNvPr id="1" name=""/>
-        <p:cNvGrpSpPr/>
-        <p:nvPr/>
-      </p:nvGrpSpPr>
-      <p:grpSpPr>
-        <a:xfrm>
-          <a:off x="0" y="0"/>
-          <a:ext cx="0" cy="0"/>
-          <a:chOff x="0" y="0"/>
-          <a:chExt cx="0" cy="0"/>
-        </a:xfrm>
-      </p:grpSpPr>
-      <p:sp>
-        <p:nvSpPr>
-          <p:cNvPr id="2" name="Title 1"/>
-          <p:cNvSpPr>
-            <a:spLocks noGrp="1"/>
-          </p:cNvSpPr>
-          <p:nvPr>
-            <p:ph type="title"/>
-          </p:nvPr>
-        </p:nvSpPr>
-        <p:spPr>
-          <a:xfrm>
-            <a:off x="176382" y="1475508"/>
-            <a:ext cx="2248163" cy="808625"/>
-          </a:xfrm>
-        </p:spPr>
-        <p:txBody>
-          <a:bodyPr/>
-          <a:lstStyle/>
-          <a:p>
-            <a:r>
-              <a:rPr lang="en-US" sz="2800" dirty="0" smtClean="0">
-                <a:latin typeface="+mj-lt"/>
-              </a:rPr>
-              <a:t>Disvantage</a:t>
-            </a:r>
-            <a:endParaRPr lang="en-US" sz="2800" dirty="0">
-              <a:latin typeface="+mj-lt"/>
-            </a:endParaRPr>
-          </a:p>
-        </p:txBody>
-      </p:sp>
-      <p:sp>
-        <p:nvSpPr>
-          <p:cNvPr id="3" name="Text Placeholder 2"/>
-          <p:cNvSpPr>
-            <a:spLocks noGrp="1"/>
-          </p:cNvSpPr>
-          <p:nvPr>
-            <p:ph type="body" idx="1"/>
-          </p:nvPr>
-        </p:nvSpPr>
-        <p:spPr>
-          <a:xfrm>
-            <a:off x="2830925" y="1200150"/>
-            <a:ext cx="2350676" cy="1134341"/>
-          </a:xfrm>
-        </p:spPr>
-        <p:txBody>
-          <a:bodyPr/>
-          <a:lstStyle/>
-          <a:p>
-            <a:r>
-              <a:rPr lang="en-US" dirty="0"/>
-              <a:t>Not fluent in </a:t>
-            </a:r>
-            <a:r>
-              <a:rPr lang="en-US" dirty="0" smtClean="0"/>
-              <a:t>Javascript</a:t>
-            </a:r>
-            <a:endParaRPr lang="en-US" dirty="0"/>
-          </a:p>
-        </p:txBody>
-      </p:sp>
-      <p:sp>
-        <p:nvSpPr>
-          <p:cNvPr id="5" name="Slide Number Placeholder 4"/>
-          <p:cNvSpPr>
-            <a:spLocks noGrp="1"/>
-          </p:cNvSpPr>
-          <p:nvPr>
-            <p:ph type="sldNum" idx="12"/>
-          </p:nvPr>
-        </p:nvSpPr>
-        <p:spPr/>
-        <p:txBody>
-          <a:bodyPr/>
-          <a:lstStyle/>
-          <a:p>
-            <a:pPr marL="0" lvl="0" indent="0" algn="r" rtl="0">
-              <a:spcBef>
-                <a:spcPts val="0"/>
-              </a:spcBef>
-              <a:spcAft>
-                <a:spcPts val="0"/>
-              </a:spcAft>
-              <a:buNone/>
-            </a:pPr>
-            <a:fld id="{00000000-1234-1234-1234-123412341234}" type="slidenum">
-              <a:rPr lang="en" smtClean="0"/>
-              <a:t>17</a:t>
-            </a:fld>
-            <a:endParaRPr lang="en"/>
-          </a:p>
-        </p:txBody>
-      </p:sp>
-      <p:sp>
-        <p:nvSpPr>
-          <p:cNvPr id="6" name="Text Placeholder 2"/>
-          <p:cNvSpPr>
-            <a:spLocks noGrp="1"/>
-          </p:cNvSpPr>
-          <p:nvPr>
-            <p:ph type="body" idx="1"/>
-          </p:nvPr>
-        </p:nvSpPr>
-        <p:spPr>
-          <a:xfrm>
-            <a:off x="5181601" y="1200150"/>
-            <a:ext cx="2729344" cy="1134341"/>
-          </a:xfrm>
-        </p:spPr>
-        <p:txBody>
-          <a:bodyPr/>
-          <a:lstStyle/>
-          <a:p>
-            <a:r>
-              <a:rPr lang="en-US" dirty="0"/>
-              <a:t>No experience in designing websites</a:t>
-            </a:r>
-          </a:p>
-        </p:txBody>
-      </p:sp>
-      <p:sp>
-        <p:nvSpPr>
-          <p:cNvPr id="7" name="Text Placeholder 2"/>
-          <p:cNvSpPr>
-            <a:spLocks noGrp="1"/>
-          </p:cNvSpPr>
-          <p:nvPr>
-            <p:ph type="body" idx="1"/>
-          </p:nvPr>
-        </p:nvSpPr>
-        <p:spPr>
-          <a:xfrm>
-            <a:off x="2830925" y="2389909"/>
-            <a:ext cx="2350676" cy="1134341"/>
-          </a:xfrm>
-        </p:spPr>
-        <p:txBody>
-          <a:bodyPr/>
-          <a:lstStyle/>
-          <a:p>
-            <a:r>
-              <a:rPr lang="en-US" dirty="0"/>
-              <a:t>The code is not optimized</a:t>
-            </a:r>
-          </a:p>
-        </p:txBody>
-      </p:sp>
-      <p:sp>
-        <p:nvSpPr>
-          <p:cNvPr id="9" name="Text Placeholder 2"/>
-          <p:cNvSpPr>
-            <a:spLocks noGrp="1"/>
-          </p:cNvSpPr>
-          <p:nvPr>
-            <p:ph type="body" idx="1"/>
-          </p:nvPr>
-        </p:nvSpPr>
-        <p:spPr>
-          <a:xfrm>
-            <a:off x="5181601" y="2389909"/>
-            <a:ext cx="2936383" cy="1134341"/>
-          </a:xfrm>
-        </p:spPr>
-        <p:txBody>
-          <a:bodyPr/>
-          <a:lstStyle/>
-          <a:p>
-            <a:r>
-              <a:rPr lang="en-US" dirty="0"/>
-              <a:t>Some functions have not been perfected</a:t>
-            </a:r>
-          </a:p>
-        </p:txBody>
-      </p:sp>
-      <p:sp>
-        <p:nvSpPr>
-          <p:cNvPr id="11" name="Text Placeholder 2"/>
-          <p:cNvSpPr>
-            <a:spLocks noGrp="1"/>
-          </p:cNvSpPr>
-          <p:nvPr>
-            <p:ph type="body" idx="1"/>
-          </p:nvPr>
-        </p:nvSpPr>
-        <p:spPr>
-          <a:xfrm>
-            <a:off x="2830925" y="3524250"/>
-            <a:ext cx="2350676" cy="1134341"/>
-          </a:xfrm>
-        </p:spPr>
-        <p:txBody>
-          <a:bodyPr/>
-          <a:lstStyle/>
-          <a:p>
-            <a:r>
-              <a:rPr lang="en-US" dirty="0" smtClean="0"/>
-              <a:t>Restriction about English</a:t>
-            </a:r>
-            <a:endParaRPr lang="en-US" dirty="0"/>
-          </a:p>
-        </p:txBody>
-      </p:sp>
-    </p:spTree>
-    <p:extLst>
-      <p:ext uri="{BB962C8B-B14F-4D97-AF65-F5344CB8AC3E}">
-        <p14:creationId xmlns:p14="http://schemas.microsoft.com/office/powerpoint/2010/main" val="935092248"/>
-      </p:ext>
-    </p:extLst>
-  </p:cSld>
-  <p:clrMapOvr>
-    <a:masterClrMapping/>
-  </p:clrMapOvr>
-  <p:timing>
-    <p:tnLst>
-      <p:par>
-        <p:cTn id="1" dur="indefinite" restart="never" nodeType="tmRoot">
-          <p:childTnLst>
-            <p:seq concurrent="1" nextAc="seek">
-              <p:cTn id="2" dur="indefinite" nodeType="mainSeq">
-                <p:childTnLst>
-                  <p:par>
-                    <p:cTn id="3" fill="hold">
-                      <p:stCondLst>
-                        <p:cond delay="indefinite"/>
-                      </p:stCondLst>
-                      <p:childTnLst>
-                        <p:par>
-                          <p:cTn id="4" fill="hold">
-                            <p:stCondLst>
-                              <p:cond delay="0"/>
-                            </p:stCondLst>
-                            <p:childTnLst>
-                              <p:par>
-                                <p:cTn id="5" presetID="31" presetClass="entr" presetSubtype="0" fill="hold" grpId="0" nodeType="clickEffect">
-                                  <p:stCondLst>
-                                    <p:cond delay="0"/>
-                                  </p:stCondLst>
-                                  <p:childTnLst>
-                                    <p:set>
-                                      <p:cBhvr>
-                                        <p:cTn id="6" dur="1" fill="hold">
-                                          <p:stCondLst>
-                                            <p:cond delay="0"/>
-                                          </p:stCondLst>
-                                        </p:cTn>
-                                        <p:tgtEl>
-                                          <p:spTgt spid="3">
-                                            <p:txEl>
-                                              <p:pRg st="0" end="0"/>
-                                            </p:txEl>
-                                          </p:spTgt>
-                                        </p:tgtEl>
-                                        <p:attrNameLst>
-                                          <p:attrName>style.visibility</p:attrName>
-                                        </p:attrNameLst>
-                                      </p:cBhvr>
-                                      <p:to>
-                                        <p:strVal val="visible"/>
-                                      </p:to>
-                                    </p:set>
-                                    <p:anim calcmode="lin" valueType="num">
-                                      <p:cBhvr>
-                                        <p:cTn id="7" dur="1000" fill="hold"/>
-                                        <p:tgtEl>
-                                          <p:spTgt spid="3">
-                                            <p:txEl>
-                                              <p:pRg st="0" end="0"/>
-                                            </p:txEl>
-                                          </p:spTgt>
-                                        </p:tgtEl>
-                                        <p:attrNameLst>
-                                          <p:attrName>ppt_w</p:attrName>
-                                        </p:attrNameLst>
-                                      </p:cBhvr>
-                                      <p:tavLst>
-                                        <p:tav tm="0">
-                                          <p:val>
-                                            <p:fltVal val="0"/>
-                                          </p:val>
-                                        </p:tav>
-                                        <p:tav tm="100000">
-                                          <p:val>
-                                            <p:strVal val="#ppt_w"/>
-                                          </p:val>
-                                        </p:tav>
-                                      </p:tavLst>
-                                    </p:anim>
-                                    <p:anim calcmode="lin" valueType="num">
-                                      <p:cBhvr>
-                                        <p:cTn id="8" dur="1000" fill="hold"/>
-                                        <p:tgtEl>
-                                          <p:spTgt spid="3">
-                                            <p:txEl>
-                                              <p:pRg st="0" end="0"/>
-                                            </p:txEl>
-                                          </p:spTgt>
-                                        </p:tgtEl>
-                                        <p:attrNameLst>
-                                          <p:attrName>ppt_h</p:attrName>
-                                        </p:attrNameLst>
-                                      </p:cBhvr>
-                                      <p:tavLst>
-                                        <p:tav tm="0">
-                                          <p:val>
-                                            <p:fltVal val="0"/>
-                                          </p:val>
-                                        </p:tav>
-                                        <p:tav tm="100000">
-                                          <p:val>
-                                            <p:strVal val="#ppt_h"/>
-                                          </p:val>
-                                        </p:tav>
-                                      </p:tavLst>
-                                    </p:anim>
-                                    <p:anim calcmode="lin" valueType="num">
-                                      <p:cBhvr>
-                                        <p:cTn id="9" dur="1000" fill="hold"/>
-                                        <p:tgtEl>
-                                          <p:spTgt spid="3">
-                                            <p:txEl>
-                                              <p:pRg st="0" end="0"/>
-                                            </p:txEl>
-                                          </p:spTgt>
-                                        </p:tgtEl>
-                                        <p:attrNameLst>
-                                          <p:attrName>style.rotation</p:attrName>
-                                        </p:attrNameLst>
-                                      </p:cBhvr>
-                                      <p:tavLst>
-                                        <p:tav tm="0">
-                                          <p:val>
-                                            <p:fltVal val="90"/>
-                                          </p:val>
-                                        </p:tav>
-                                        <p:tav tm="100000">
-                                          <p:val>
-                                            <p:fltVal val="0"/>
-                                          </p:val>
-                                        </p:tav>
-                                      </p:tavLst>
-                                    </p:anim>
-                                    <p:animEffect transition="in" filter="fade">
-                                      <p:cBhvr>
-                                        <p:cTn id="10" dur="1000"/>
-                                        <p:tgtEl>
-                                          <p:spTgt spid="3">
-                                            <p:txEl>
-                                              <p:pRg st="0" end="0"/>
-                                            </p:txEl>
-                                          </p:spTgt>
-                                        </p:tgtEl>
-                                      </p:cBhvr>
-                                    </p:animEffect>
-                                  </p:childTnLst>
-                                </p:cTn>
-                              </p:par>
-                              <p:par>
-                                <p:cTn id="11" presetID="31" presetClass="entr" presetSubtype="0" fill="hold" grpId="0" nodeType="withEffect">
-                                  <p:stCondLst>
-                                    <p:cond delay="0"/>
-                                  </p:stCondLst>
-                                  <p:childTnLst>
-                                    <p:set>
-                                      <p:cBhvr>
-                                        <p:cTn id="12" dur="1" fill="hold">
-                                          <p:stCondLst>
-                                            <p:cond delay="0"/>
-                                          </p:stCondLst>
-                                        </p:cTn>
-                                        <p:tgtEl>
-                                          <p:spTgt spid="7">
-                                            <p:txEl>
-                                              <p:pRg st="0" end="0"/>
-                                            </p:txEl>
-                                          </p:spTgt>
-                                        </p:tgtEl>
-                                        <p:attrNameLst>
-                                          <p:attrName>style.visibility</p:attrName>
-                                        </p:attrNameLst>
-                                      </p:cBhvr>
-                                      <p:to>
-                                        <p:strVal val="visible"/>
-                                      </p:to>
-                                    </p:set>
-                                    <p:anim calcmode="lin" valueType="num">
-                                      <p:cBhvr>
-                                        <p:cTn id="13" dur="1000" fill="hold"/>
-                                        <p:tgtEl>
-                                          <p:spTgt spid="7">
-                                            <p:txEl>
-                                              <p:pRg st="0" end="0"/>
-                                            </p:txEl>
-                                          </p:spTgt>
-                                        </p:tgtEl>
-                                        <p:attrNameLst>
-                                          <p:attrName>ppt_w</p:attrName>
-                                        </p:attrNameLst>
-                                      </p:cBhvr>
-                                      <p:tavLst>
-                                        <p:tav tm="0">
-                                          <p:val>
-                                            <p:fltVal val="0"/>
-                                          </p:val>
-                                        </p:tav>
-                                        <p:tav tm="100000">
-                                          <p:val>
-                                            <p:strVal val="#ppt_w"/>
-                                          </p:val>
-                                        </p:tav>
-                                      </p:tavLst>
-                                    </p:anim>
-                                    <p:anim calcmode="lin" valueType="num">
-                                      <p:cBhvr>
-                                        <p:cTn id="14" dur="1000" fill="hold"/>
-                                        <p:tgtEl>
-                                          <p:spTgt spid="7">
-                                            <p:txEl>
-                                              <p:pRg st="0" end="0"/>
-                                            </p:txEl>
-                                          </p:spTgt>
-                                        </p:tgtEl>
-                                        <p:attrNameLst>
-                                          <p:attrName>ppt_h</p:attrName>
-                                        </p:attrNameLst>
-                                      </p:cBhvr>
-                                      <p:tavLst>
-                                        <p:tav tm="0">
-                                          <p:val>
-                                            <p:fltVal val="0"/>
-                                          </p:val>
-                                        </p:tav>
-                                        <p:tav tm="100000">
-                                          <p:val>
-                                            <p:strVal val="#ppt_h"/>
-                                          </p:val>
-                                        </p:tav>
-                                      </p:tavLst>
-                                    </p:anim>
-                                    <p:anim calcmode="lin" valueType="num">
-                                      <p:cBhvr>
-                                        <p:cTn id="15" dur="1000" fill="hold"/>
-                                        <p:tgtEl>
-                                          <p:spTgt spid="7">
-                                            <p:txEl>
-                                              <p:pRg st="0" end="0"/>
-                                            </p:txEl>
-                                          </p:spTgt>
-                                        </p:tgtEl>
-                                        <p:attrNameLst>
-                                          <p:attrName>style.rotation</p:attrName>
-                                        </p:attrNameLst>
-                                      </p:cBhvr>
-                                      <p:tavLst>
-                                        <p:tav tm="0">
-                                          <p:val>
-                                            <p:fltVal val="90"/>
-                                          </p:val>
-                                        </p:tav>
-                                        <p:tav tm="100000">
-                                          <p:val>
-                                            <p:fltVal val="0"/>
-                                          </p:val>
-                                        </p:tav>
-                                      </p:tavLst>
-                                    </p:anim>
-                                    <p:animEffect transition="in" filter="fade">
-                                      <p:cBhvr>
-                                        <p:cTn id="16" dur="1000"/>
-                                        <p:tgtEl>
-                                          <p:spTgt spid="7">
-                                            <p:txEl>
-                                              <p:pRg st="0" end="0"/>
-                                            </p:txEl>
-                                          </p:spTgt>
-                                        </p:tgtEl>
-                                      </p:cBhvr>
-                                    </p:animEffect>
-                                  </p:childTnLst>
-                                </p:cTn>
-                              </p:par>
-                              <p:par>
-                                <p:cTn id="17" presetID="31" presetClass="entr" presetSubtype="0" fill="hold" grpId="0" nodeType="withEffect">
-                                  <p:stCondLst>
-                                    <p:cond delay="0"/>
-                                  </p:stCondLst>
-                                  <p:childTnLst>
-                                    <p:set>
-                                      <p:cBhvr>
-                                        <p:cTn id="18" dur="1" fill="hold">
-                                          <p:stCondLst>
-                                            <p:cond delay="0"/>
-                                          </p:stCondLst>
-                                        </p:cTn>
-                                        <p:tgtEl>
-                                          <p:spTgt spid="11">
-                                            <p:txEl>
-                                              <p:pRg st="0" end="0"/>
-                                            </p:txEl>
-                                          </p:spTgt>
-                                        </p:tgtEl>
-                                        <p:attrNameLst>
-                                          <p:attrName>style.visibility</p:attrName>
-                                        </p:attrNameLst>
-                                      </p:cBhvr>
-                                      <p:to>
-                                        <p:strVal val="visible"/>
-                                      </p:to>
-                                    </p:set>
-                                    <p:anim calcmode="lin" valueType="num">
-                                      <p:cBhvr>
-                                        <p:cTn id="19" dur="1000" fill="hold"/>
-                                        <p:tgtEl>
-                                          <p:spTgt spid="11">
-                                            <p:txEl>
-                                              <p:pRg st="0" end="0"/>
-                                            </p:txEl>
-                                          </p:spTgt>
-                                        </p:tgtEl>
-                                        <p:attrNameLst>
-                                          <p:attrName>ppt_w</p:attrName>
-                                        </p:attrNameLst>
-                                      </p:cBhvr>
-                                      <p:tavLst>
-                                        <p:tav tm="0">
-                                          <p:val>
-                                            <p:fltVal val="0"/>
-                                          </p:val>
-                                        </p:tav>
-                                        <p:tav tm="100000">
-                                          <p:val>
-                                            <p:strVal val="#ppt_w"/>
-                                          </p:val>
-                                        </p:tav>
-                                      </p:tavLst>
-                                    </p:anim>
-                                    <p:anim calcmode="lin" valueType="num">
-                                      <p:cBhvr>
-                                        <p:cTn id="20" dur="1000" fill="hold"/>
-                                        <p:tgtEl>
-                                          <p:spTgt spid="11">
-                                            <p:txEl>
-                                              <p:pRg st="0" end="0"/>
-                                            </p:txEl>
-                                          </p:spTgt>
-                                        </p:tgtEl>
-                                        <p:attrNameLst>
-                                          <p:attrName>ppt_h</p:attrName>
-                                        </p:attrNameLst>
-                                      </p:cBhvr>
-                                      <p:tavLst>
-                                        <p:tav tm="0">
-                                          <p:val>
-                                            <p:fltVal val="0"/>
-                                          </p:val>
-                                        </p:tav>
-                                        <p:tav tm="100000">
-                                          <p:val>
-                                            <p:strVal val="#ppt_h"/>
-                                          </p:val>
-                                        </p:tav>
-                                      </p:tavLst>
-                                    </p:anim>
-                                    <p:anim calcmode="lin" valueType="num">
-                                      <p:cBhvr>
-                                        <p:cTn id="21" dur="1000" fill="hold"/>
-                                        <p:tgtEl>
-                                          <p:spTgt spid="11">
-                                            <p:txEl>
-                                              <p:pRg st="0" end="0"/>
-                                            </p:txEl>
-                                          </p:spTgt>
-                                        </p:tgtEl>
-                                        <p:attrNameLst>
-                                          <p:attrName>style.rotation</p:attrName>
-                                        </p:attrNameLst>
-                                      </p:cBhvr>
-                                      <p:tavLst>
-                                        <p:tav tm="0">
-                                          <p:val>
-                                            <p:fltVal val="90"/>
-                                          </p:val>
-                                        </p:tav>
-                                        <p:tav tm="100000">
-                                          <p:val>
-                                            <p:fltVal val="0"/>
-                                          </p:val>
-                                        </p:tav>
-                                      </p:tavLst>
-                                    </p:anim>
-                                    <p:animEffect transition="in" filter="fade">
-                                      <p:cBhvr>
-                                        <p:cTn id="22" dur="1000"/>
-                                        <p:tgtEl>
-                                          <p:spTgt spid="11">
-                                            <p:txEl>
-                                              <p:pRg st="0" end="0"/>
-                                            </p:txEl>
-                                          </p:spTgt>
-                                        </p:tgtEl>
-                                      </p:cBhvr>
-                                    </p:animEffect>
-                                  </p:childTnLst>
-                                </p:cTn>
-                              </p:par>
-                              <p:par>
-                                <p:cTn id="23" presetID="31" presetClass="entr" presetSubtype="0" fill="hold" grpId="0" nodeType="withEffect">
-                                  <p:stCondLst>
-                                    <p:cond delay="0"/>
-                                  </p:stCondLst>
-                                  <p:childTnLst>
-                                    <p:set>
-                                      <p:cBhvr>
-                                        <p:cTn id="24" dur="1" fill="hold">
-                                          <p:stCondLst>
-                                            <p:cond delay="0"/>
-                                          </p:stCondLst>
-                                        </p:cTn>
-                                        <p:tgtEl>
-                                          <p:spTgt spid="6">
-                                            <p:txEl>
-                                              <p:pRg st="0" end="0"/>
-                                            </p:txEl>
-                                          </p:spTgt>
-                                        </p:tgtEl>
-                                        <p:attrNameLst>
-                                          <p:attrName>style.visibility</p:attrName>
-                                        </p:attrNameLst>
-                                      </p:cBhvr>
-                                      <p:to>
-                                        <p:strVal val="visible"/>
-                                      </p:to>
-                                    </p:set>
-                                    <p:anim calcmode="lin" valueType="num">
-                                      <p:cBhvr>
-                                        <p:cTn id="25" dur="1000" fill="hold"/>
-                                        <p:tgtEl>
-                                          <p:spTgt spid="6">
-                                            <p:txEl>
-                                              <p:pRg st="0" end="0"/>
-                                            </p:txEl>
-                                          </p:spTgt>
-                                        </p:tgtEl>
-                                        <p:attrNameLst>
-                                          <p:attrName>ppt_w</p:attrName>
-                                        </p:attrNameLst>
-                                      </p:cBhvr>
-                                      <p:tavLst>
-                                        <p:tav tm="0">
-                                          <p:val>
-                                            <p:fltVal val="0"/>
-                                          </p:val>
-                                        </p:tav>
-                                        <p:tav tm="100000">
-                                          <p:val>
-                                            <p:strVal val="#ppt_w"/>
-                                          </p:val>
-                                        </p:tav>
-                                      </p:tavLst>
-                                    </p:anim>
-                                    <p:anim calcmode="lin" valueType="num">
-                                      <p:cBhvr>
-                                        <p:cTn id="26" dur="1000" fill="hold"/>
-                                        <p:tgtEl>
-                                          <p:spTgt spid="6">
-                                            <p:txEl>
-                                              <p:pRg st="0" end="0"/>
-                                            </p:txEl>
-                                          </p:spTgt>
-                                        </p:tgtEl>
-                                        <p:attrNameLst>
-                                          <p:attrName>ppt_h</p:attrName>
-                                        </p:attrNameLst>
-                                      </p:cBhvr>
-                                      <p:tavLst>
-                                        <p:tav tm="0">
-                                          <p:val>
-                                            <p:fltVal val="0"/>
-                                          </p:val>
-                                        </p:tav>
-                                        <p:tav tm="100000">
-                                          <p:val>
-                                            <p:strVal val="#ppt_h"/>
-                                          </p:val>
-                                        </p:tav>
-                                      </p:tavLst>
-                                    </p:anim>
-                                    <p:anim calcmode="lin" valueType="num">
-                                      <p:cBhvr>
-                                        <p:cTn id="27" dur="1000" fill="hold"/>
-                                        <p:tgtEl>
-                                          <p:spTgt spid="6">
-                                            <p:txEl>
-                                              <p:pRg st="0" end="0"/>
-                                            </p:txEl>
-                                          </p:spTgt>
-                                        </p:tgtEl>
-                                        <p:attrNameLst>
-                                          <p:attrName>style.rotation</p:attrName>
-                                        </p:attrNameLst>
-                                      </p:cBhvr>
-                                      <p:tavLst>
-                                        <p:tav tm="0">
-                                          <p:val>
-                                            <p:fltVal val="90"/>
-                                          </p:val>
-                                        </p:tav>
-                                        <p:tav tm="100000">
-                                          <p:val>
-                                            <p:fltVal val="0"/>
-                                          </p:val>
-                                        </p:tav>
-                                      </p:tavLst>
-                                    </p:anim>
-                                    <p:animEffect transition="in" filter="fade">
-                                      <p:cBhvr>
-                                        <p:cTn id="28" dur="1000"/>
-                                        <p:tgtEl>
-                                          <p:spTgt spid="6">
-                                            <p:txEl>
-                                              <p:pRg st="0" end="0"/>
-                                            </p:txEl>
-                                          </p:spTgt>
-                                        </p:tgtEl>
-                                      </p:cBhvr>
-                                    </p:animEffect>
-                                  </p:childTnLst>
-                                </p:cTn>
-                              </p:par>
-                              <p:par>
-                                <p:cTn id="29" presetID="31" presetClass="entr" presetSubtype="0" fill="hold" grpId="0" nodeType="withEffect">
-                                  <p:stCondLst>
-                                    <p:cond delay="0"/>
-                                  </p:stCondLst>
-                                  <p:childTnLst>
-                                    <p:set>
-                                      <p:cBhvr>
-                                        <p:cTn id="30" dur="1" fill="hold">
-                                          <p:stCondLst>
-                                            <p:cond delay="0"/>
-                                          </p:stCondLst>
-                                        </p:cTn>
-                                        <p:tgtEl>
-                                          <p:spTgt spid="9">
-                                            <p:txEl>
-                                              <p:pRg st="0" end="0"/>
-                                            </p:txEl>
-                                          </p:spTgt>
-                                        </p:tgtEl>
-                                        <p:attrNameLst>
-                                          <p:attrName>style.visibility</p:attrName>
-                                        </p:attrNameLst>
-                                      </p:cBhvr>
-                                      <p:to>
-                                        <p:strVal val="visible"/>
-                                      </p:to>
-                                    </p:set>
-                                    <p:anim calcmode="lin" valueType="num">
-                                      <p:cBhvr>
-                                        <p:cTn id="31" dur="1000" fill="hold"/>
-                                        <p:tgtEl>
-                                          <p:spTgt spid="9">
-                                            <p:txEl>
-                                              <p:pRg st="0" end="0"/>
-                                            </p:txEl>
-                                          </p:spTgt>
-                                        </p:tgtEl>
-                                        <p:attrNameLst>
-                                          <p:attrName>ppt_w</p:attrName>
-                                        </p:attrNameLst>
-                                      </p:cBhvr>
-                                      <p:tavLst>
-                                        <p:tav tm="0">
-                                          <p:val>
-                                            <p:fltVal val="0"/>
-                                          </p:val>
-                                        </p:tav>
-                                        <p:tav tm="100000">
-                                          <p:val>
-                                            <p:strVal val="#ppt_w"/>
-                                          </p:val>
-                                        </p:tav>
-                                      </p:tavLst>
-                                    </p:anim>
-                                    <p:anim calcmode="lin" valueType="num">
-                                      <p:cBhvr>
-                                        <p:cTn id="32" dur="1000" fill="hold"/>
-                                        <p:tgtEl>
-                                          <p:spTgt spid="9">
-                                            <p:txEl>
-                                              <p:pRg st="0" end="0"/>
-                                            </p:txEl>
-                                          </p:spTgt>
-                                        </p:tgtEl>
-                                        <p:attrNameLst>
-                                          <p:attrName>ppt_h</p:attrName>
-                                        </p:attrNameLst>
-                                      </p:cBhvr>
-                                      <p:tavLst>
-                                        <p:tav tm="0">
-                                          <p:val>
-                                            <p:fltVal val="0"/>
-                                          </p:val>
-                                        </p:tav>
-                                        <p:tav tm="100000">
-                                          <p:val>
-                                            <p:strVal val="#ppt_h"/>
-                                          </p:val>
-                                        </p:tav>
-                                      </p:tavLst>
-                                    </p:anim>
-                                    <p:anim calcmode="lin" valueType="num">
-                                      <p:cBhvr>
-                                        <p:cTn id="33" dur="1000" fill="hold"/>
-                                        <p:tgtEl>
-                                          <p:spTgt spid="9">
-                                            <p:txEl>
-                                              <p:pRg st="0" end="0"/>
-                                            </p:txEl>
-                                          </p:spTgt>
-                                        </p:tgtEl>
-                                        <p:attrNameLst>
-                                          <p:attrName>style.rotation</p:attrName>
-                                        </p:attrNameLst>
-                                      </p:cBhvr>
-                                      <p:tavLst>
-                                        <p:tav tm="0">
-                                          <p:val>
-                                            <p:fltVal val="90"/>
-                                          </p:val>
-                                        </p:tav>
-                                        <p:tav tm="100000">
-                                          <p:val>
-                                            <p:fltVal val="0"/>
-                                          </p:val>
-                                        </p:tav>
-                                      </p:tavLst>
-                                    </p:anim>
-                                    <p:animEffect transition="in" filter="fade">
-                                      <p:cBhvr>
-                                        <p:cTn id="34" dur="1000"/>
-                                        <p:tgtEl>
-                                          <p:spTgt spid="9">
-                                            <p:txEl>
-                                              <p:pRg st="0" end="0"/>
-                                            </p:txEl>
-                                          </p:spTgt>
-                                        </p:tgtEl>
-                                      </p:cBhvr>
-                                    </p:animEffect>
-                                  </p:childTnLst>
-                                </p:cTn>
-                              </p:par>
-                            </p:childTnLst>
-                          </p:cTn>
-                        </p:par>
-                      </p:childTnLst>
-                    </p:cTn>
-                  </p:par>
-                </p:childTnLst>
-              </p:cTn>
-              <p:prevCondLst>
-                <p:cond evt="onPrev" delay="0">
-                  <p:tgtEl>
-                    <p:sldTgt/>
-                  </p:tgtEl>
-                </p:cond>
-              </p:prevCondLst>
-              <p:nextCondLst>
-                <p:cond evt="onNext" delay="0">
-                  <p:tgtEl>
-                    <p:sldTgt/>
-                  </p:tgtEl>
-                </p:cond>
-              </p:nextCondLst>
-            </p:seq>
-          </p:childTnLst>
-        </p:cTn>
-      </p:par>
-    </p:tnLst>
-    <p:bldLst>
-      <p:bldP spid="3" grpId="0" build="p"/>
-      <p:bldP spid="6" grpId="0" build="p"/>
-      <p:bldP spid="7" grpId="0" build="p"/>
-      <p:bldP spid="9" grpId="0" build="p"/>
-      <p:bldP spid="11" grpId="0" build="p"/>
-    </p:bldLst>
-  </p:timing>
-</p:sld>
-</file>
-
-<file path=ppt/slides/slide18.xml><?xml version="1.0" encoding="utf-8"?>
-<p:sld xmlns:a="http://schemas.openxmlformats.org/drawingml/2006/main" xmlns:r="http://schemas.openxmlformats.org/officeDocument/2006/relationships" xmlns:p="http://schemas.openxmlformats.org/presentationml/2006/main">
-  <p:cSld>
-    <p:spTree>
-      <p:nvGrpSpPr>
-        <p:cNvPr id="1" name=""/>
-        <p:cNvGrpSpPr/>
-        <p:nvPr/>
-      </p:nvGrpSpPr>
-      <p:grpSpPr>
-        <a:xfrm>
-          <a:off x="0" y="0"/>
-          <a:ext cx="0" cy="0"/>
-          <a:chOff x="0" y="0"/>
-          <a:chExt cx="0" cy="0"/>
-        </a:xfrm>
-      </p:grpSpPr>
-      <p:sp>
-        <p:nvSpPr>
-          <p:cNvPr id="2" name="Title 1"/>
-          <p:cNvSpPr>
-            <a:spLocks noGrp="1"/>
-          </p:cNvSpPr>
-          <p:nvPr>
-            <p:ph type="ctrTitle"/>
-          </p:nvPr>
-        </p:nvSpPr>
-        <p:spPr>
-          <a:xfrm>
-            <a:off x="2941518" y="1784241"/>
-            <a:ext cx="3371700" cy="1159800"/>
-          </a:xfrm>
-        </p:spPr>
-        <p:txBody>
-          <a:bodyPr/>
-          <a:lstStyle/>
-          <a:p>
-            <a:r>
-              <a:rPr lang="en-US" sz="2800" b="1" dirty="0" smtClean="0">
-                <a:latin typeface="+mj-lt"/>
-              </a:rPr>
-              <a:t>DEVELOPMENT</a:t>
-            </a:r>
-            <a:endParaRPr lang="en-US" sz="2800" b="1" dirty="0">
-              <a:latin typeface="+mj-lt"/>
-            </a:endParaRPr>
-          </a:p>
-        </p:txBody>
-      </p:sp>
-    </p:spTree>
-    <p:extLst>
-      <p:ext uri="{BB962C8B-B14F-4D97-AF65-F5344CB8AC3E}">
-        <p14:creationId xmlns:p14="http://schemas.microsoft.com/office/powerpoint/2010/main" val="2797127149"/>
-      </p:ext>
-    </p:extLst>
-  </p:cSld>
-  <p:clrMapOvr>
-    <a:masterClrMapping/>
-  </p:clrMapOvr>
-  <p:transition spd="slow">
-    <p:cover/>
-  </p:transition>
-  <p:timing>
-    <p:tnLst>
-      <p:par>
-        <p:cTn id="1" dur="indefinite" restart="never" nodeType="tmRoot"/>
-      </p:par>
-    </p:tnLst>
-  </p:timing>
-</p:sld>
-</file>
-
-<file path=ppt/slides/slide19.xml><?xml version="1.0" encoding="utf-8"?>
-<p:sld xmlns:a="http://schemas.openxmlformats.org/drawingml/2006/main" xmlns:r="http://schemas.openxmlformats.org/officeDocument/2006/relationships" xmlns:p="http://schemas.openxmlformats.org/presentationml/2006/main">
-  <p:cSld>
-    <p:spTree>
-      <p:nvGrpSpPr>
-        <p:cNvPr id="1" name=""/>
-        <p:cNvGrpSpPr/>
-        <p:nvPr/>
-      </p:nvGrpSpPr>
-      <p:grpSpPr>
-        <a:xfrm>
-          <a:off x="0" y="0"/>
-          <a:ext cx="0" cy="0"/>
-          <a:chOff x="0" y="0"/>
-          <a:chExt cx="0" cy="0"/>
-        </a:xfrm>
-      </p:grpSpPr>
-      <p:sp>
-        <p:nvSpPr>
-          <p:cNvPr id="2" name="Slide Number Placeholder 1"/>
-          <p:cNvSpPr>
-            <a:spLocks noGrp="1"/>
-          </p:cNvSpPr>
-          <p:nvPr>
-            <p:ph type="sldNum" idx="12"/>
-          </p:nvPr>
-        </p:nvSpPr>
-        <p:spPr/>
-        <p:txBody>
-          <a:bodyPr/>
-          <a:lstStyle/>
-          <a:p>
-            <a:pPr marL="0" lvl="0" indent="0" algn="r" rtl="0">
-              <a:spcBef>
-                <a:spcPts val="0"/>
-              </a:spcBef>
-              <a:spcAft>
-                <a:spcPts val="0"/>
-              </a:spcAft>
-              <a:buNone/>
-            </a:pPr>
-            <a:fld id="{00000000-1234-1234-1234-123412341234}" type="slidenum">
-              <a:rPr lang="en" smtClean="0"/>
-              <a:t>19</a:t>
-            </a:fld>
-            <a:endParaRPr lang="en"/>
-          </a:p>
-        </p:txBody>
-      </p:sp>
-      <p:sp>
-        <p:nvSpPr>
-          <p:cNvPr id="3" name="Google Shape;482;p26"/>
-          <p:cNvSpPr/>
-          <p:nvPr/>
-        </p:nvSpPr>
-        <p:spPr>
-          <a:xfrm>
-            <a:off x="1631099" y="699750"/>
-            <a:ext cx="1948800" cy="1948800"/>
-          </a:xfrm>
-          <a:prstGeom prst="ellipse">
-            <a:avLst/>
-          </a:prstGeom>
-          <a:solidFill>
-            <a:schemeClr val="bg1"/>
-          </a:solidFill>
-          <a:ln>
-            <a:solidFill>
-              <a:srgbClr val="00B0F0"/>
-            </a:solidFill>
-            <a:headEnd type="none" w="sm" len="sm"/>
-            <a:tailEnd type="none" w="sm" len="sm"/>
-          </a:ln>
-        </p:spPr>
-        <p:style>
-          <a:lnRef idx="2">
-            <a:schemeClr val="accent1"/>
-          </a:lnRef>
-          <a:fillRef idx="1">
-            <a:schemeClr val="lt1"/>
-          </a:fillRef>
-          <a:effectRef idx="0">
-            <a:schemeClr val="accent1"/>
-          </a:effectRef>
-          <a:fontRef idx="minor">
-            <a:schemeClr val="dk1"/>
-          </a:fontRef>
-        </p:style>
-        <p:txBody>
-          <a:bodyPr spcFirstLastPara="1" wrap="square" lIns="91425" tIns="91425" rIns="91425" bIns="91425" anchor="ctr" anchorCtr="0">
-            <a:noAutofit/>
-          </a:bodyPr>
-          <a:lstStyle/>
-          <a:p>
-            <a:pPr lvl="0" algn="ctr"/>
-            <a:r>
-              <a:rPr lang="en-US" dirty="0" smtClean="0">
-                <a:solidFill>
-                  <a:schemeClr val="tx1"/>
-                </a:solidFill>
-                <a:latin typeface="+mn-lt"/>
-                <a:ea typeface="Lato Light"/>
-                <a:cs typeface="Arial" panose="020B0604020202020204" pitchFamily="34" charset="0"/>
-                <a:sym typeface="Lato Light"/>
-              </a:rPr>
-              <a:t>Database </a:t>
-            </a:r>
-            <a:r>
-              <a:rPr lang="en-US" dirty="0">
-                <a:solidFill>
-                  <a:schemeClr val="tx1"/>
-                </a:solidFill>
-                <a:latin typeface="+mn-lt"/>
-                <a:ea typeface="Lato Light"/>
-                <a:cs typeface="Arial" panose="020B0604020202020204" pitchFamily="34" charset="0"/>
-                <a:sym typeface="Lato Light"/>
-              </a:rPr>
-              <a:t>development</a:t>
-            </a:r>
-            <a:endParaRPr dirty="0">
-              <a:solidFill>
-                <a:schemeClr val="tx1"/>
-              </a:solidFill>
-              <a:latin typeface="+mn-lt"/>
-              <a:ea typeface="Lato Light"/>
-              <a:cs typeface="Arial" panose="020B0604020202020204" pitchFamily="34" charset="0"/>
-              <a:sym typeface="Lato Light"/>
-            </a:endParaRPr>
-          </a:p>
-        </p:txBody>
-      </p:sp>
-      <p:sp>
-        <p:nvSpPr>
-          <p:cNvPr id="4" name="Google Shape;482;p26"/>
-          <p:cNvSpPr/>
-          <p:nvPr/>
-        </p:nvSpPr>
-        <p:spPr>
-          <a:xfrm>
-            <a:off x="3440266" y="699750"/>
-            <a:ext cx="1948800" cy="1948800"/>
-          </a:xfrm>
-          <a:prstGeom prst="ellipse">
-            <a:avLst/>
-          </a:prstGeom>
-          <a:ln>
-            <a:solidFill>
-              <a:schemeClr val="tx1"/>
-            </a:solidFill>
-            <a:headEnd type="none" w="sm" len="sm"/>
-            <a:tailEnd type="none" w="sm" len="sm"/>
-          </a:ln>
-        </p:spPr>
-        <p:style>
-          <a:lnRef idx="2">
-            <a:schemeClr val="dk1"/>
-          </a:lnRef>
-          <a:fillRef idx="1">
-            <a:schemeClr val="lt1"/>
-          </a:fillRef>
-          <a:effectRef idx="0">
-            <a:schemeClr val="dk1"/>
-          </a:effectRef>
-          <a:fontRef idx="minor">
-            <a:schemeClr val="dk1"/>
-          </a:fontRef>
-        </p:style>
-        <p:txBody>
-          <a:bodyPr spcFirstLastPara="1" wrap="square" lIns="91425" tIns="91425" rIns="91425" bIns="91425" anchor="ctr" anchorCtr="0">
-            <a:noAutofit/>
-          </a:bodyPr>
-          <a:lstStyle/>
-          <a:p>
-            <a:pPr lvl="0" algn="ctr"/>
-            <a:r>
-              <a:rPr lang="en-US" dirty="0" smtClean="0">
-                <a:solidFill>
-                  <a:schemeClr val="tx1"/>
-                </a:solidFill>
-                <a:latin typeface="+mn-lt"/>
-                <a:ea typeface="Lato Light"/>
-                <a:cs typeface="Arial" panose="020B0604020202020204" pitchFamily="34" charset="0"/>
-                <a:sym typeface="Lato Light"/>
-              </a:rPr>
-              <a:t>Code </a:t>
-            </a:r>
-            <a:r>
-              <a:rPr lang="en-US" dirty="0">
-                <a:solidFill>
-                  <a:schemeClr val="tx1"/>
-                </a:solidFill>
-                <a:latin typeface="+mn-lt"/>
-                <a:ea typeface="Lato Light"/>
-                <a:cs typeface="Arial" panose="020B0604020202020204" pitchFamily="34" charset="0"/>
-                <a:sym typeface="Lato Light"/>
-              </a:rPr>
-              <a:t>optimization</a:t>
-            </a:r>
-            <a:endParaRPr dirty="0">
-              <a:solidFill>
-                <a:schemeClr val="tx1"/>
-              </a:solidFill>
-              <a:latin typeface="+mn-lt"/>
-              <a:ea typeface="Lato Light"/>
-              <a:cs typeface="Arial" panose="020B0604020202020204" pitchFamily="34" charset="0"/>
-              <a:sym typeface="Lato Light"/>
-            </a:endParaRPr>
-          </a:p>
-        </p:txBody>
-      </p:sp>
-      <p:sp>
-        <p:nvSpPr>
-          <p:cNvPr id="5" name="Google Shape;482;p26"/>
-          <p:cNvSpPr/>
-          <p:nvPr/>
-        </p:nvSpPr>
-        <p:spPr>
-          <a:xfrm>
-            <a:off x="5249433" y="699750"/>
-            <a:ext cx="1948800" cy="1948800"/>
-          </a:xfrm>
-          <a:prstGeom prst="ellipse">
-            <a:avLst/>
-          </a:prstGeom>
-          <a:ln>
-            <a:solidFill>
-              <a:srgbClr val="FF0000"/>
-            </a:solidFill>
-            <a:headEnd type="none" w="sm" len="sm"/>
-            <a:tailEnd type="none" w="sm" len="sm"/>
-          </a:ln>
-        </p:spPr>
-        <p:style>
-          <a:lnRef idx="2">
-            <a:schemeClr val="accent6"/>
-          </a:lnRef>
-          <a:fillRef idx="1">
-            <a:schemeClr val="lt1"/>
-          </a:fillRef>
-          <a:effectRef idx="0">
-            <a:schemeClr val="accent6"/>
-          </a:effectRef>
-          <a:fontRef idx="minor">
-            <a:schemeClr val="dk1"/>
-          </a:fontRef>
-        </p:style>
-        <p:txBody>
-          <a:bodyPr spcFirstLastPara="1" wrap="square" lIns="91425" tIns="91425" rIns="91425" bIns="91425" anchor="ctr" anchorCtr="0">
-            <a:noAutofit/>
-          </a:bodyPr>
-          <a:lstStyle/>
-          <a:p>
-            <a:pPr lvl="0" algn="ctr"/>
-            <a:r>
-              <a:rPr lang="en-US" dirty="0" smtClean="0">
-                <a:solidFill>
-                  <a:schemeClr val="tx1"/>
-                </a:solidFill>
-                <a:latin typeface="+mn-lt"/>
-                <a:ea typeface="Lato Light"/>
-                <a:cs typeface="Arial" panose="020B0604020202020204" pitchFamily="34" charset="0"/>
-                <a:sym typeface="Lato Light"/>
-              </a:rPr>
-              <a:t>More funcitons for the website</a:t>
-            </a:r>
-            <a:endParaRPr dirty="0">
-              <a:solidFill>
-                <a:schemeClr val="tx1"/>
-              </a:solidFill>
-              <a:latin typeface="+mn-lt"/>
-              <a:ea typeface="Lato Light"/>
-              <a:cs typeface="Arial" panose="020B0604020202020204" pitchFamily="34" charset="0"/>
-              <a:sym typeface="Lato Light"/>
-            </a:endParaRPr>
-          </a:p>
-        </p:txBody>
-      </p:sp>
-      <p:sp>
-        <p:nvSpPr>
-          <p:cNvPr id="6" name="Google Shape;482;p26"/>
-          <p:cNvSpPr/>
-          <p:nvPr/>
-        </p:nvSpPr>
-        <p:spPr>
-          <a:xfrm>
-            <a:off x="2535683" y="2244532"/>
-            <a:ext cx="1948800" cy="1948800"/>
-          </a:xfrm>
-          <a:prstGeom prst="ellipse">
-            <a:avLst/>
-          </a:prstGeom>
-          <a:ln>
-            <a:solidFill>
-              <a:srgbClr val="FFFF00"/>
-            </a:solidFill>
-            <a:headEnd type="none" w="sm" len="sm"/>
-            <a:tailEnd type="none" w="sm" len="sm"/>
-          </a:ln>
-        </p:spPr>
-        <p:style>
-          <a:lnRef idx="2">
-            <a:schemeClr val="accent2"/>
-          </a:lnRef>
-          <a:fillRef idx="1">
-            <a:schemeClr val="lt1"/>
-          </a:fillRef>
-          <a:effectRef idx="0">
-            <a:schemeClr val="accent2"/>
-          </a:effectRef>
-          <a:fontRef idx="minor">
-            <a:schemeClr val="dk1"/>
-          </a:fontRef>
-        </p:style>
-        <p:txBody>
-          <a:bodyPr spcFirstLastPara="1" wrap="square" lIns="91425" tIns="91425" rIns="91425" bIns="91425" anchor="ctr" anchorCtr="0">
-            <a:noAutofit/>
-          </a:bodyPr>
-          <a:lstStyle/>
-          <a:p>
-            <a:pPr lvl="0" algn="ctr"/>
-            <a:r>
-              <a:rPr lang="en-US" dirty="0" smtClean="0">
-                <a:solidFill>
-                  <a:schemeClr val="tx1"/>
-                </a:solidFill>
-                <a:latin typeface="+mn-lt"/>
-                <a:ea typeface="Lato Light"/>
-                <a:cs typeface="Arial" panose="020B0604020202020204" pitchFamily="34" charset="0"/>
-                <a:sym typeface="Lato Light"/>
-              </a:rPr>
-              <a:t>Developed on the mobile platform</a:t>
-            </a:r>
-            <a:endParaRPr dirty="0">
-              <a:solidFill>
-                <a:schemeClr val="tx1"/>
-              </a:solidFill>
-              <a:latin typeface="+mn-lt"/>
-              <a:ea typeface="Lato Light"/>
-              <a:cs typeface="Arial" panose="020B0604020202020204" pitchFamily="34" charset="0"/>
-              <a:sym typeface="Lato Light"/>
-            </a:endParaRPr>
-          </a:p>
-        </p:txBody>
-      </p:sp>
-      <p:sp>
-        <p:nvSpPr>
-          <p:cNvPr id="7" name="Google Shape;482;p26"/>
-          <p:cNvSpPr/>
-          <p:nvPr/>
-        </p:nvSpPr>
-        <p:spPr>
-          <a:xfrm>
-            <a:off x="4414666" y="2287309"/>
-            <a:ext cx="1948800" cy="1948800"/>
-          </a:xfrm>
-          <a:prstGeom prst="ellipse">
-            <a:avLst/>
-          </a:prstGeom>
-          <a:ln>
-            <a:solidFill>
-              <a:srgbClr val="92D050"/>
-            </a:solidFill>
-            <a:headEnd type="none" w="sm" len="sm"/>
-            <a:tailEnd type="none" w="sm" len="sm"/>
-          </a:ln>
-        </p:spPr>
-        <p:style>
-          <a:lnRef idx="2">
-            <a:schemeClr val="accent3"/>
-          </a:lnRef>
-          <a:fillRef idx="1">
-            <a:schemeClr val="lt1"/>
-          </a:fillRef>
-          <a:effectRef idx="0">
-            <a:schemeClr val="accent3"/>
-          </a:effectRef>
-          <a:fontRef idx="minor">
-            <a:schemeClr val="dk1"/>
-          </a:fontRef>
-        </p:style>
-        <p:txBody>
-          <a:bodyPr spcFirstLastPara="1" wrap="square" lIns="91425" tIns="91425" rIns="91425" bIns="91425" anchor="ctr" anchorCtr="0">
-            <a:noAutofit/>
-          </a:bodyPr>
-          <a:lstStyle/>
-          <a:p>
-            <a:pPr lvl="0" algn="ctr"/>
-            <a:r>
-              <a:rPr lang="en-US" dirty="0" smtClean="0">
-                <a:solidFill>
-                  <a:schemeClr val="tx1"/>
-                </a:solidFill>
-                <a:latin typeface="+mn-lt"/>
-                <a:ea typeface="Lato Light"/>
-                <a:cs typeface="Arial" panose="020B0604020202020204" pitchFamily="34" charset="0"/>
-                <a:sym typeface="Lato Light"/>
-              </a:rPr>
-              <a:t>Online marketing on  social networking</a:t>
-            </a:r>
-            <a:endParaRPr dirty="0">
-              <a:solidFill>
-                <a:schemeClr val="tx1"/>
-              </a:solidFill>
-              <a:latin typeface="+mn-lt"/>
-              <a:ea typeface="Lato Light"/>
-              <a:cs typeface="Arial" panose="020B0604020202020204" pitchFamily="34" charset="0"/>
-              <a:sym typeface="Lato Light"/>
-            </a:endParaRPr>
-          </a:p>
-        </p:txBody>
-      </p:sp>
-    </p:spTree>
-    <p:extLst>
-      <p:ext uri="{BB962C8B-B14F-4D97-AF65-F5344CB8AC3E}">
-        <p14:creationId xmlns:p14="http://schemas.microsoft.com/office/powerpoint/2010/main" val="347325803"/>
-      </p:ext>
-    </p:extLst>
-  </p:cSld>
-  <p:clrMapOvr>
-    <a:masterClrMapping/>
-  </p:clrMapOvr>
-  <mc:AlternateContent xmlns:mc="http://schemas.openxmlformats.org/markup-compatibility/2006" xmlns:p15="http://schemas.microsoft.com/office/powerpoint/2012/main">
-    <mc:Choice Requires="p15">
-      <p:transition xmlns:p14="http://schemas.microsoft.com/office/powerpoint/2010/main" spd="slow" p14:dur="3250">
-        <p15:prstTrans prst="origami"/>
-      </p:transition>
-    </mc:Choice>
-    <mc:Fallback xmlns="">
-      <p:transition spd="slow">
-        <p:fade/>
-      </p:transition>
-    </mc:Fallback>
-  </mc:AlternateContent>
-  <p:timing>
-    <p:tnLst>
-      <p:par>
-        <p:cTn id="1" dur="indefinite" restart="never" nodeType="tmRoot">
-          <p:childTnLst>
-            <p:seq concurrent="1" nextAc="seek">
-              <p:cTn id="2" dur="indefinite" nodeType="mainSeq">
-                <p:childTnLst>
-                  <p:par>
-                    <p:cTn id="3" fill="hold">
-                      <p:stCondLst>
-                        <p:cond delay="indefinite"/>
-                      </p:stCondLst>
-                      <p:childTnLst>
-                        <p:par>
-                          <p:cTn id="4" fill="hold">
-                            <p:stCondLst>
-                              <p:cond delay="0"/>
-                            </p:stCondLst>
-                            <p:childTnLst>
-                              <p:par>
-                                <p:cTn id="5" presetID="41" presetClass="entr" presetSubtype="0" fill="hold" grpId="0" nodeType="clickEffect">
-                                  <p:stCondLst>
-                                    <p:cond delay="0"/>
-                                  </p:stCondLst>
-                                  <p:iterate type="lt">
-                                    <p:tmPct val="10000"/>
-                                  </p:iterate>
-                                  <p:childTnLst>
-                                    <p:set>
-                                      <p:cBhvr>
-                                        <p:cTn id="6" dur="1" fill="hold">
-                                          <p:stCondLst>
-                                            <p:cond delay="0"/>
-                                          </p:stCondLst>
-                                        </p:cTn>
-                                        <p:tgtEl>
-                                          <p:spTgt spid="3"/>
-                                        </p:tgtEl>
-                                        <p:attrNameLst>
-                                          <p:attrName>style.visibility</p:attrName>
-                                        </p:attrNameLst>
-                                      </p:cBhvr>
-                                      <p:to>
-                                        <p:strVal val="visible"/>
-                                      </p:to>
-                                    </p:set>
-                                    <p:anim calcmode="lin" valueType="num">
-                                      <p:cBhvr>
-                                        <p:cTn id="7" dur="500" fill="hold"/>
-                                        <p:tgtEl>
-                                          <p:spTgt spid="3"/>
-                                        </p:tgtEl>
-                                        <p:attrNameLst>
-                                          <p:attrName>ppt_x</p:attrName>
-                                        </p:attrNameLst>
-                                      </p:cBhvr>
-                                      <p:tavLst>
-                                        <p:tav tm="0">
-                                          <p:val>
-                                            <p:strVal val="#ppt_x"/>
-                                          </p:val>
-                                        </p:tav>
-                                        <p:tav tm="50000">
-                                          <p:val>
-                                            <p:strVal val="#ppt_x+.1"/>
-                                          </p:val>
-                                        </p:tav>
-                                        <p:tav tm="100000">
-                                          <p:val>
-                                            <p:strVal val="#ppt_x"/>
-                                          </p:val>
-                                        </p:tav>
-                                      </p:tavLst>
-                                    </p:anim>
-                                    <p:anim calcmode="lin" valueType="num">
-                                      <p:cBhvr>
-                                        <p:cTn id="8" dur="500" fill="hold"/>
-                                        <p:tgtEl>
-                                          <p:spTgt spid="3"/>
-                                        </p:tgtEl>
-                                        <p:attrNameLst>
-                                          <p:attrName>ppt_y</p:attrName>
-                                        </p:attrNameLst>
-                                      </p:cBhvr>
-                                      <p:tavLst>
-                                        <p:tav tm="0">
-                                          <p:val>
-                                            <p:strVal val="#ppt_y"/>
-                                          </p:val>
-                                        </p:tav>
-                                        <p:tav tm="100000">
-                                          <p:val>
-                                            <p:strVal val="#ppt_y"/>
-                                          </p:val>
-                                        </p:tav>
-                                      </p:tavLst>
-                                    </p:anim>
-                                    <p:anim calcmode="lin" valueType="num">
-                                      <p:cBhvr>
-                                        <p:cTn id="9" dur="500" fill="hold"/>
-                                        <p:tgtEl>
-                                          <p:spTgt spid="3"/>
-                                        </p:tgtEl>
-                                        <p:attrNameLst>
-                                          <p:attrName>ppt_h</p:attrName>
-                                        </p:attrNameLst>
-                                      </p:cBhvr>
-                                      <p:tavLst>
-                                        <p:tav tm="0">
-                                          <p:val>
-                                            <p:strVal val="#ppt_h/10"/>
-                                          </p:val>
-                                        </p:tav>
-                                        <p:tav tm="50000">
-                                          <p:val>
-                                            <p:strVal val="#ppt_h+.01"/>
-                                          </p:val>
-                                        </p:tav>
-                                        <p:tav tm="100000">
-                                          <p:val>
-                                            <p:strVal val="#ppt_h"/>
-                                          </p:val>
-                                        </p:tav>
-                                      </p:tavLst>
-                                    </p:anim>
-                                    <p:anim calcmode="lin" valueType="num">
-                                      <p:cBhvr>
-                                        <p:cTn id="10" dur="500" fill="hold"/>
-                                        <p:tgtEl>
-                                          <p:spTgt spid="3"/>
-                                        </p:tgtEl>
-                                        <p:attrNameLst>
-                                          <p:attrName>ppt_w</p:attrName>
-                                        </p:attrNameLst>
-                                      </p:cBhvr>
-                                      <p:tavLst>
-                                        <p:tav tm="0">
-                                          <p:val>
-                                            <p:strVal val="#ppt_w/10"/>
-                                          </p:val>
-                                        </p:tav>
-                                        <p:tav tm="50000">
-                                          <p:val>
-                                            <p:strVal val="#ppt_w+.01"/>
-                                          </p:val>
-                                        </p:tav>
-                                        <p:tav tm="100000">
-                                          <p:val>
-                                            <p:strVal val="#ppt_w"/>
-                                          </p:val>
-                                        </p:tav>
-                                      </p:tavLst>
-                                    </p:anim>
-                                    <p:animEffect transition="in" filter="fade">
-                                      <p:cBhvr>
-                                        <p:cTn id="11" dur="500" tmFilter="0,0; .5, 1; 1, 1"/>
-                                        <p:tgtEl>
-                                          <p:spTgt spid="3"/>
-                                        </p:tgtEl>
-                                      </p:cBhvr>
-                                    </p:animEffect>
-                                  </p:childTnLst>
-                                </p:cTn>
-                              </p:par>
-                            </p:childTnLst>
-                          </p:cTn>
-                        </p:par>
-                      </p:childTnLst>
-                    </p:cTn>
-                  </p:par>
-                  <p:par>
-                    <p:cTn id="12" fill="hold">
-                      <p:stCondLst>
-                        <p:cond delay="indefinite"/>
-                      </p:stCondLst>
-                      <p:childTnLst>
-                        <p:par>
-                          <p:cTn id="13" fill="hold">
-                            <p:stCondLst>
-                              <p:cond delay="0"/>
-                            </p:stCondLst>
-                            <p:childTnLst>
-                              <p:par>
-                                <p:cTn id="14" presetID="41" presetClass="entr" presetSubtype="0" fill="hold" grpId="0" nodeType="clickEffect">
-                                  <p:stCondLst>
-                                    <p:cond delay="0"/>
-                                  </p:stCondLst>
-                                  <p:iterate type="lt">
-                                    <p:tmPct val="10000"/>
-                                  </p:iterate>
-                                  <p:childTnLst>
-                                    <p:set>
-                                      <p:cBhvr>
-                                        <p:cTn id="15" dur="1" fill="hold">
-                                          <p:stCondLst>
-                                            <p:cond delay="0"/>
-                                          </p:stCondLst>
-                                        </p:cTn>
-                                        <p:tgtEl>
-                                          <p:spTgt spid="4"/>
-                                        </p:tgtEl>
-                                        <p:attrNameLst>
-                                          <p:attrName>style.visibility</p:attrName>
-                                        </p:attrNameLst>
-                                      </p:cBhvr>
-                                      <p:to>
-                                        <p:strVal val="visible"/>
-                                      </p:to>
-                                    </p:set>
-                                    <p:anim calcmode="lin" valueType="num">
-                                      <p:cBhvr>
-                                        <p:cTn id="16" dur="500" fill="hold"/>
-                                        <p:tgtEl>
-                                          <p:spTgt spid="4"/>
-                                        </p:tgtEl>
-                                        <p:attrNameLst>
-                                          <p:attrName>ppt_x</p:attrName>
-                                        </p:attrNameLst>
-                                      </p:cBhvr>
-                                      <p:tavLst>
-                                        <p:tav tm="0">
-                                          <p:val>
-                                            <p:strVal val="#ppt_x"/>
-                                          </p:val>
-                                        </p:tav>
-                                        <p:tav tm="50000">
-                                          <p:val>
-                                            <p:strVal val="#ppt_x+.1"/>
-                                          </p:val>
-                                        </p:tav>
-                                        <p:tav tm="100000">
-                                          <p:val>
-                                            <p:strVal val="#ppt_x"/>
-                                          </p:val>
-                                        </p:tav>
-                                      </p:tavLst>
-                                    </p:anim>
-                                    <p:anim calcmode="lin" valueType="num">
-                                      <p:cBhvr>
-                                        <p:cTn id="17" dur="500" fill="hold"/>
-                                        <p:tgtEl>
-                                          <p:spTgt spid="4"/>
-                                        </p:tgtEl>
-                                        <p:attrNameLst>
-                                          <p:attrName>ppt_y</p:attrName>
-                                        </p:attrNameLst>
-                                      </p:cBhvr>
-                                      <p:tavLst>
-                                        <p:tav tm="0">
-                                          <p:val>
-                                            <p:strVal val="#ppt_y"/>
-                                          </p:val>
-                                        </p:tav>
-                                        <p:tav tm="100000">
-                                          <p:val>
-                                            <p:strVal val="#ppt_y"/>
-                                          </p:val>
-                                        </p:tav>
-                                      </p:tavLst>
-                                    </p:anim>
-                                    <p:anim calcmode="lin" valueType="num">
-                                      <p:cBhvr>
-                                        <p:cTn id="18" dur="500" fill="hold"/>
-                                        <p:tgtEl>
-                                          <p:spTgt spid="4"/>
-                                        </p:tgtEl>
-                                        <p:attrNameLst>
-                                          <p:attrName>ppt_h</p:attrName>
-                                        </p:attrNameLst>
-                                      </p:cBhvr>
-                                      <p:tavLst>
-                                        <p:tav tm="0">
-                                          <p:val>
-                                            <p:strVal val="#ppt_h/10"/>
-                                          </p:val>
-                                        </p:tav>
-                                        <p:tav tm="50000">
-                                          <p:val>
-                                            <p:strVal val="#ppt_h+.01"/>
-                                          </p:val>
-                                        </p:tav>
-                                        <p:tav tm="100000">
-                                          <p:val>
-                                            <p:strVal val="#ppt_h"/>
-                                          </p:val>
-                                        </p:tav>
-                                      </p:tavLst>
-                                    </p:anim>
-                                    <p:anim calcmode="lin" valueType="num">
-                                      <p:cBhvr>
-                                        <p:cTn id="19" dur="500" fill="hold"/>
-                                        <p:tgtEl>
-                                          <p:spTgt spid="4"/>
-                                        </p:tgtEl>
-                                        <p:attrNameLst>
-                                          <p:attrName>ppt_w</p:attrName>
-                                        </p:attrNameLst>
-                                      </p:cBhvr>
-                                      <p:tavLst>
-                                        <p:tav tm="0">
-                                          <p:val>
-                                            <p:strVal val="#ppt_w/10"/>
-                                          </p:val>
-                                        </p:tav>
-                                        <p:tav tm="50000">
-                                          <p:val>
-                                            <p:strVal val="#ppt_w+.01"/>
-                                          </p:val>
-                                        </p:tav>
-                                        <p:tav tm="100000">
-                                          <p:val>
-                                            <p:strVal val="#ppt_w"/>
-                                          </p:val>
-                                        </p:tav>
-                                      </p:tavLst>
-                                    </p:anim>
-                                    <p:animEffect transition="in" filter="fade">
-                                      <p:cBhvr>
-                                        <p:cTn id="20" dur="500" tmFilter="0,0; .5, 1; 1, 1"/>
-                                        <p:tgtEl>
-                                          <p:spTgt spid="4"/>
-                                        </p:tgtEl>
-                                      </p:cBhvr>
-                                    </p:animEffect>
-                                  </p:childTnLst>
-                                </p:cTn>
-                              </p:par>
-                            </p:childTnLst>
-                          </p:cTn>
-                        </p:par>
-                      </p:childTnLst>
-                    </p:cTn>
-                  </p:par>
-                  <p:par>
-                    <p:cTn id="21" fill="hold">
-                      <p:stCondLst>
-                        <p:cond delay="indefinite"/>
-                      </p:stCondLst>
-                      <p:childTnLst>
-                        <p:par>
-                          <p:cTn id="22" fill="hold">
-                            <p:stCondLst>
-                              <p:cond delay="0"/>
-                            </p:stCondLst>
-                            <p:childTnLst>
-                              <p:par>
-                                <p:cTn id="23" presetID="41" presetClass="entr" presetSubtype="0" fill="hold" grpId="0" nodeType="clickEffect">
-                                  <p:stCondLst>
-                                    <p:cond delay="0"/>
-                                  </p:stCondLst>
-                                  <p:iterate type="lt">
-                                    <p:tmPct val="10000"/>
-                                  </p:iterate>
-                                  <p:childTnLst>
-                                    <p:set>
-                                      <p:cBhvr>
-                                        <p:cTn id="24" dur="1" fill="hold">
-                                          <p:stCondLst>
-                                            <p:cond delay="0"/>
-                                          </p:stCondLst>
-                                        </p:cTn>
-                                        <p:tgtEl>
-                                          <p:spTgt spid="5"/>
-                                        </p:tgtEl>
-                                        <p:attrNameLst>
-                                          <p:attrName>style.visibility</p:attrName>
-                                        </p:attrNameLst>
-                                      </p:cBhvr>
-                                      <p:to>
-                                        <p:strVal val="visible"/>
-                                      </p:to>
-                                    </p:set>
-                                    <p:anim calcmode="lin" valueType="num">
-                                      <p:cBhvr>
-                                        <p:cTn id="25" dur="500" fill="hold"/>
-                                        <p:tgtEl>
-                                          <p:spTgt spid="5"/>
-                                        </p:tgtEl>
-                                        <p:attrNameLst>
-                                          <p:attrName>ppt_x</p:attrName>
-                                        </p:attrNameLst>
-                                      </p:cBhvr>
-                                      <p:tavLst>
-                                        <p:tav tm="0">
-                                          <p:val>
-                                            <p:strVal val="#ppt_x"/>
-                                          </p:val>
-                                        </p:tav>
-                                        <p:tav tm="50000">
-                                          <p:val>
-                                            <p:strVal val="#ppt_x+.1"/>
-                                          </p:val>
-                                        </p:tav>
-                                        <p:tav tm="100000">
-                                          <p:val>
-                                            <p:strVal val="#ppt_x"/>
-                                          </p:val>
-                                        </p:tav>
-                                      </p:tavLst>
-                                    </p:anim>
-                                    <p:anim calcmode="lin" valueType="num">
-                                      <p:cBhvr>
-                                        <p:cTn id="26" dur="500" fill="hold"/>
-                                        <p:tgtEl>
-                                          <p:spTgt spid="5"/>
-                                        </p:tgtEl>
-                                        <p:attrNameLst>
-                                          <p:attrName>ppt_y</p:attrName>
-                                        </p:attrNameLst>
-                                      </p:cBhvr>
-                                      <p:tavLst>
-                                        <p:tav tm="0">
-                                          <p:val>
-                                            <p:strVal val="#ppt_y"/>
-                                          </p:val>
-                                        </p:tav>
-                                        <p:tav tm="100000">
-                                          <p:val>
-                                            <p:strVal val="#ppt_y"/>
-                                          </p:val>
-                                        </p:tav>
-                                      </p:tavLst>
-                                    </p:anim>
-                                    <p:anim calcmode="lin" valueType="num">
-                                      <p:cBhvr>
-                                        <p:cTn id="27" dur="500" fill="hold"/>
-                                        <p:tgtEl>
-                                          <p:spTgt spid="5"/>
-                                        </p:tgtEl>
-                                        <p:attrNameLst>
-                                          <p:attrName>ppt_h</p:attrName>
-                                        </p:attrNameLst>
-                                      </p:cBhvr>
-                                      <p:tavLst>
-                                        <p:tav tm="0">
-                                          <p:val>
-                                            <p:strVal val="#ppt_h/10"/>
-                                          </p:val>
-                                        </p:tav>
-                                        <p:tav tm="50000">
-                                          <p:val>
-                                            <p:strVal val="#ppt_h+.01"/>
-                                          </p:val>
-                                        </p:tav>
-                                        <p:tav tm="100000">
-                                          <p:val>
-                                            <p:strVal val="#ppt_h"/>
-                                          </p:val>
-                                        </p:tav>
-                                      </p:tavLst>
-                                    </p:anim>
-                                    <p:anim calcmode="lin" valueType="num">
-                                      <p:cBhvr>
-                                        <p:cTn id="28" dur="500" fill="hold"/>
-                                        <p:tgtEl>
-                                          <p:spTgt spid="5"/>
-                                        </p:tgtEl>
-                                        <p:attrNameLst>
-                                          <p:attrName>ppt_w</p:attrName>
-                                        </p:attrNameLst>
-                                      </p:cBhvr>
-                                      <p:tavLst>
-                                        <p:tav tm="0">
-                                          <p:val>
-                                            <p:strVal val="#ppt_w/10"/>
-                                          </p:val>
-                                        </p:tav>
-                                        <p:tav tm="50000">
-                                          <p:val>
-                                            <p:strVal val="#ppt_w+.01"/>
-                                          </p:val>
-                                        </p:tav>
-                                        <p:tav tm="100000">
-                                          <p:val>
-                                            <p:strVal val="#ppt_w"/>
-                                          </p:val>
-                                        </p:tav>
-                                      </p:tavLst>
-                                    </p:anim>
-                                    <p:animEffect transition="in" filter="fade">
-                                      <p:cBhvr>
-                                        <p:cTn id="29" dur="500" tmFilter="0,0; .5, 1; 1, 1"/>
-                                        <p:tgtEl>
-                                          <p:spTgt spid="5"/>
-                                        </p:tgtEl>
-                                      </p:cBhvr>
-                                    </p:animEffect>
-                                  </p:childTnLst>
-                                </p:cTn>
-                              </p:par>
-                            </p:childTnLst>
-                          </p:cTn>
-                        </p:par>
-                      </p:childTnLst>
-                    </p:cTn>
-                  </p:par>
-                  <p:par>
-                    <p:cTn id="30" fill="hold">
-                      <p:stCondLst>
-                        <p:cond delay="indefinite"/>
-                      </p:stCondLst>
-                      <p:childTnLst>
-                        <p:par>
-                          <p:cTn id="31" fill="hold">
-                            <p:stCondLst>
-                              <p:cond delay="0"/>
-                            </p:stCondLst>
-                            <p:childTnLst>
-                              <p:par>
-                                <p:cTn id="32" presetID="41" presetClass="entr" presetSubtype="0" fill="hold" grpId="0" nodeType="clickEffect">
-                                  <p:stCondLst>
-                                    <p:cond delay="0"/>
-                                  </p:stCondLst>
-                                  <p:iterate type="lt">
-                                    <p:tmPct val="10000"/>
-                                  </p:iterate>
-                                  <p:childTnLst>
-                                    <p:set>
-                                      <p:cBhvr>
-                                        <p:cTn id="33" dur="1" fill="hold">
-                                          <p:stCondLst>
-                                            <p:cond delay="0"/>
-                                          </p:stCondLst>
-                                        </p:cTn>
-                                        <p:tgtEl>
-                                          <p:spTgt spid="6"/>
-                                        </p:tgtEl>
-                                        <p:attrNameLst>
-                                          <p:attrName>style.visibility</p:attrName>
-                                        </p:attrNameLst>
-                                      </p:cBhvr>
-                                      <p:to>
-                                        <p:strVal val="visible"/>
-                                      </p:to>
-                                    </p:set>
-                                    <p:anim calcmode="lin" valueType="num">
-                                      <p:cBhvr>
-                                        <p:cTn id="34" dur="500" fill="hold"/>
-                                        <p:tgtEl>
-                                          <p:spTgt spid="6"/>
-                                        </p:tgtEl>
-                                        <p:attrNameLst>
-                                          <p:attrName>ppt_x</p:attrName>
-                                        </p:attrNameLst>
-                                      </p:cBhvr>
-                                      <p:tavLst>
-                                        <p:tav tm="0">
-                                          <p:val>
-                                            <p:strVal val="#ppt_x"/>
-                                          </p:val>
-                                        </p:tav>
-                                        <p:tav tm="50000">
-                                          <p:val>
-                                            <p:strVal val="#ppt_x+.1"/>
-                                          </p:val>
-                                        </p:tav>
-                                        <p:tav tm="100000">
-                                          <p:val>
-                                            <p:strVal val="#ppt_x"/>
-                                          </p:val>
-                                        </p:tav>
-                                      </p:tavLst>
-                                    </p:anim>
-                                    <p:anim calcmode="lin" valueType="num">
-                                      <p:cBhvr>
-                                        <p:cTn id="35" dur="500" fill="hold"/>
-                                        <p:tgtEl>
-                                          <p:spTgt spid="6"/>
-                                        </p:tgtEl>
-                                        <p:attrNameLst>
-                                          <p:attrName>ppt_y</p:attrName>
-                                        </p:attrNameLst>
-                                      </p:cBhvr>
-                                      <p:tavLst>
-                                        <p:tav tm="0">
-                                          <p:val>
-                                            <p:strVal val="#ppt_y"/>
-                                          </p:val>
-                                        </p:tav>
-                                        <p:tav tm="100000">
-                                          <p:val>
-                                            <p:strVal val="#ppt_y"/>
-                                          </p:val>
-                                        </p:tav>
-                                      </p:tavLst>
-                                    </p:anim>
-                                    <p:anim calcmode="lin" valueType="num">
-                                      <p:cBhvr>
-                                        <p:cTn id="36" dur="500" fill="hold"/>
-                                        <p:tgtEl>
-                                          <p:spTgt spid="6"/>
-                                        </p:tgtEl>
-                                        <p:attrNameLst>
-                                          <p:attrName>ppt_h</p:attrName>
-                                        </p:attrNameLst>
-                                      </p:cBhvr>
-                                      <p:tavLst>
-                                        <p:tav tm="0">
-                                          <p:val>
-                                            <p:strVal val="#ppt_h/10"/>
-                                          </p:val>
-                                        </p:tav>
-                                        <p:tav tm="50000">
-                                          <p:val>
-                                            <p:strVal val="#ppt_h+.01"/>
-                                          </p:val>
-                                        </p:tav>
-                                        <p:tav tm="100000">
-                                          <p:val>
-                                            <p:strVal val="#ppt_h"/>
-                                          </p:val>
-                                        </p:tav>
-                                      </p:tavLst>
-                                    </p:anim>
-                                    <p:anim calcmode="lin" valueType="num">
-                                      <p:cBhvr>
-                                        <p:cTn id="37" dur="500" fill="hold"/>
-                                        <p:tgtEl>
-                                          <p:spTgt spid="6"/>
-                                        </p:tgtEl>
-                                        <p:attrNameLst>
-                                          <p:attrName>ppt_w</p:attrName>
-                                        </p:attrNameLst>
-                                      </p:cBhvr>
-                                      <p:tavLst>
-                                        <p:tav tm="0">
-                                          <p:val>
-                                            <p:strVal val="#ppt_w/10"/>
-                                          </p:val>
-                                        </p:tav>
-                                        <p:tav tm="50000">
-                                          <p:val>
-                                            <p:strVal val="#ppt_w+.01"/>
-                                          </p:val>
-                                        </p:tav>
-                                        <p:tav tm="100000">
-                                          <p:val>
-                                            <p:strVal val="#ppt_w"/>
-                                          </p:val>
-                                        </p:tav>
-                                      </p:tavLst>
-                                    </p:anim>
-                                    <p:animEffect transition="in" filter="fade">
-                                      <p:cBhvr>
-                                        <p:cTn id="38" dur="500" tmFilter="0,0; .5, 1; 1, 1"/>
-                                        <p:tgtEl>
-                                          <p:spTgt spid="6"/>
-                                        </p:tgtEl>
-                                      </p:cBhvr>
-                                    </p:animEffect>
-                                  </p:childTnLst>
-                                </p:cTn>
-                              </p:par>
-                            </p:childTnLst>
-                          </p:cTn>
-                        </p:par>
-                      </p:childTnLst>
-                    </p:cTn>
-                  </p:par>
-                  <p:par>
-                    <p:cTn id="39" fill="hold">
-                      <p:stCondLst>
-                        <p:cond delay="indefinite"/>
-                      </p:stCondLst>
-                      <p:childTnLst>
-                        <p:par>
-                          <p:cTn id="40" fill="hold">
-                            <p:stCondLst>
-                              <p:cond delay="0"/>
-                            </p:stCondLst>
-                            <p:childTnLst>
-                              <p:par>
-                                <p:cTn id="41" presetID="41" presetClass="entr" presetSubtype="0" fill="hold" grpId="0" nodeType="clickEffect">
-                                  <p:stCondLst>
-                                    <p:cond delay="0"/>
-                                  </p:stCondLst>
-                                  <p:iterate type="lt">
-                                    <p:tmPct val="10000"/>
-                                  </p:iterate>
-                                  <p:childTnLst>
-                                    <p:set>
-                                      <p:cBhvr>
-                                        <p:cTn id="42" dur="1" fill="hold">
-                                          <p:stCondLst>
-                                            <p:cond delay="0"/>
-                                          </p:stCondLst>
-                                        </p:cTn>
-                                        <p:tgtEl>
-                                          <p:spTgt spid="7"/>
-                                        </p:tgtEl>
-                                        <p:attrNameLst>
-                                          <p:attrName>style.visibility</p:attrName>
-                                        </p:attrNameLst>
-                                      </p:cBhvr>
-                                      <p:to>
-                                        <p:strVal val="visible"/>
-                                      </p:to>
-                                    </p:set>
-                                    <p:anim calcmode="lin" valueType="num">
-                                      <p:cBhvr>
-                                        <p:cTn id="43" dur="500" fill="hold"/>
-                                        <p:tgtEl>
-                                          <p:spTgt spid="7"/>
-                                        </p:tgtEl>
-                                        <p:attrNameLst>
-                                          <p:attrName>ppt_x</p:attrName>
-                                        </p:attrNameLst>
-                                      </p:cBhvr>
-                                      <p:tavLst>
-                                        <p:tav tm="0">
-                                          <p:val>
-                                            <p:strVal val="#ppt_x"/>
-                                          </p:val>
-                                        </p:tav>
-                                        <p:tav tm="50000">
-                                          <p:val>
-                                            <p:strVal val="#ppt_x+.1"/>
-                                          </p:val>
-                                        </p:tav>
-                                        <p:tav tm="100000">
-                                          <p:val>
-                                            <p:strVal val="#ppt_x"/>
-                                          </p:val>
-                                        </p:tav>
-                                      </p:tavLst>
-                                    </p:anim>
-                                    <p:anim calcmode="lin" valueType="num">
-                                      <p:cBhvr>
-                                        <p:cTn id="44" dur="500" fill="hold"/>
-                                        <p:tgtEl>
-                                          <p:spTgt spid="7"/>
-                                        </p:tgtEl>
-                                        <p:attrNameLst>
-                                          <p:attrName>ppt_y</p:attrName>
-                                        </p:attrNameLst>
-                                      </p:cBhvr>
-                                      <p:tavLst>
-                                        <p:tav tm="0">
-                                          <p:val>
-                                            <p:strVal val="#ppt_y"/>
-                                          </p:val>
-                                        </p:tav>
-                                        <p:tav tm="100000">
-                                          <p:val>
-                                            <p:strVal val="#ppt_y"/>
-                                          </p:val>
-                                        </p:tav>
-                                      </p:tavLst>
-                                    </p:anim>
-                                    <p:anim calcmode="lin" valueType="num">
-                                      <p:cBhvr>
-                                        <p:cTn id="45" dur="500" fill="hold"/>
-                                        <p:tgtEl>
-                                          <p:spTgt spid="7"/>
-                                        </p:tgtEl>
-                                        <p:attrNameLst>
-                                          <p:attrName>ppt_h</p:attrName>
-                                        </p:attrNameLst>
-                                      </p:cBhvr>
-                                      <p:tavLst>
-                                        <p:tav tm="0">
-                                          <p:val>
-                                            <p:strVal val="#ppt_h/10"/>
-                                          </p:val>
-                                        </p:tav>
-                                        <p:tav tm="50000">
-                                          <p:val>
-                                            <p:strVal val="#ppt_h+.01"/>
-                                          </p:val>
-                                        </p:tav>
-                                        <p:tav tm="100000">
-                                          <p:val>
-                                            <p:strVal val="#ppt_h"/>
-                                          </p:val>
-                                        </p:tav>
-                                      </p:tavLst>
-                                    </p:anim>
-                                    <p:anim calcmode="lin" valueType="num">
-                                      <p:cBhvr>
-                                        <p:cTn id="46" dur="500" fill="hold"/>
-                                        <p:tgtEl>
-                                          <p:spTgt spid="7"/>
-                                        </p:tgtEl>
-                                        <p:attrNameLst>
-                                          <p:attrName>ppt_w</p:attrName>
-                                        </p:attrNameLst>
-                                      </p:cBhvr>
-                                      <p:tavLst>
-                                        <p:tav tm="0">
-                                          <p:val>
-                                            <p:strVal val="#ppt_w/10"/>
-                                          </p:val>
-                                        </p:tav>
-                                        <p:tav tm="50000">
-                                          <p:val>
-                                            <p:strVal val="#ppt_w+.01"/>
-                                          </p:val>
-                                        </p:tav>
-                                        <p:tav tm="100000">
-                                          <p:val>
-                                            <p:strVal val="#ppt_w"/>
-                                          </p:val>
-                                        </p:tav>
-                                      </p:tavLst>
-                                    </p:anim>
-                                    <p:animEffect transition="in" filter="fade">
-                                      <p:cBhvr>
-                                        <p:cTn id="47" dur="500" tmFilter="0,0; .5, 1; 1, 1"/>
-                                        <p:tgtEl>
-                                          <p:spTgt spid="7"/>
-                                        </p:tgtEl>
-                                      </p:cBhvr>
-                                    </p:animEffect>
-                                  </p:childTnLst>
-                                </p:cTn>
-                              </p:par>
-                            </p:childTnLst>
-                          </p:cTn>
-                        </p:par>
-                      </p:childTnLst>
-                    </p:cTn>
-                  </p:par>
-                </p:childTnLst>
-              </p:cTn>
-              <p:prevCondLst>
-                <p:cond evt="onPrev" delay="0">
-                  <p:tgtEl>
-                    <p:sldTgt/>
-                  </p:tgtEl>
-                </p:cond>
-              </p:prevCondLst>
-              <p:nextCondLst>
-                <p:cond evt="onNext" delay="0">
-                  <p:tgtEl>
-                    <p:sldTgt/>
-                  </p:tgtEl>
-                </p:cond>
-              </p:nextCondLst>
-            </p:seq>
-          </p:childTnLst>
-        </p:cTn>
-      </p:par>
-    </p:tnLst>
-    <p:bldLst>
-      <p:bldP spid="3" grpId="0" animBg="1"/>
-      <p:bldP spid="4" grpId="0" animBg="1"/>
-      <p:bldP spid="5" grpId="0" animBg="1"/>
-      <p:bldP spid="6" grpId="0" animBg="1"/>
-      <p:bldP spid="7" grpId="0" animBg="1"/>
-    </p:bldLst>
-  </p:timing>
-</p:sld>
-</file>
-
 <file path=ppt/slides/slide2.xml><?xml version="1.0" encoding="utf-8"?>
 <p:sld xmlns:a="http://schemas.openxmlformats.org/drawingml/2006/main" xmlns:r="http://schemas.openxmlformats.org/officeDocument/2006/relationships" xmlns:p="http://schemas.openxmlformats.org/presentationml/2006/main">
   <p:cSld>
@@ -36802,13 +35226,13 @@
               <a:buNone/>
             </a:pPr>
             <a:r>
-              <a:rPr lang="en-US" dirty="0" smtClean="0">
+              <a:rPr lang="en-US" dirty="0">
                 <a:latin typeface="+mj-lt"/>
               </a:rPr>
               <a:t>      </a:t>
             </a:r>
             <a:r>
-              <a:rPr lang="en-US" sz="2800" dirty="0" smtClean="0">
+              <a:rPr lang="en-US" sz="2800" dirty="0">
                 <a:latin typeface="+mj-lt"/>
               </a:rPr>
               <a:t>Group 1</a:t>
@@ -36854,7 +35278,7 @@
               <a:buNone/>
             </a:pPr>
             <a:r>
-              <a:rPr lang="en-US" sz="3200" dirty="0" smtClean="0">
+              <a:rPr lang="en-US" sz="3200" dirty="0">
                 <a:solidFill>
                   <a:srgbClr val="02BDC7"/>
                 </a:solidFill>
@@ -36862,7 +35286,7 @@
               <a:t>                    </a:t>
             </a:r>
             <a:r>
-              <a:rPr lang="en-US" sz="3200" dirty="0" smtClean="0">
+              <a:rPr lang="en-US" sz="3200" dirty="0">
                 <a:solidFill>
                   <a:srgbClr val="02BDC7"/>
                 </a:solidFill>
@@ -36935,7 +35359,7 @@
               <a:buFont typeface="Arial"/>
               <a:buNone/>
             </a:pPr>
-            <a:endParaRPr lang="en-US" sz="1200" dirty="0" smtClean="0"/>
+            <a:endParaRPr lang="en-US" sz="1200" dirty="0"/>
           </a:p>
           <a:p>
             <a:pPr marL="0" lvl="0" indent="0" algn="l" rtl="0">
@@ -36963,13 +35387,13 @@
               <a:buNone/>
             </a:pPr>
             <a:r>
-              <a:rPr lang="en-US" dirty="0" smtClean="0">
+              <a:rPr lang="en-US" dirty="0">
                 <a:latin typeface="+mn-lt"/>
               </a:rPr>
               <a:t>           </a:t>
             </a:r>
             <a:r>
-              <a:rPr lang="en-US" dirty="0" smtClean="0">
+              <a:rPr lang="en-US" dirty="0">
                 <a:latin typeface="+mj-lt"/>
               </a:rPr>
               <a:t>Instructors:</a:t>
@@ -36991,11 +35415,11 @@
               <a:buNone/>
             </a:pPr>
             <a:r>
-              <a:rPr lang="en-US" dirty="0" smtClean="0"/>
+              <a:rPr lang="en-US" dirty="0"/>
               <a:t>        </a:t>
             </a:r>
             <a:r>
-              <a:rPr lang="en-US" dirty="0" smtClean="0">
+              <a:rPr lang="en-US" dirty="0">
                 <a:latin typeface="+mn-lt"/>
               </a:rPr>
               <a:t>Nguyen Van Trong</a:t>
@@ -37044,15 +35468,9 @@
               <a:rPr lang="en-US" sz="1200" dirty="0">
                 <a:latin typeface="+mj-lt"/>
               </a:rPr>
-              <a:t>Members </a:t>
+              <a:t>Members list :</a:t>
             </a:r>
-            <a:r>
-              <a:rPr lang="en-US" sz="1200" dirty="0" smtClean="0">
-                <a:latin typeface="+mj-lt"/>
-              </a:rPr>
-              <a:t>list :</a:t>
-            </a:r>
-            <a:endParaRPr lang="en-US" sz="1200" dirty="0" smtClean="0">
+            <a:endParaRPr lang="en-US" sz="1200" dirty="0">
               <a:solidFill>
                 <a:srgbClr val="4A5C65"/>
               </a:solidFill>
@@ -37070,7 +35488,7 @@
               <a:buAutoNum type="arabicPeriod"/>
             </a:pPr>
             <a:r>
-              <a:rPr lang="en-US" sz="1200" dirty="0" smtClean="0">
+              <a:rPr lang="en-US" sz="1200" dirty="0">
                 <a:latin typeface="+mn-lt"/>
               </a:rPr>
               <a:t>Le Nguyen Kha ( Leader )</a:t>
@@ -37087,7 +35505,7 @@
               <a:buAutoNum type="arabicPeriod"/>
             </a:pPr>
             <a:r>
-              <a:rPr lang="en-US" sz="1200" dirty="0" smtClean="0">
+              <a:rPr lang="en-US" sz="1200" dirty="0">
                 <a:solidFill>
                   <a:srgbClr val="4A5C65"/>
                 </a:solidFill>
@@ -37107,13 +35525,13 @@
               <a:buAutoNum type="arabicPeriod"/>
             </a:pPr>
             <a:r>
-              <a:rPr lang="en-US" sz="1200" dirty="0" smtClean="0">
+              <a:rPr lang="en-US" sz="1200" dirty="0">
                 <a:latin typeface="+mn-lt"/>
               </a:rPr>
               <a:t>Vuong Hoang Long</a:t>
             </a:r>
             <a:r>
-              <a:rPr lang="en-US" sz="1200" dirty="0" smtClean="0"/>
+              <a:rPr lang="en-US" sz="1200" dirty="0"/>
               <a:t>	</a:t>
             </a:r>
           </a:p>
@@ -37127,7 +35545,7 @@
               </a:spcAft>
               <a:buAutoNum type="arabicPeriod"/>
             </a:pPr>
-            <a:endParaRPr lang="en-US" sz="1200" dirty="0" smtClean="0">
+            <a:endParaRPr lang="en-US" sz="1200" dirty="0">
               <a:solidFill>
                 <a:srgbClr val="4A5C65"/>
               </a:solidFill>
@@ -39027,6 +37445,969 @@
       </p:grpSpPr>
       <p:sp>
         <p:nvSpPr>
+          <p:cNvPr id="2" name="Title 1"/>
+          <p:cNvSpPr>
+            <a:spLocks noGrp="1"/>
+          </p:cNvSpPr>
+          <p:nvPr>
+            <p:ph type="title"/>
+          </p:nvPr>
+        </p:nvSpPr>
+        <p:spPr>
+          <a:xfrm>
+            <a:off x="176382" y="1475508"/>
+            <a:ext cx="2248163" cy="808625"/>
+          </a:xfrm>
+        </p:spPr>
+        <p:txBody>
+          <a:bodyPr/>
+          <a:lstStyle/>
+          <a:p>
+            <a:r>
+              <a:rPr lang="en-US" sz="2800" dirty="0">
+                <a:latin typeface="+mj-lt"/>
+              </a:rPr>
+              <a:t>Disvantage</a:t>
+            </a:r>
+          </a:p>
+        </p:txBody>
+      </p:sp>
+      <p:sp>
+        <p:nvSpPr>
+          <p:cNvPr id="3" name="Text Placeholder 2"/>
+          <p:cNvSpPr>
+            <a:spLocks noGrp="1"/>
+          </p:cNvSpPr>
+          <p:nvPr>
+            <p:ph type="body" idx="1"/>
+          </p:nvPr>
+        </p:nvSpPr>
+        <p:spPr>
+          <a:xfrm>
+            <a:off x="2830925" y="1200150"/>
+            <a:ext cx="2350676" cy="1134341"/>
+          </a:xfrm>
+        </p:spPr>
+        <p:txBody>
+          <a:bodyPr/>
+          <a:lstStyle/>
+          <a:p>
+            <a:r>
+              <a:rPr lang="en-US" dirty="0"/>
+              <a:t>Not fluent in Javascript</a:t>
+            </a:r>
+          </a:p>
+        </p:txBody>
+      </p:sp>
+      <p:sp>
+        <p:nvSpPr>
+          <p:cNvPr id="5" name="Slide Number Placeholder 4"/>
+          <p:cNvSpPr>
+            <a:spLocks noGrp="1"/>
+          </p:cNvSpPr>
+          <p:nvPr>
+            <p:ph type="sldNum" idx="12"/>
+          </p:nvPr>
+        </p:nvSpPr>
+        <p:spPr/>
+        <p:txBody>
+          <a:bodyPr/>
+          <a:lstStyle/>
+          <a:p>
+            <a:pPr marL="0" lvl="0" indent="0" algn="r" rtl="0">
+              <a:spcBef>
+                <a:spcPts val="0"/>
+              </a:spcBef>
+              <a:spcAft>
+                <a:spcPts val="0"/>
+              </a:spcAft>
+              <a:buNone/>
+            </a:pPr>
+            <a:fld id="{00000000-1234-1234-1234-123412341234}" type="slidenum">
+              <a:rPr lang="en" smtClean="0"/>
+              <a:t>20</a:t>
+            </a:fld>
+            <a:endParaRPr lang="en"/>
+          </a:p>
+        </p:txBody>
+      </p:sp>
+      <p:sp>
+        <p:nvSpPr>
+          <p:cNvPr id="6" name="Text Placeholder 2"/>
+          <p:cNvSpPr>
+            <a:spLocks noGrp="1"/>
+          </p:cNvSpPr>
+          <p:nvPr>
+            <p:ph type="body" idx="1"/>
+          </p:nvPr>
+        </p:nvSpPr>
+        <p:spPr>
+          <a:xfrm>
+            <a:off x="5181601" y="1200150"/>
+            <a:ext cx="2729344" cy="1134341"/>
+          </a:xfrm>
+        </p:spPr>
+        <p:txBody>
+          <a:bodyPr/>
+          <a:lstStyle/>
+          <a:p>
+            <a:r>
+              <a:rPr lang="en-US" dirty="0"/>
+              <a:t>No experience in designing websites</a:t>
+            </a:r>
+          </a:p>
+        </p:txBody>
+      </p:sp>
+      <p:sp>
+        <p:nvSpPr>
+          <p:cNvPr id="7" name="Text Placeholder 2"/>
+          <p:cNvSpPr>
+            <a:spLocks noGrp="1"/>
+          </p:cNvSpPr>
+          <p:nvPr>
+            <p:ph type="body" idx="1"/>
+          </p:nvPr>
+        </p:nvSpPr>
+        <p:spPr>
+          <a:xfrm>
+            <a:off x="2830925" y="2389909"/>
+            <a:ext cx="2350676" cy="1134341"/>
+          </a:xfrm>
+        </p:spPr>
+        <p:txBody>
+          <a:bodyPr/>
+          <a:lstStyle/>
+          <a:p>
+            <a:r>
+              <a:rPr lang="en-US" dirty="0"/>
+              <a:t>The code is not optimized</a:t>
+            </a:r>
+          </a:p>
+        </p:txBody>
+      </p:sp>
+      <p:sp>
+        <p:nvSpPr>
+          <p:cNvPr id="9" name="Text Placeholder 2"/>
+          <p:cNvSpPr>
+            <a:spLocks noGrp="1"/>
+          </p:cNvSpPr>
+          <p:nvPr>
+            <p:ph type="body" idx="1"/>
+          </p:nvPr>
+        </p:nvSpPr>
+        <p:spPr>
+          <a:xfrm>
+            <a:off x="5181601" y="2389909"/>
+            <a:ext cx="2936383" cy="1134341"/>
+          </a:xfrm>
+        </p:spPr>
+        <p:txBody>
+          <a:bodyPr/>
+          <a:lstStyle/>
+          <a:p>
+            <a:r>
+              <a:rPr lang="en-US" dirty="0"/>
+              <a:t>Some functions have not been perfected</a:t>
+            </a:r>
+          </a:p>
+        </p:txBody>
+      </p:sp>
+      <p:sp>
+        <p:nvSpPr>
+          <p:cNvPr id="11" name="Text Placeholder 2"/>
+          <p:cNvSpPr>
+            <a:spLocks noGrp="1"/>
+          </p:cNvSpPr>
+          <p:nvPr>
+            <p:ph type="body" idx="1"/>
+          </p:nvPr>
+        </p:nvSpPr>
+        <p:spPr>
+          <a:xfrm>
+            <a:off x="2830925" y="3524250"/>
+            <a:ext cx="2350676" cy="1134341"/>
+          </a:xfrm>
+        </p:spPr>
+        <p:txBody>
+          <a:bodyPr/>
+          <a:lstStyle/>
+          <a:p>
+            <a:r>
+              <a:rPr lang="en-US" dirty="0"/>
+              <a:t>Restriction about English</a:t>
+            </a:r>
+          </a:p>
+        </p:txBody>
+      </p:sp>
+    </p:spTree>
+    <p:extLst>
+      <p:ext uri="{BB962C8B-B14F-4D97-AF65-F5344CB8AC3E}">
+        <p14:creationId xmlns:p14="http://schemas.microsoft.com/office/powerpoint/2010/main" val="935092248"/>
+      </p:ext>
+    </p:extLst>
+  </p:cSld>
+  <p:clrMapOvr>
+    <a:masterClrMapping/>
+  </p:clrMapOvr>
+  <p:timing>
+    <p:tnLst>
+      <p:par>
+        <p:cTn id="1" dur="indefinite" restart="never" nodeType="tmRoot">
+          <p:childTnLst>
+            <p:seq concurrent="1" nextAc="seek">
+              <p:cTn id="2" dur="indefinite" nodeType="mainSeq">
+                <p:childTnLst>
+                  <p:par>
+                    <p:cTn id="3" fill="hold">
+                      <p:stCondLst>
+                        <p:cond delay="indefinite"/>
+                      </p:stCondLst>
+                      <p:childTnLst>
+                        <p:par>
+                          <p:cTn id="4" fill="hold">
+                            <p:stCondLst>
+                              <p:cond delay="0"/>
+                            </p:stCondLst>
+                            <p:childTnLst>
+                              <p:par>
+                                <p:cTn id="5" presetID="31" presetClass="entr" presetSubtype="0" fill="hold" grpId="0" nodeType="clickEffect">
+                                  <p:stCondLst>
+                                    <p:cond delay="0"/>
+                                  </p:stCondLst>
+                                  <p:childTnLst>
+                                    <p:set>
+                                      <p:cBhvr>
+                                        <p:cTn id="6" dur="1" fill="hold">
+                                          <p:stCondLst>
+                                            <p:cond delay="0"/>
+                                          </p:stCondLst>
+                                        </p:cTn>
+                                        <p:tgtEl>
+                                          <p:spTgt spid="3">
+                                            <p:txEl>
+                                              <p:pRg st="0" end="0"/>
+                                            </p:txEl>
+                                          </p:spTgt>
+                                        </p:tgtEl>
+                                        <p:attrNameLst>
+                                          <p:attrName>style.visibility</p:attrName>
+                                        </p:attrNameLst>
+                                      </p:cBhvr>
+                                      <p:to>
+                                        <p:strVal val="visible"/>
+                                      </p:to>
+                                    </p:set>
+                                    <p:anim calcmode="lin" valueType="num">
+                                      <p:cBhvr>
+                                        <p:cTn id="7" dur="1000" fill="hold"/>
+                                        <p:tgtEl>
+                                          <p:spTgt spid="3">
+                                            <p:txEl>
+                                              <p:pRg st="0" end="0"/>
+                                            </p:txEl>
+                                          </p:spTgt>
+                                        </p:tgtEl>
+                                        <p:attrNameLst>
+                                          <p:attrName>ppt_w</p:attrName>
+                                        </p:attrNameLst>
+                                      </p:cBhvr>
+                                      <p:tavLst>
+                                        <p:tav tm="0">
+                                          <p:val>
+                                            <p:fltVal val="0"/>
+                                          </p:val>
+                                        </p:tav>
+                                        <p:tav tm="100000">
+                                          <p:val>
+                                            <p:strVal val="#ppt_w"/>
+                                          </p:val>
+                                        </p:tav>
+                                      </p:tavLst>
+                                    </p:anim>
+                                    <p:anim calcmode="lin" valueType="num">
+                                      <p:cBhvr>
+                                        <p:cTn id="8" dur="1000" fill="hold"/>
+                                        <p:tgtEl>
+                                          <p:spTgt spid="3">
+                                            <p:txEl>
+                                              <p:pRg st="0" end="0"/>
+                                            </p:txEl>
+                                          </p:spTgt>
+                                        </p:tgtEl>
+                                        <p:attrNameLst>
+                                          <p:attrName>ppt_h</p:attrName>
+                                        </p:attrNameLst>
+                                      </p:cBhvr>
+                                      <p:tavLst>
+                                        <p:tav tm="0">
+                                          <p:val>
+                                            <p:fltVal val="0"/>
+                                          </p:val>
+                                        </p:tav>
+                                        <p:tav tm="100000">
+                                          <p:val>
+                                            <p:strVal val="#ppt_h"/>
+                                          </p:val>
+                                        </p:tav>
+                                      </p:tavLst>
+                                    </p:anim>
+                                    <p:anim calcmode="lin" valueType="num">
+                                      <p:cBhvr>
+                                        <p:cTn id="9" dur="1000" fill="hold"/>
+                                        <p:tgtEl>
+                                          <p:spTgt spid="3">
+                                            <p:txEl>
+                                              <p:pRg st="0" end="0"/>
+                                            </p:txEl>
+                                          </p:spTgt>
+                                        </p:tgtEl>
+                                        <p:attrNameLst>
+                                          <p:attrName>style.rotation</p:attrName>
+                                        </p:attrNameLst>
+                                      </p:cBhvr>
+                                      <p:tavLst>
+                                        <p:tav tm="0">
+                                          <p:val>
+                                            <p:fltVal val="90"/>
+                                          </p:val>
+                                        </p:tav>
+                                        <p:tav tm="100000">
+                                          <p:val>
+                                            <p:fltVal val="0"/>
+                                          </p:val>
+                                        </p:tav>
+                                      </p:tavLst>
+                                    </p:anim>
+                                    <p:animEffect transition="in" filter="fade">
+                                      <p:cBhvr>
+                                        <p:cTn id="10" dur="1000"/>
+                                        <p:tgtEl>
+                                          <p:spTgt spid="3">
+                                            <p:txEl>
+                                              <p:pRg st="0" end="0"/>
+                                            </p:txEl>
+                                          </p:spTgt>
+                                        </p:tgtEl>
+                                      </p:cBhvr>
+                                    </p:animEffect>
+                                  </p:childTnLst>
+                                </p:cTn>
+                              </p:par>
+                              <p:par>
+                                <p:cTn id="11" presetID="31" presetClass="entr" presetSubtype="0" fill="hold" grpId="0" nodeType="withEffect">
+                                  <p:stCondLst>
+                                    <p:cond delay="0"/>
+                                  </p:stCondLst>
+                                  <p:childTnLst>
+                                    <p:set>
+                                      <p:cBhvr>
+                                        <p:cTn id="12" dur="1" fill="hold">
+                                          <p:stCondLst>
+                                            <p:cond delay="0"/>
+                                          </p:stCondLst>
+                                        </p:cTn>
+                                        <p:tgtEl>
+                                          <p:spTgt spid="7">
+                                            <p:txEl>
+                                              <p:pRg st="0" end="0"/>
+                                            </p:txEl>
+                                          </p:spTgt>
+                                        </p:tgtEl>
+                                        <p:attrNameLst>
+                                          <p:attrName>style.visibility</p:attrName>
+                                        </p:attrNameLst>
+                                      </p:cBhvr>
+                                      <p:to>
+                                        <p:strVal val="visible"/>
+                                      </p:to>
+                                    </p:set>
+                                    <p:anim calcmode="lin" valueType="num">
+                                      <p:cBhvr>
+                                        <p:cTn id="13" dur="1000" fill="hold"/>
+                                        <p:tgtEl>
+                                          <p:spTgt spid="7">
+                                            <p:txEl>
+                                              <p:pRg st="0" end="0"/>
+                                            </p:txEl>
+                                          </p:spTgt>
+                                        </p:tgtEl>
+                                        <p:attrNameLst>
+                                          <p:attrName>ppt_w</p:attrName>
+                                        </p:attrNameLst>
+                                      </p:cBhvr>
+                                      <p:tavLst>
+                                        <p:tav tm="0">
+                                          <p:val>
+                                            <p:fltVal val="0"/>
+                                          </p:val>
+                                        </p:tav>
+                                        <p:tav tm="100000">
+                                          <p:val>
+                                            <p:strVal val="#ppt_w"/>
+                                          </p:val>
+                                        </p:tav>
+                                      </p:tavLst>
+                                    </p:anim>
+                                    <p:anim calcmode="lin" valueType="num">
+                                      <p:cBhvr>
+                                        <p:cTn id="14" dur="1000" fill="hold"/>
+                                        <p:tgtEl>
+                                          <p:spTgt spid="7">
+                                            <p:txEl>
+                                              <p:pRg st="0" end="0"/>
+                                            </p:txEl>
+                                          </p:spTgt>
+                                        </p:tgtEl>
+                                        <p:attrNameLst>
+                                          <p:attrName>ppt_h</p:attrName>
+                                        </p:attrNameLst>
+                                      </p:cBhvr>
+                                      <p:tavLst>
+                                        <p:tav tm="0">
+                                          <p:val>
+                                            <p:fltVal val="0"/>
+                                          </p:val>
+                                        </p:tav>
+                                        <p:tav tm="100000">
+                                          <p:val>
+                                            <p:strVal val="#ppt_h"/>
+                                          </p:val>
+                                        </p:tav>
+                                      </p:tavLst>
+                                    </p:anim>
+                                    <p:anim calcmode="lin" valueType="num">
+                                      <p:cBhvr>
+                                        <p:cTn id="15" dur="1000" fill="hold"/>
+                                        <p:tgtEl>
+                                          <p:spTgt spid="7">
+                                            <p:txEl>
+                                              <p:pRg st="0" end="0"/>
+                                            </p:txEl>
+                                          </p:spTgt>
+                                        </p:tgtEl>
+                                        <p:attrNameLst>
+                                          <p:attrName>style.rotation</p:attrName>
+                                        </p:attrNameLst>
+                                      </p:cBhvr>
+                                      <p:tavLst>
+                                        <p:tav tm="0">
+                                          <p:val>
+                                            <p:fltVal val="90"/>
+                                          </p:val>
+                                        </p:tav>
+                                        <p:tav tm="100000">
+                                          <p:val>
+                                            <p:fltVal val="0"/>
+                                          </p:val>
+                                        </p:tav>
+                                      </p:tavLst>
+                                    </p:anim>
+                                    <p:animEffect transition="in" filter="fade">
+                                      <p:cBhvr>
+                                        <p:cTn id="16" dur="1000"/>
+                                        <p:tgtEl>
+                                          <p:spTgt spid="7">
+                                            <p:txEl>
+                                              <p:pRg st="0" end="0"/>
+                                            </p:txEl>
+                                          </p:spTgt>
+                                        </p:tgtEl>
+                                      </p:cBhvr>
+                                    </p:animEffect>
+                                  </p:childTnLst>
+                                </p:cTn>
+                              </p:par>
+                              <p:par>
+                                <p:cTn id="17" presetID="31" presetClass="entr" presetSubtype="0" fill="hold" grpId="0" nodeType="withEffect">
+                                  <p:stCondLst>
+                                    <p:cond delay="0"/>
+                                  </p:stCondLst>
+                                  <p:childTnLst>
+                                    <p:set>
+                                      <p:cBhvr>
+                                        <p:cTn id="18" dur="1" fill="hold">
+                                          <p:stCondLst>
+                                            <p:cond delay="0"/>
+                                          </p:stCondLst>
+                                        </p:cTn>
+                                        <p:tgtEl>
+                                          <p:spTgt spid="11">
+                                            <p:txEl>
+                                              <p:pRg st="0" end="0"/>
+                                            </p:txEl>
+                                          </p:spTgt>
+                                        </p:tgtEl>
+                                        <p:attrNameLst>
+                                          <p:attrName>style.visibility</p:attrName>
+                                        </p:attrNameLst>
+                                      </p:cBhvr>
+                                      <p:to>
+                                        <p:strVal val="visible"/>
+                                      </p:to>
+                                    </p:set>
+                                    <p:anim calcmode="lin" valueType="num">
+                                      <p:cBhvr>
+                                        <p:cTn id="19" dur="1000" fill="hold"/>
+                                        <p:tgtEl>
+                                          <p:spTgt spid="11">
+                                            <p:txEl>
+                                              <p:pRg st="0" end="0"/>
+                                            </p:txEl>
+                                          </p:spTgt>
+                                        </p:tgtEl>
+                                        <p:attrNameLst>
+                                          <p:attrName>ppt_w</p:attrName>
+                                        </p:attrNameLst>
+                                      </p:cBhvr>
+                                      <p:tavLst>
+                                        <p:tav tm="0">
+                                          <p:val>
+                                            <p:fltVal val="0"/>
+                                          </p:val>
+                                        </p:tav>
+                                        <p:tav tm="100000">
+                                          <p:val>
+                                            <p:strVal val="#ppt_w"/>
+                                          </p:val>
+                                        </p:tav>
+                                      </p:tavLst>
+                                    </p:anim>
+                                    <p:anim calcmode="lin" valueType="num">
+                                      <p:cBhvr>
+                                        <p:cTn id="20" dur="1000" fill="hold"/>
+                                        <p:tgtEl>
+                                          <p:spTgt spid="11">
+                                            <p:txEl>
+                                              <p:pRg st="0" end="0"/>
+                                            </p:txEl>
+                                          </p:spTgt>
+                                        </p:tgtEl>
+                                        <p:attrNameLst>
+                                          <p:attrName>ppt_h</p:attrName>
+                                        </p:attrNameLst>
+                                      </p:cBhvr>
+                                      <p:tavLst>
+                                        <p:tav tm="0">
+                                          <p:val>
+                                            <p:fltVal val="0"/>
+                                          </p:val>
+                                        </p:tav>
+                                        <p:tav tm="100000">
+                                          <p:val>
+                                            <p:strVal val="#ppt_h"/>
+                                          </p:val>
+                                        </p:tav>
+                                      </p:tavLst>
+                                    </p:anim>
+                                    <p:anim calcmode="lin" valueType="num">
+                                      <p:cBhvr>
+                                        <p:cTn id="21" dur="1000" fill="hold"/>
+                                        <p:tgtEl>
+                                          <p:spTgt spid="11">
+                                            <p:txEl>
+                                              <p:pRg st="0" end="0"/>
+                                            </p:txEl>
+                                          </p:spTgt>
+                                        </p:tgtEl>
+                                        <p:attrNameLst>
+                                          <p:attrName>style.rotation</p:attrName>
+                                        </p:attrNameLst>
+                                      </p:cBhvr>
+                                      <p:tavLst>
+                                        <p:tav tm="0">
+                                          <p:val>
+                                            <p:fltVal val="90"/>
+                                          </p:val>
+                                        </p:tav>
+                                        <p:tav tm="100000">
+                                          <p:val>
+                                            <p:fltVal val="0"/>
+                                          </p:val>
+                                        </p:tav>
+                                      </p:tavLst>
+                                    </p:anim>
+                                    <p:animEffect transition="in" filter="fade">
+                                      <p:cBhvr>
+                                        <p:cTn id="22" dur="1000"/>
+                                        <p:tgtEl>
+                                          <p:spTgt spid="11">
+                                            <p:txEl>
+                                              <p:pRg st="0" end="0"/>
+                                            </p:txEl>
+                                          </p:spTgt>
+                                        </p:tgtEl>
+                                      </p:cBhvr>
+                                    </p:animEffect>
+                                  </p:childTnLst>
+                                </p:cTn>
+                              </p:par>
+                              <p:par>
+                                <p:cTn id="23" presetID="31" presetClass="entr" presetSubtype="0" fill="hold" grpId="0" nodeType="withEffect">
+                                  <p:stCondLst>
+                                    <p:cond delay="0"/>
+                                  </p:stCondLst>
+                                  <p:childTnLst>
+                                    <p:set>
+                                      <p:cBhvr>
+                                        <p:cTn id="24" dur="1" fill="hold">
+                                          <p:stCondLst>
+                                            <p:cond delay="0"/>
+                                          </p:stCondLst>
+                                        </p:cTn>
+                                        <p:tgtEl>
+                                          <p:spTgt spid="6">
+                                            <p:txEl>
+                                              <p:pRg st="0" end="0"/>
+                                            </p:txEl>
+                                          </p:spTgt>
+                                        </p:tgtEl>
+                                        <p:attrNameLst>
+                                          <p:attrName>style.visibility</p:attrName>
+                                        </p:attrNameLst>
+                                      </p:cBhvr>
+                                      <p:to>
+                                        <p:strVal val="visible"/>
+                                      </p:to>
+                                    </p:set>
+                                    <p:anim calcmode="lin" valueType="num">
+                                      <p:cBhvr>
+                                        <p:cTn id="25" dur="1000" fill="hold"/>
+                                        <p:tgtEl>
+                                          <p:spTgt spid="6">
+                                            <p:txEl>
+                                              <p:pRg st="0" end="0"/>
+                                            </p:txEl>
+                                          </p:spTgt>
+                                        </p:tgtEl>
+                                        <p:attrNameLst>
+                                          <p:attrName>ppt_w</p:attrName>
+                                        </p:attrNameLst>
+                                      </p:cBhvr>
+                                      <p:tavLst>
+                                        <p:tav tm="0">
+                                          <p:val>
+                                            <p:fltVal val="0"/>
+                                          </p:val>
+                                        </p:tav>
+                                        <p:tav tm="100000">
+                                          <p:val>
+                                            <p:strVal val="#ppt_w"/>
+                                          </p:val>
+                                        </p:tav>
+                                      </p:tavLst>
+                                    </p:anim>
+                                    <p:anim calcmode="lin" valueType="num">
+                                      <p:cBhvr>
+                                        <p:cTn id="26" dur="1000" fill="hold"/>
+                                        <p:tgtEl>
+                                          <p:spTgt spid="6">
+                                            <p:txEl>
+                                              <p:pRg st="0" end="0"/>
+                                            </p:txEl>
+                                          </p:spTgt>
+                                        </p:tgtEl>
+                                        <p:attrNameLst>
+                                          <p:attrName>ppt_h</p:attrName>
+                                        </p:attrNameLst>
+                                      </p:cBhvr>
+                                      <p:tavLst>
+                                        <p:tav tm="0">
+                                          <p:val>
+                                            <p:fltVal val="0"/>
+                                          </p:val>
+                                        </p:tav>
+                                        <p:tav tm="100000">
+                                          <p:val>
+                                            <p:strVal val="#ppt_h"/>
+                                          </p:val>
+                                        </p:tav>
+                                      </p:tavLst>
+                                    </p:anim>
+                                    <p:anim calcmode="lin" valueType="num">
+                                      <p:cBhvr>
+                                        <p:cTn id="27" dur="1000" fill="hold"/>
+                                        <p:tgtEl>
+                                          <p:spTgt spid="6">
+                                            <p:txEl>
+                                              <p:pRg st="0" end="0"/>
+                                            </p:txEl>
+                                          </p:spTgt>
+                                        </p:tgtEl>
+                                        <p:attrNameLst>
+                                          <p:attrName>style.rotation</p:attrName>
+                                        </p:attrNameLst>
+                                      </p:cBhvr>
+                                      <p:tavLst>
+                                        <p:tav tm="0">
+                                          <p:val>
+                                            <p:fltVal val="90"/>
+                                          </p:val>
+                                        </p:tav>
+                                        <p:tav tm="100000">
+                                          <p:val>
+                                            <p:fltVal val="0"/>
+                                          </p:val>
+                                        </p:tav>
+                                      </p:tavLst>
+                                    </p:anim>
+                                    <p:animEffect transition="in" filter="fade">
+                                      <p:cBhvr>
+                                        <p:cTn id="28" dur="1000"/>
+                                        <p:tgtEl>
+                                          <p:spTgt spid="6">
+                                            <p:txEl>
+                                              <p:pRg st="0" end="0"/>
+                                            </p:txEl>
+                                          </p:spTgt>
+                                        </p:tgtEl>
+                                      </p:cBhvr>
+                                    </p:animEffect>
+                                  </p:childTnLst>
+                                </p:cTn>
+                              </p:par>
+                              <p:par>
+                                <p:cTn id="29" presetID="31" presetClass="entr" presetSubtype="0" fill="hold" grpId="0" nodeType="withEffect">
+                                  <p:stCondLst>
+                                    <p:cond delay="0"/>
+                                  </p:stCondLst>
+                                  <p:childTnLst>
+                                    <p:set>
+                                      <p:cBhvr>
+                                        <p:cTn id="30" dur="1" fill="hold">
+                                          <p:stCondLst>
+                                            <p:cond delay="0"/>
+                                          </p:stCondLst>
+                                        </p:cTn>
+                                        <p:tgtEl>
+                                          <p:spTgt spid="9">
+                                            <p:txEl>
+                                              <p:pRg st="0" end="0"/>
+                                            </p:txEl>
+                                          </p:spTgt>
+                                        </p:tgtEl>
+                                        <p:attrNameLst>
+                                          <p:attrName>style.visibility</p:attrName>
+                                        </p:attrNameLst>
+                                      </p:cBhvr>
+                                      <p:to>
+                                        <p:strVal val="visible"/>
+                                      </p:to>
+                                    </p:set>
+                                    <p:anim calcmode="lin" valueType="num">
+                                      <p:cBhvr>
+                                        <p:cTn id="31" dur="1000" fill="hold"/>
+                                        <p:tgtEl>
+                                          <p:spTgt spid="9">
+                                            <p:txEl>
+                                              <p:pRg st="0" end="0"/>
+                                            </p:txEl>
+                                          </p:spTgt>
+                                        </p:tgtEl>
+                                        <p:attrNameLst>
+                                          <p:attrName>ppt_w</p:attrName>
+                                        </p:attrNameLst>
+                                      </p:cBhvr>
+                                      <p:tavLst>
+                                        <p:tav tm="0">
+                                          <p:val>
+                                            <p:fltVal val="0"/>
+                                          </p:val>
+                                        </p:tav>
+                                        <p:tav tm="100000">
+                                          <p:val>
+                                            <p:strVal val="#ppt_w"/>
+                                          </p:val>
+                                        </p:tav>
+                                      </p:tavLst>
+                                    </p:anim>
+                                    <p:anim calcmode="lin" valueType="num">
+                                      <p:cBhvr>
+                                        <p:cTn id="32" dur="1000" fill="hold"/>
+                                        <p:tgtEl>
+                                          <p:spTgt spid="9">
+                                            <p:txEl>
+                                              <p:pRg st="0" end="0"/>
+                                            </p:txEl>
+                                          </p:spTgt>
+                                        </p:tgtEl>
+                                        <p:attrNameLst>
+                                          <p:attrName>ppt_h</p:attrName>
+                                        </p:attrNameLst>
+                                      </p:cBhvr>
+                                      <p:tavLst>
+                                        <p:tav tm="0">
+                                          <p:val>
+                                            <p:fltVal val="0"/>
+                                          </p:val>
+                                        </p:tav>
+                                        <p:tav tm="100000">
+                                          <p:val>
+                                            <p:strVal val="#ppt_h"/>
+                                          </p:val>
+                                        </p:tav>
+                                      </p:tavLst>
+                                    </p:anim>
+                                    <p:anim calcmode="lin" valueType="num">
+                                      <p:cBhvr>
+                                        <p:cTn id="33" dur="1000" fill="hold"/>
+                                        <p:tgtEl>
+                                          <p:spTgt spid="9">
+                                            <p:txEl>
+                                              <p:pRg st="0" end="0"/>
+                                            </p:txEl>
+                                          </p:spTgt>
+                                        </p:tgtEl>
+                                        <p:attrNameLst>
+                                          <p:attrName>style.rotation</p:attrName>
+                                        </p:attrNameLst>
+                                      </p:cBhvr>
+                                      <p:tavLst>
+                                        <p:tav tm="0">
+                                          <p:val>
+                                            <p:fltVal val="90"/>
+                                          </p:val>
+                                        </p:tav>
+                                        <p:tav tm="100000">
+                                          <p:val>
+                                            <p:fltVal val="0"/>
+                                          </p:val>
+                                        </p:tav>
+                                      </p:tavLst>
+                                    </p:anim>
+                                    <p:animEffect transition="in" filter="fade">
+                                      <p:cBhvr>
+                                        <p:cTn id="34" dur="1000"/>
+                                        <p:tgtEl>
+                                          <p:spTgt spid="9">
+                                            <p:txEl>
+                                              <p:pRg st="0" end="0"/>
+                                            </p:txEl>
+                                          </p:spTgt>
+                                        </p:tgtEl>
+                                      </p:cBhvr>
+                                    </p:animEffect>
+                                  </p:childTnLst>
+                                </p:cTn>
+                              </p:par>
+                            </p:childTnLst>
+                          </p:cTn>
+                        </p:par>
+                      </p:childTnLst>
+                    </p:cTn>
+                  </p:par>
+                </p:childTnLst>
+              </p:cTn>
+              <p:prevCondLst>
+                <p:cond evt="onPrev" delay="0">
+                  <p:tgtEl>
+                    <p:sldTgt/>
+                  </p:tgtEl>
+                </p:cond>
+              </p:prevCondLst>
+              <p:nextCondLst>
+                <p:cond evt="onNext" delay="0">
+                  <p:tgtEl>
+                    <p:sldTgt/>
+                  </p:tgtEl>
+                </p:cond>
+              </p:nextCondLst>
+            </p:seq>
+          </p:childTnLst>
+        </p:cTn>
+      </p:par>
+    </p:tnLst>
+    <p:bldLst>
+      <p:bldP spid="3" grpId="0" build="p"/>
+      <p:bldP spid="6" grpId="0" build="p"/>
+      <p:bldP spid="7" grpId="0" build="p"/>
+      <p:bldP spid="9" grpId="0" build="p"/>
+      <p:bldP spid="11" grpId="0" build="p"/>
+    </p:bldLst>
+  </p:timing>
+</p:sld>
+</file>
+
+<file path=ppt/slides/slide21.xml><?xml version="1.0" encoding="utf-8"?>
+<p:sld xmlns:a="http://schemas.openxmlformats.org/drawingml/2006/main" xmlns:r="http://schemas.openxmlformats.org/officeDocument/2006/relationships" xmlns:p="http://schemas.openxmlformats.org/presentationml/2006/main">
+  <p:cSld>
+    <p:spTree>
+      <p:nvGrpSpPr>
+        <p:cNvPr id="1" name=""/>
+        <p:cNvGrpSpPr/>
+        <p:nvPr/>
+      </p:nvGrpSpPr>
+      <p:grpSpPr>
+        <a:xfrm>
+          <a:off x="0" y="0"/>
+          <a:ext cx="0" cy="0"/>
+          <a:chOff x="0" y="0"/>
+          <a:chExt cx="0" cy="0"/>
+        </a:xfrm>
+      </p:grpSpPr>
+      <p:sp>
+        <p:nvSpPr>
+          <p:cNvPr id="2" name="Title 1"/>
+          <p:cNvSpPr>
+            <a:spLocks noGrp="1"/>
+          </p:cNvSpPr>
+          <p:nvPr>
+            <p:ph type="ctrTitle"/>
+          </p:nvPr>
+        </p:nvSpPr>
+        <p:spPr>
+          <a:xfrm>
+            <a:off x="2941518" y="1784241"/>
+            <a:ext cx="3371700" cy="1159800"/>
+          </a:xfrm>
+        </p:spPr>
+        <p:txBody>
+          <a:bodyPr/>
+          <a:lstStyle/>
+          <a:p>
+            <a:r>
+              <a:rPr lang="en-US" sz="2800" b="1" dirty="0">
+                <a:latin typeface="+mj-lt"/>
+              </a:rPr>
+              <a:t>DEVELOPMENT</a:t>
+            </a:r>
+          </a:p>
+        </p:txBody>
+      </p:sp>
+    </p:spTree>
+    <p:extLst>
+      <p:ext uri="{BB962C8B-B14F-4D97-AF65-F5344CB8AC3E}">
+        <p14:creationId xmlns:p14="http://schemas.microsoft.com/office/powerpoint/2010/main" val="2797127149"/>
+      </p:ext>
+    </p:extLst>
+  </p:cSld>
+  <p:clrMapOvr>
+    <a:masterClrMapping/>
+  </p:clrMapOvr>
+  <p:transition spd="slow">
+    <p:cover/>
+  </p:transition>
+</p:sld>
+</file>
+
+<file path=ppt/slides/slide22.xml><?xml version="1.0" encoding="utf-8"?>
+<p:sld xmlns:a="http://schemas.openxmlformats.org/drawingml/2006/main" xmlns:r="http://schemas.openxmlformats.org/officeDocument/2006/relationships" xmlns:p="http://schemas.openxmlformats.org/presentationml/2006/main">
+  <p:cSld>
+    <p:spTree>
+      <p:nvGrpSpPr>
+        <p:cNvPr id="1" name=""/>
+        <p:cNvGrpSpPr/>
+        <p:nvPr/>
+      </p:nvGrpSpPr>
+      <p:grpSpPr>
+        <a:xfrm>
+          <a:off x="0" y="0"/>
+          <a:ext cx="0" cy="0"/>
+          <a:chOff x="0" y="0"/>
+          <a:chExt cx="0" cy="0"/>
+        </a:xfrm>
+      </p:grpSpPr>
+      <p:sp>
+        <p:nvSpPr>
           <p:cNvPr id="2" name="Slide Number Placeholder 1"/>
           <p:cNvSpPr>
             <a:spLocks noGrp="1"/>
@@ -39051,7 +38432,1271 @@
             </a:pPr>
             <a:fld id="{00000000-1234-1234-1234-123412341234}" type="slidenum">
               <a:rPr lang="en" smtClean="0"/>
-              <a:t>20</a:t>
+              <a:t>22</a:t>
+            </a:fld>
+            <a:endParaRPr lang="en"/>
+          </a:p>
+        </p:txBody>
+      </p:sp>
+      <p:sp>
+        <p:nvSpPr>
+          <p:cNvPr id="3" name="Google Shape;482;p26"/>
+          <p:cNvSpPr/>
+          <p:nvPr/>
+        </p:nvSpPr>
+        <p:spPr>
+          <a:xfrm>
+            <a:off x="1631099" y="699750"/>
+            <a:ext cx="1948800" cy="1948800"/>
+          </a:xfrm>
+          <a:prstGeom prst="ellipse">
+            <a:avLst/>
+          </a:prstGeom>
+          <a:solidFill>
+            <a:schemeClr val="bg1"/>
+          </a:solidFill>
+          <a:ln>
+            <a:solidFill>
+              <a:srgbClr val="00B0F0"/>
+            </a:solidFill>
+            <a:headEnd type="none" w="sm" len="sm"/>
+            <a:tailEnd type="none" w="sm" len="sm"/>
+          </a:ln>
+        </p:spPr>
+        <p:style>
+          <a:lnRef idx="2">
+            <a:schemeClr val="accent1"/>
+          </a:lnRef>
+          <a:fillRef idx="1">
+            <a:schemeClr val="lt1"/>
+          </a:fillRef>
+          <a:effectRef idx="0">
+            <a:schemeClr val="accent1"/>
+          </a:effectRef>
+          <a:fontRef idx="minor">
+            <a:schemeClr val="dk1"/>
+          </a:fontRef>
+        </p:style>
+        <p:txBody>
+          <a:bodyPr spcFirstLastPara="1" wrap="square" lIns="91425" tIns="91425" rIns="91425" bIns="91425" anchor="ctr" anchorCtr="0">
+            <a:noAutofit/>
+          </a:bodyPr>
+          <a:lstStyle/>
+          <a:p>
+            <a:pPr lvl="0" algn="ctr"/>
+            <a:r>
+              <a:rPr lang="en-US" dirty="0">
+                <a:solidFill>
+                  <a:schemeClr val="tx1"/>
+                </a:solidFill>
+                <a:latin typeface="+mn-lt"/>
+                <a:ea typeface="Lato Light"/>
+                <a:cs typeface="Arial" panose="020B0604020202020204" pitchFamily="34" charset="0"/>
+                <a:sym typeface="Lato Light"/>
+              </a:rPr>
+              <a:t>Database development</a:t>
+            </a:r>
+            <a:endParaRPr dirty="0">
+              <a:solidFill>
+                <a:schemeClr val="tx1"/>
+              </a:solidFill>
+              <a:latin typeface="+mn-lt"/>
+              <a:ea typeface="Lato Light"/>
+              <a:cs typeface="Arial" panose="020B0604020202020204" pitchFamily="34" charset="0"/>
+              <a:sym typeface="Lato Light"/>
+            </a:endParaRPr>
+          </a:p>
+        </p:txBody>
+      </p:sp>
+      <p:sp>
+        <p:nvSpPr>
+          <p:cNvPr id="4" name="Google Shape;482;p26"/>
+          <p:cNvSpPr/>
+          <p:nvPr/>
+        </p:nvSpPr>
+        <p:spPr>
+          <a:xfrm>
+            <a:off x="3440266" y="699750"/>
+            <a:ext cx="1948800" cy="1948800"/>
+          </a:xfrm>
+          <a:prstGeom prst="ellipse">
+            <a:avLst/>
+          </a:prstGeom>
+          <a:ln>
+            <a:solidFill>
+              <a:schemeClr val="tx1"/>
+            </a:solidFill>
+            <a:headEnd type="none" w="sm" len="sm"/>
+            <a:tailEnd type="none" w="sm" len="sm"/>
+          </a:ln>
+        </p:spPr>
+        <p:style>
+          <a:lnRef idx="2">
+            <a:schemeClr val="dk1"/>
+          </a:lnRef>
+          <a:fillRef idx="1">
+            <a:schemeClr val="lt1"/>
+          </a:fillRef>
+          <a:effectRef idx="0">
+            <a:schemeClr val="dk1"/>
+          </a:effectRef>
+          <a:fontRef idx="minor">
+            <a:schemeClr val="dk1"/>
+          </a:fontRef>
+        </p:style>
+        <p:txBody>
+          <a:bodyPr spcFirstLastPara="1" wrap="square" lIns="91425" tIns="91425" rIns="91425" bIns="91425" anchor="ctr" anchorCtr="0">
+            <a:noAutofit/>
+          </a:bodyPr>
+          <a:lstStyle/>
+          <a:p>
+            <a:pPr lvl="0" algn="ctr"/>
+            <a:r>
+              <a:rPr lang="en-US" dirty="0">
+                <a:solidFill>
+                  <a:schemeClr val="tx1"/>
+                </a:solidFill>
+                <a:latin typeface="+mn-lt"/>
+                <a:ea typeface="Lato Light"/>
+                <a:cs typeface="Arial" panose="020B0604020202020204" pitchFamily="34" charset="0"/>
+                <a:sym typeface="Lato Light"/>
+              </a:rPr>
+              <a:t>Code optimization</a:t>
+            </a:r>
+            <a:endParaRPr dirty="0">
+              <a:solidFill>
+                <a:schemeClr val="tx1"/>
+              </a:solidFill>
+              <a:latin typeface="+mn-lt"/>
+              <a:ea typeface="Lato Light"/>
+              <a:cs typeface="Arial" panose="020B0604020202020204" pitchFamily="34" charset="0"/>
+              <a:sym typeface="Lato Light"/>
+            </a:endParaRPr>
+          </a:p>
+        </p:txBody>
+      </p:sp>
+      <p:sp>
+        <p:nvSpPr>
+          <p:cNvPr id="5" name="Google Shape;482;p26"/>
+          <p:cNvSpPr/>
+          <p:nvPr/>
+        </p:nvSpPr>
+        <p:spPr>
+          <a:xfrm>
+            <a:off x="5249433" y="699750"/>
+            <a:ext cx="1948800" cy="1948800"/>
+          </a:xfrm>
+          <a:prstGeom prst="ellipse">
+            <a:avLst/>
+          </a:prstGeom>
+          <a:ln>
+            <a:solidFill>
+              <a:srgbClr val="FF0000"/>
+            </a:solidFill>
+            <a:headEnd type="none" w="sm" len="sm"/>
+            <a:tailEnd type="none" w="sm" len="sm"/>
+          </a:ln>
+        </p:spPr>
+        <p:style>
+          <a:lnRef idx="2">
+            <a:schemeClr val="accent6"/>
+          </a:lnRef>
+          <a:fillRef idx="1">
+            <a:schemeClr val="lt1"/>
+          </a:fillRef>
+          <a:effectRef idx="0">
+            <a:schemeClr val="accent6"/>
+          </a:effectRef>
+          <a:fontRef idx="minor">
+            <a:schemeClr val="dk1"/>
+          </a:fontRef>
+        </p:style>
+        <p:txBody>
+          <a:bodyPr spcFirstLastPara="1" wrap="square" lIns="91425" tIns="91425" rIns="91425" bIns="91425" anchor="ctr" anchorCtr="0">
+            <a:noAutofit/>
+          </a:bodyPr>
+          <a:lstStyle/>
+          <a:p>
+            <a:pPr lvl="0" algn="ctr"/>
+            <a:r>
+              <a:rPr lang="en-US" dirty="0">
+                <a:solidFill>
+                  <a:schemeClr val="tx1"/>
+                </a:solidFill>
+                <a:latin typeface="+mn-lt"/>
+                <a:ea typeface="Lato Light"/>
+                <a:cs typeface="Arial" panose="020B0604020202020204" pitchFamily="34" charset="0"/>
+                <a:sym typeface="Lato Light"/>
+              </a:rPr>
+              <a:t>More funcitons for the website</a:t>
+            </a:r>
+            <a:endParaRPr dirty="0">
+              <a:solidFill>
+                <a:schemeClr val="tx1"/>
+              </a:solidFill>
+              <a:latin typeface="+mn-lt"/>
+              <a:ea typeface="Lato Light"/>
+              <a:cs typeface="Arial" panose="020B0604020202020204" pitchFamily="34" charset="0"/>
+              <a:sym typeface="Lato Light"/>
+            </a:endParaRPr>
+          </a:p>
+        </p:txBody>
+      </p:sp>
+      <p:sp>
+        <p:nvSpPr>
+          <p:cNvPr id="6" name="Google Shape;482;p26"/>
+          <p:cNvSpPr/>
+          <p:nvPr/>
+        </p:nvSpPr>
+        <p:spPr>
+          <a:xfrm>
+            <a:off x="2535683" y="2244532"/>
+            <a:ext cx="1948800" cy="1948800"/>
+          </a:xfrm>
+          <a:prstGeom prst="ellipse">
+            <a:avLst/>
+          </a:prstGeom>
+          <a:ln>
+            <a:solidFill>
+              <a:srgbClr val="FFFF00"/>
+            </a:solidFill>
+            <a:headEnd type="none" w="sm" len="sm"/>
+            <a:tailEnd type="none" w="sm" len="sm"/>
+          </a:ln>
+        </p:spPr>
+        <p:style>
+          <a:lnRef idx="2">
+            <a:schemeClr val="accent2"/>
+          </a:lnRef>
+          <a:fillRef idx="1">
+            <a:schemeClr val="lt1"/>
+          </a:fillRef>
+          <a:effectRef idx="0">
+            <a:schemeClr val="accent2"/>
+          </a:effectRef>
+          <a:fontRef idx="minor">
+            <a:schemeClr val="dk1"/>
+          </a:fontRef>
+        </p:style>
+        <p:txBody>
+          <a:bodyPr spcFirstLastPara="1" wrap="square" lIns="91425" tIns="91425" rIns="91425" bIns="91425" anchor="ctr" anchorCtr="0">
+            <a:noAutofit/>
+          </a:bodyPr>
+          <a:lstStyle/>
+          <a:p>
+            <a:pPr lvl="0" algn="ctr"/>
+            <a:r>
+              <a:rPr lang="en-US" dirty="0">
+                <a:solidFill>
+                  <a:schemeClr val="tx1"/>
+                </a:solidFill>
+                <a:latin typeface="+mn-lt"/>
+                <a:ea typeface="Lato Light"/>
+                <a:cs typeface="Arial" panose="020B0604020202020204" pitchFamily="34" charset="0"/>
+                <a:sym typeface="Lato Light"/>
+              </a:rPr>
+              <a:t>Developed on the mobile platform</a:t>
+            </a:r>
+            <a:endParaRPr dirty="0">
+              <a:solidFill>
+                <a:schemeClr val="tx1"/>
+              </a:solidFill>
+              <a:latin typeface="+mn-lt"/>
+              <a:ea typeface="Lato Light"/>
+              <a:cs typeface="Arial" panose="020B0604020202020204" pitchFamily="34" charset="0"/>
+              <a:sym typeface="Lato Light"/>
+            </a:endParaRPr>
+          </a:p>
+        </p:txBody>
+      </p:sp>
+      <p:sp>
+        <p:nvSpPr>
+          <p:cNvPr id="7" name="Google Shape;482;p26"/>
+          <p:cNvSpPr/>
+          <p:nvPr/>
+        </p:nvSpPr>
+        <p:spPr>
+          <a:xfrm>
+            <a:off x="4414666" y="2287309"/>
+            <a:ext cx="1948800" cy="1948800"/>
+          </a:xfrm>
+          <a:prstGeom prst="ellipse">
+            <a:avLst/>
+          </a:prstGeom>
+          <a:ln>
+            <a:solidFill>
+              <a:srgbClr val="92D050"/>
+            </a:solidFill>
+            <a:headEnd type="none" w="sm" len="sm"/>
+            <a:tailEnd type="none" w="sm" len="sm"/>
+          </a:ln>
+        </p:spPr>
+        <p:style>
+          <a:lnRef idx="2">
+            <a:schemeClr val="accent3"/>
+          </a:lnRef>
+          <a:fillRef idx="1">
+            <a:schemeClr val="lt1"/>
+          </a:fillRef>
+          <a:effectRef idx="0">
+            <a:schemeClr val="accent3"/>
+          </a:effectRef>
+          <a:fontRef idx="minor">
+            <a:schemeClr val="dk1"/>
+          </a:fontRef>
+        </p:style>
+        <p:txBody>
+          <a:bodyPr spcFirstLastPara="1" wrap="square" lIns="91425" tIns="91425" rIns="91425" bIns="91425" anchor="ctr" anchorCtr="0">
+            <a:noAutofit/>
+          </a:bodyPr>
+          <a:lstStyle/>
+          <a:p>
+            <a:pPr lvl="0" algn="ctr"/>
+            <a:r>
+              <a:rPr lang="en-US" dirty="0">
+                <a:solidFill>
+                  <a:schemeClr val="tx1"/>
+                </a:solidFill>
+                <a:latin typeface="+mn-lt"/>
+                <a:ea typeface="Lato Light"/>
+                <a:cs typeface="Arial" panose="020B0604020202020204" pitchFamily="34" charset="0"/>
+                <a:sym typeface="Lato Light"/>
+              </a:rPr>
+              <a:t>Online marketing on  social networking</a:t>
+            </a:r>
+            <a:endParaRPr dirty="0">
+              <a:solidFill>
+                <a:schemeClr val="tx1"/>
+              </a:solidFill>
+              <a:latin typeface="+mn-lt"/>
+              <a:ea typeface="Lato Light"/>
+              <a:cs typeface="Arial" panose="020B0604020202020204" pitchFamily="34" charset="0"/>
+              <a:sym typeface="Lato Light"/>
+            </a:endParaRPr>
+          </a:p>
+        </p:txBody>
+      </p:sp>
+    </p:spTree>
+    <p:extLst>
+      <p:ext uri="{BB962C8B-B14F-4D97-AF65-F5344CB8AC3E}">
+        <p14:creationId xmlns:p14="http://schemas.microsoft.com/office/powerpoint/2010/main" val="347325803"/>
+      </p:ext>
+    </p:extLst>
+  </p:cSld>
+  <p:clrMapOvr>
+    <a:masterClrMapping/>
+  </p:clrMapOvr>
+  <mc:AlternateContent xmlns:mc="http://schemas.openxmlformats.org/markup-compatibility/2006" xmlns:p15="http://schemas.microsoft.com/office/powerpoint/2012/main">
+    <mc:Choice Requires="p15">
+      <p:transition xmlns:p14="http://schemas.microsoft.com/office/powerpoint/2010/main" spd="slow" p14:dur="3250">
+        <p15:prstTrans prst="origami"/>
+      </p:transition>
+    </mc:Choice>
+    <mc:Fallback xmlns="">
+      <p:transition spd="slow">
+        <p:fade/>
+      </p:transition>
+    </mc:Fallback>
+  </mc:AlternateContent>
+  <p:timing>
+    <p:tnLst>
+      <p:par>
+        <p:cTn id="1" dur="indefinite" restart="never" nodeType="tmRoot">
+          <p:childTnLst>
+            <p:seq concurrent="1" nextAc="seek">
+              <p:cTn id="2" dur="indefinite" nodeType="mainSeq">
+                <p:childTnLst>
+                  <p:par>
+                    <p:cTn id="3" fill="hold">
+                      <p:stCondLst>
+                        <p:cond delay="indefinite"/>
+                      </p:stCondLst>
+                      <p:childTnLst>
+                        <p:par>
+                          <p:cTn id="4" fill="hold">
+                            <p:stCondLst>
+                              <p:cond delay="0"/>
+                            </p:stCondLst>
+                            <p:childTnLst>
+                              <p:par>
+                                <p:cTn id="5" presetID="41" presetClass="entr" presetSubtype="0" fill="hold" grpId="0" nodeType="clickEffect">
+                                  <p:stCondLst>
+                                    <p:cond delay="0"/>
+                                  </p:stCondLst>
+                                  <p:iterate type="lt">
+                                    <p:tmPct val="10000"/>
+                                  </p:iterate>
+                                  <p:childTnLst>
+                                    <p:set>
+                                      <p:cBhvr>
+                                        <p:cTn id="6" dur="1" fill="hold">
+                                          <p:stCondLst>
+                                            <p:cond delay="0"/>
+                                          </p:stCondLst>
+                                        </p:cTn>
+                                        <p:tgtEl>
+                                          <p:spTgt spid="3"/>
+                                        </p:tgtEl>
+                                        <p:attrNameLst>
+                                          <p:attrName>style.visibility</p:attrName>
+                                        </p:attrNameLst>
+                                      </p:cBhvr>
+                                      <p:to>
+                                        <p:strVal val="visible"/>
+                                      </p:to>
+                                    </p:set>
+                                    <p:anim calcmode="lin" valueType="num">
+                                      <p:cBhvr>
+                                        <p:cTn id="7" dur="500" fill="hold"/>
+                                        <p:tgtEl>
+                                          <p:spTgt spid="3"/>
+                                        </p:tgtEl>
+                                        <p:attrNameLst>
+                                          <p:attrName>ppt_x</p:attrName>
+                                        </p:attrNameLst>
+                                      </p:cBhvr>
+                                      <p:tavLst>
+                                        <p:tav tm="0">
+                                          <p:val>
+                                            <p:strVal val="#ppt_x"/>
+                                          </p:val>
+                                        </p:tav>
+                                        <p:tav tm="50000">
+                                          <p:val>
+                                            <p:strVal val="#ppt_x+.1"/>
+                                          </p:val>
+                                        </p:tav>
+                                        <p:tav tm="100000">
+                                          <p:val>
+                                            <p:strVal val="#ppt_x"/>
+                                          </p:val>
+                                        </p:tav>
+                                      </p:tavLst>
+                                    </p:anim>
+                                    <p:anim calcmode="lin" valueType="num">
+                                      <p:cBhvr>
+                                        <p:cTn id="8" dur="500" fill="hold"/>
+                                        <p:tgtEl>
+                                          <p:spTgt spid="3"/>
+                                        </p:tgtEl>
+                                        <p:attrNameLst>
+                                          <p:attrName>ppt_y</p:attrName>
+                                        </p:attrNameLst>
+                                      </p:cBhvr>
+                                      <p:tavLst>
+                                        <p:tav tm="0">
+                                          <p:val>
+                                            <p:strVal val="#ppt_y"/>
+                                          </p:val>
+                                        </p:tav>
+                                        <p:tav tm="100000">
+                                          <p:val>
+                                            <p:strVal val="#ppt_y"/>
+                                          </p:val>
+                                        </p:tav>
+                                      </p:tavLst>
+                                    </p:anim>
+                                    <p:anim calcmode="lin" valueType="num">
+                                      <p:cBhvr>
+                                        <p:cTn id="9" dur="500" fill="hold"/>
+                                        <p:tgtEl>
+                                          <p:spTgt spid="3"/>
+                                        </p:tgtEl>
+                                        <p:attrNameLst>
+                                          <p:attrName>ppt_h</p:attrName>
+                                        </p:attrNameLst>
+                                      </p:cBhvr>
+                                      <p:tavLst>
+                                        <p:tav tm="0">
+                                          <p:val>
+                                            <p:strVal val="#ppt_h/10"/>
+                                          </p:val>
+                                        </p:tav>
+                                        <p:tav tm="50000">
+                                          <p:val>
+                                            <p:strVal val="#ppt_h+.01"/>
+                                          </p:val>
+                                        </p:tav>
+                                        <p:tav tm="100000">
+                                          <p:val>
+                                            <p:strVal val="#ppt_h"/>
+                                          </p:val>
+                                        </p:tav>
+                                      </p:tavLst>
+                                    </p:anim>
+                                    <p:anim calcmode="lin" valueType="num">
+                                      <p:cBhvr>
+                                        <p:cTn id="10" dur="500" fill="hold"/>
+                                        <p:tgtEl>
+                                          <p:spTgt spid="3"/>
+                                        </p:tgtEl>
+                                        <p:attrNameLst>
+                                          <p:attrName>ppt_w</p:attrName>
+                                        </p:attrNameLst>
+                                      </p:cBhvr>
+                                      <p:tavLst>
+                                        <p:tav tm="0">
+                                          <p:val>
+                                            <p:strVal val="#ppt_w/10"/>
+                                          </p:val>
+                                        </p:tav>
+                                        <p:tav tm="50000">
+                                          <p:val>
+                                            <p:strVal val="#ppt_w+.01"/>
+                                          </p:val>
+                                        </p:tav>
+                                        <p:tav tm="100000">
+                                          <p:val>
+                                            <p:strVal val="#ppt_w"/>
+                                          </p:val>
+                                        </p:tav>
+                                      </p:tavLst>
+                                    </p:anim>
+                                    <p:animEffect transition="in" filter="fade">
+                                      <p:cBhvr>
+                                        <p:cTn id="11" dur="500" tmFilter="0,0; .5, 1; 1, 1"/>
+                                        <p:tgtEl>
+                                          <p:spTgt spid="3"/>
+                                        </p:tgtEl>
+                                      </p:cBhvr>
+                                    </p:animEffect>
+                                  </p:childTnLst>
+                                </p:cTn>
+                              </p:par>
+                            </p:childTnLst>
+                          </p:cTn>
+                        </p:par>
+                      </p:childTnLst>
+                    </p:cTn>
+                  </p:par>
+                  <p:par>
+                    <p:cTn id="12" fill="hold">
+                      <p:stCondLst>
+                        <p:cond delay="indefinite"/>
+                      </p:stCondLst>
+                      <p:childTnLst>
+                        <p:par>
+                          <p:cTn id="13" fill="hold">
+                            <p:stCondLst>
+                              <p:cond delay="0"/>
+                            </p:stCondLst>
+                            <p:childTnLst>
+                              <p:par>
+                                <p:cTn id="14" presetID="41" presetClass="entr" presetSubtype="0" fill="hold" grpId="0" nodeType="clickEffect">
+                                  <p:stCondLst>
+                                    <p:cond delay="0"/>
+                                  </p:stCondLst>
+                                  <p:iterate type="lt">
+                                    <p:tmPct val="10000"/>
+                                  </p:iterate>
+                                  <p:childTnLst>
+                                    <p:set>
+                                      <p:cBhvr>
+                                        <p:cTn id="15" dur="1" fill="hold">
+                                          <p:stCondLst>
+                                            <p:cond delay="0"/>
+                                          </p:stCondLst>
+                                        </p:cTn>
+                                        <p:tgtEl>
+                                          <p:spTgt spid="4"/>
+                                        </p:tgtEl>
+                                        <p:attrNameLst>
+                                          <p:attrName>style.visibility</p:attrName>
+                                        </p:attrNameLst>
+                                      </p:cBhvr>
+                                      <p:to>
+                                        <p:strVal val="visible"/>
+                                      </p:to>
+                                    </p:set>
+                                    <p:anim calcmode="lin" valueType="num">
+                                      <p:cBhvr>
+                                        <p:cTn id="16" dur="500" fill="hold"/>
+                                        <p:tgtEl>
+                                          <p:spTgt spid="4"/>
+                                        </p:tgtEl>
+                                        <p:attrNameLst>
+                                          <p:attrName>ppt_x</p:attrName>
+                                        </p:attrNameLst>
+                                      </p:cBhvr>
+                                      <p:tavLst>
+                                        <p:tav tm="0">
+                                          <p:val>
+                                            <p:strVal val="#ppt_x"/>
+                                          </p:val>
+                                        </p:tav>
+                                        <p:tav tm="50000">
+                                          <p:val>
+                                            <p:strVal val="#ppt_x+.1"/>
+                                          </p:val>
+                                        </p:tav>
+                                        <p:tav tm="100000">
+                                          <p:val>
+                                            <p:strVal val="#ppt_x"/>
+                                          </p:val>
+                                        </p:tav>
+                                      </p:tavLst>
+                                    </p:anim>
+                                    <p:anim calcmode="lin" valueType="num">
+                                      <p:cBhvr>
+                                        <p:cTn id="17" dur="500" fill="hold"/>
+                                        <p:tgtEl>
+                                          <p:spTgt spid="4"/>
+                                        </p:tgtEl>
+                                        <p:attrNameLst>
+                                          <p:attrName>ppt_y</p:attrName>
+                                        </p:attrNameLst>
+                                      </p:cBhvr>
+                                      <p:tavLst>
+                                        <p:tav tm="0">
+                                          <p:val>
+                                            <p:strVal val="#ppt_y"/>
+                                          </p:val>
+                                        </p:tav>
+                                        <p:tav tm="100000">
+                                          <p:val>
+                                            <p:strVal val="#ppt_y"/>
+                                          </p:val>
+                                        </p:tav>
+                                      </p:tavLst>
+                                    </p:anim>
+                                    <p:anim calcmode="lin" valueType="num">
+                                      <p:cBhvr>
+                                        <p:cTn id="18" dur="500" fill="hold"/>
+                                        <p:tgtEl>
+                                          <p:spTgt spid="4"/>
+                                        </p:tgtEl>
+                                        <p:attrNameLst>
+                                          <p:attrName>ppt_h</p:attrName>
+                                        </p:attrNameLst>
+                                      </p:cBhvr>
+                                      <p:tavLst>
+                                        <p:tav tm="0">
+                                          <p:val>
+                                            <p:strVal val="#ppt_h/10"/>
+                                          </p:val>
+                                        </p:tav>
+                                        <p:tav tm="50000">
+                                          <p:val>
+                                            <p:strVal val="#ppt_h+.01"/>
+                                          </p:val>
+                                        </p:tav>
+                                        <p:tav tm="100000">
+                                          <p:val>
+                                            <p:strVal val="#ppt_h"/>
+                                          </p:val>
+                                        </p:tav>
+                                      </p:tavLst>
+                                    </p:anim>
+                                    <p:anim calcmode="lin" valueType="num">
+                                      <p:cBhvr>
+                                        <p:cTn id="19" dur="500" fill="hold"/>
+                                        <p:tgtEl>
+                                          <p:spTgt spid="4"/>
+                                        </p:tgtEl>
+                                        <p:attrNameLst>
+                                          <p:attrName>ppt_w</p:attrName>
+                                        </p:attrNameLst>
+                                      </p:cBhvr>
+                                      <p:tavLst>
+                                        <p:tav tm="0">
+                                          <p:val>
+                                            <p:strVal val="#ppt_w/10"/>
+                                          </p:val>
+                                        </p:tav>
+                                        <p:tav tm="50000">
+                                          <p:val>
+                                            <p:strVal val="#ppt_w+.01"/>
+                                          </p:val>
+                                        </p:tav>
+                                        <p:tav tm="100000">
+                                          <p:val>
+                                            <p:strVal val="#ppt_w"/>
+                                          </p:val>
+                                        </p:tav>
+                                      </p:tavLst>
+                                    </p:anim>
+                                    <p:animEffect transition="in" filter="fade">
+                                      <p:cBhvr>
+                                        <p:cTn id="20" dur="500" tmFilter="0,0; .5, 1; 1, 1"/>
+                                        <p:tgtEl>
+                                          <p:spTgt spid="4"/>
+                                        </p:tgtEl>
+                                      </p:cBhvr>
+                                    </p:animEffect>
+                                  </p:childTnLst>
+                                </p:cTn>
+                              </p:par>
+                            </p:childTnLst>
+                          </p:cTn>
+                        </p:par>
+                      </p:childTnLst>
+                    </p:cTn>
+                  </p:par>
+                  <p:par>
+                    <p:cTn id="21" fill="hold">
+                      <p:stCondLst>
+                        <p:cond delay="indefinite"/>
+                      </p:stCondLst>
+                      <p:childTnLst>
+                        <p:par>
+                          <p:cTn id="22" fill="hold">
+                            <p:stCondLst>
+                              <p:cond delay="0"/>
+                            </p:stCondLst>
+                            <p:childTnLst>
+                              <p:par>
+                                <p:cTn id="23" presetID="41" presetClass="entr" presetSubtype="0" fill="hold" grpId="0" nodeType="clickEffect">
+                                  <p:stCondLst>
+                                    <p:cond delay="0"/>
+                                  </p:stCondLst>
+                                  <p:iterate type="lt">
+                                    <p:tmPct val="10000"/>
+                                  </p:iterate>
+                                  <p:childTnLst>
+                                    <p:set>
+                                      <p:cBhvr>
+                                        <p:cTn id="24" dur="1" fill="hold">
+                                          <p:stCondLst>
+                                            <p:cond delay="0"/>
+                                          </p:stCondLst>
+                                        </p:cTn>
+                                        <p:tgtEl>
+                                          <p:spTgt spid="5"/>
+                                        </p:tgtEl>
+                                        <p:attrNameLst>
+                                          <p:attrName>style.visibility</p:attrName>
+                                        </p:attrNameLst>
+                                      </p:cBhvr>
+                                      <p:to>
+                                        <p:strVal val="visible"/>
+                                      </p:to>
+                                    </p:set>
+                                    <p:anim calcmode="lin" valueType="num">
+                                      <p:cBhvr>
+                                        <p:cTn id="25" dur="500" fill="hold"/>
+                                        <p:tgtEl>
+                                          <p:spTgt spid="5"/>
+                                        </p:tgtEl>
+                                        <p:attrNameLst>
+                                          <p:attrName>ppt_x</p:attrName>
+                                        </p:attrNameLst>
+                                      </p:cBhvr>
+                                      <p:tavLst>
+                                        <p:tav tm="0">
+                                          <p:val>
+                                            <p:strVal val="#ppt_x"/>
+                                          </p:val>
+                                        </p:tav>
+                                        <p:tav tm="50000">
+                                          <p:val>
+                                            <p:strVal val="#ppt_x+.1"/>
+                                          </p:val>
+                                        </p:tav>
+                                        <p:tav tm="100000">
+                                          <p:val>
+                                            <p:strVal val="#ppt_x"/>
+                                          </p:val>
+                                        </p:tav>
+                                      </p:tavLst>
+                                    </p:anim>
+                                    <p:anim calcmode="lin" valueType="num">
+                                      <p:cBhvr>
+                                        <p:cTn id="26" dur="500" fill="hold"/>
+                                        <p:tgtEl>
+                                          <p:spTgt spid="5"/>
+                                        </p:tgtEl>
+                                        <p:attrNameLst>
+                                          <p:attrName>ppt_y</p:attrName>
+                                        </p:attrNameLst>
+                                      </p:cBhvr>
+                                      <p:tavLst>
+                                        <p:tav tm="0">
+                                          <p:val>
+                                            <p:strVal val="#ppt_y"/>
+                                          </p:val>
+                                        </p:tav>
+                                        <p:tav tm="100000">
+                                          <p:val>
+                                            <p:strVal val="#ppt_y"/>
+                                          </p:val>
+                                        </p:tav>
+                                      </p:tavLst>
+                                    </p:anim>
+                                    <p:anim calcmode="lin" valueType="num">
+                                      <p:cBhvr>
+                                        <p:cTn id="27" dur="500" fill="hold"/>
+                                        <p:tgtEl>
+                                          <p:spTgt spid="5"/>
+                                        </p:tgtEl>
+                                        <p:attrNameLst>
+                                          <p:attrName>ppt_h</p:attrName>
+                                        </p:attrNameLst>
+                                      </p:cBhvr>
+                                      <p:tavLst>
+                                        <p:tav tm="0">
+                                          <p:val>
+                                            <p:strVal val="#ppt_h/10"/>
+                                          </p:val>
+                                        </p:tav>
+                                        <p:tav tm="50000">
+                                          <p:val>
+                                            <p:strVal val="#ppt_h+.01"/>
+                                          </p:val>
+                                        </p:tav>
+                                        <p:tav tm="100000">
+                                          <p:val>
+                                            <p:strVal val="#ppt_h"/>
+                                          </p:val>
+                                        </p:tav>
+                                      </p:tavLst>
+                                    </p:anim>
+                                    <p:anim calcmode="lin" valueType="num">
+                                      <p:cBhvr>
+                                        <p:cTn id="28" dur="500" fill="hold"/>
+                                        <p:tgtEl>
+                                          <p:spTgt spid="5"/>
+                                        </p:tgtEl>
+                                        <p:attrNameLst>
+                                          <p:attrName>ppt_w</p:attrName>
+                                        </p:attrNameLst>
+                                      </p:cBhvr>
+                                      <p:tavLst>
+                                        <p:tav tm="0">
+                                          <p:val>
+                                            <p:strVal val="#ppt_w/10"/>
+                                          </p:val>
+                                        </p:tav>
+                                        <p:tav tm="50000">
+                                          <p:val>
+                                            <p:strVal val="#ppt_w+.01"/>
+                                          </p:val>
+                                        </p:tav>
+                                        <p:tav tm="100000">
+                                          <p:val>
+                                            <p:strVal val="#ppt_w"/>
+                                          </p:val>
+                                        </p:tav>
+                                      </p:tavLst>
+                                    </p:anim>
+                                    <p:animEffect transition="in" filter="fade">
+                                      <p:cBhvr>
+                                        <p:cTn id="29" dur="500" tmFilter="0,0; .5, 1; 1, 1"/>
+                                        <p:tgtEl>
+                                          <p:spTgt spid="5"/>
+                                        </p:tgtEl>
+                                      </p:cBhvr>
+                                    </p:animEffect>
+                                  </p:childTnLst>
+                                </p:cTn>
+                              </p:par>
+                            </p:childTnLst>
+                          </p:cTn>
+                        </p:par>
+                      </p:childTnLst>
+                    </p:cTn>
+                  </p:par>
+                  <p:par>
+                    <p:cTn id="30" fill="hold">
+                      <p:stCondLst>
+                        <p:cond delay="indefinite"/>
+                      </p:stCondLst>
+                      <p:childTnLst>
+                        <p:par>
+                          <p:cTn id="31" fill="hold">
+                            <p:stCondLst>
+                              <p:cond delay="0"/>
+                            </p:stCondLst>
+                            <p:childTnLst>
+                              <p:par>
+                                <p:cTn id="32" presetID="41" presetClass="entr" presetSubtype="0" fill="hold" grpId="0" nodeType="clickEffect">
+                                  <p:stCondLst>
+                                    <p:cond delay="0"/>
+                                  </p:stCondLst>
+                                  <p:iterate type="lt">
+                                    <p:tmPct val="10000"/>
+                                  </p:iterate>
+                                  <p:childTnLst>
+                                    <p:set>
+                                      <p:cBhvr>
+                                        <p:cTn id="33" dur="1" fill="hold">
+                                          <p:stCondLst>
+                                            <p:cond delay="0"/>
+                                          </p:stCondLst>
+                                        </p:cTn>
+                                        <p:tgtEl>
+                                          <p:spTgt spid="6"/>
+                                        </p:tgtEl>
+                                        <p:attrNameLst>
+                                          <p:attrName>style.visibility</p:attrName>
+                                        </p:attrNameLst>
+                                      </p:cBhvr>
+                                      <p:to>
+                                        <p:strVal val="visible"/>
+                                      </p:to>
+                                    </p:set>
+                                    <p:anim calcmode="lin" valueType="num">
+                                      <p:cBhvr>
+                                        <p:cTn id="34" dur="500" fill="hold"/>
+                                        <p:tgtEl>
+                                          <p:spTgt spid="6"/>
+                                        </p:tgtEl>
+                                        <p:attrNameLst>
+                                          <p:attrName>ppt_x</p:attrName>
+                                        </p:attrNameLst>
+                                      </p:cBhvr>
+                                      <p:tavLst>
+                                        <p:tav tm="0">
+                                          <p:val>
+                                            <p:strVal val="#ppt_x"/>
+                                          </p:val>
+                                        </p:tav>
+                                        <p:tav tm="50000">
+                                          <p:val>
+                                            <p:strVal val="#ppt_x+.1"/>
+                                          </p:val>
+                                        </p:tav>
+                                        <p:tav tm="100000">
+                                          <p:val>
+                                            <p:strVal val="#ppt_x"/>
+                                          </p:val>
+                                        </p:tav>
+                                      </p:tavLst>
+                                    </p:anim>
+                                    <p:anim calcmode="lin" valueType="num">
+                                      <p:cBhvr>
+                                        <p:cTn id="35" dur="500" fill="hold"/>
+                                        <p:tgtEl>
+                                          <p:spTgt spid="6"/>
+                                        </p:tgtEl>
+                                        <p:attrNameLst>
+                                          <p:attrName>ppt_y</p:attrName>
+                                        </p:attrNameLst>
+                                      </p:cBhvr>
+                                      <p:tavLst>
+                                        <p:tav tm="0">
+                                          <p:val>
+                                            <p:strVal val="#ppt_y"/>
+                                          </p:val>
+                                        </p:tav>
+                                        <p:tav tm="100000">
+                                          <p:val>
+                                            <p:strVal val="#ppt_y"/>
+                                          </p:val>
+                                        </p:tav>
+                                      </p:tavLst>
+                                    </p:anim>
+                                    <p:anim calcmode="lin" valueType="num">
+                                      <p:cBhvr>
+                                        <p:cTn id="36" dur="500" fill="hold"/>
+                                        <p:tgtEl>
+                                          <p:spTgt spid="6"/>
+                                        </p:tgtEl>
+                                        <p:attrNameLst>
+                                          <p:attrName>ppt_h</p:attrName>
+                                        </p:attrNameLst>
+                                      </p:cBhvr>
+                                      <p:tavLst>
+                                        <p:tav tm="0">
+                                          <p:val>
+                                            <p:strVal val="#ppt_h/10"/>
+                                          </p:val>
+                                        </p:tav>
+                                        <p:tav tm="50000">
+                                          <p:val>
+                                            <p:strVal val="#ppt_h+.01"/>
+                                          </p:val>
+                                        </p:tav>
+                                        <p:tav tm="100000">
+                                          <p:val>
+                                            <p:strVal val="#ppt_h"/>
+                                          </p:val>
+                                        </p:tav>
+                                      </p:tavLst>
+                                    </p:anim>
+                                    <p:anim calcmode="lin" valueType="num">
+                                      <p:cBhvr>
+                                        <p:cTn id="37" dur="500" fill="hold"/>
+                                        <p:tgtEl>
+                                          <p:spTgt spid="6"/>
+                                        </p:tgtEl>
+                                        <p:attrNameLst>
+                                          <p:attrName>ppt_w</p:attrName>
+                                        </p:attrNameLst>
+                                      </p:cBhvr>
+                                      <p:tavLst>
+                                        <p:tav tm="0">
+                                          <p:val>
+                                            <p:strVal val="#ppt_w/10"/>
+                                          </p:val>
+                                        </p:tav>
+                                        <p:tav tm="50000">
+                                          <p:val>
+                                            <p:strVal val="#ppt_w+.01"/>
+                                          </p:val>
+                                        </p:tav>
+                                        <p:tav tm="100000">
+                                          <p:val>
+                                            <p:strVal val="#ppt_w"/>
+                                          </p:val>
+                                        </p:tav>
+                                      </p:tavLst>
+                                    </p:anim>
+                                    <p:animEffect transition="in" filter="fade">
+                                      <p:cBhvr>
+                                        <p:cTn id="38" dur="500" tmFilter="0,0; .5, 1; 1, 1"/>
+                                        <p:tgtEl>
+                                          <p:spTgt spid="6"/>
+                                        </p:tgtEl>
+                                      </p:cBhvr>
+                                    </p:animEffect>
+                                  </p:childTnLst>
+                                </p:cTn>
+                              </p:par>
+                            </p:childTnLst>
+                          </p:cTn>
+                        </p:par>
+                      </p:childTnLst>
+                    </p:cTn>
+                  </p:par>
+                  <p:par>
+                    <p:cTn id="39" fill="hold">
+                      <p:stCondLst>
+                        <p:cond delay="indefinite"/>
+                      </p:stCondLst>
+                      <p:childTnLst>
+                        <p:par>
+                          <p:cTn id="40" fill="hold">
+                            <p:stCondLst>
+                              <p:cond delay="0"/>
+                            </p:stCondLst>
+                            <p:childTnLst>
+                              <p:par>
+                                <p:cTn id="41" presetID="41" presetClass="entr" presetSubtype="0" fill="hold" grpId="0" nodeType="clickEffect">
+                                  <p:stCondLst>
+                                    <p:cond delay="0"/>
+                                  </p:stCondLst>
+                                  <p:iterate type="lt">
+                                    <p:tmPct val="10000"/>
+                                  </p:iterate>
+                                  <p:childTnLst>
+                                    <p:set>
+                                      <p:cBhvr>
+                                        <p:cTn id="42" dur="1" fill="hold">
+                                          <p:stCondLst>
+                                            <p:cond delay="0"/>
+                                          </p:stCondLst>
+                                        </p:cTn>
+                                        <p:tgtEl>
+                                          <p:spTgt spid="7"/>
+                                        </p:tgtEl>
+                                        <p:attrNameLst>
+                                          <p:attrName>style.visibility</p:attrName>
+                                        </p:attrNameLst>
+                                      </p:cBhvr>
+                                      <p:to>
+                                        <p:strVal val="visible"/>
+                                      </p:to>
+                                    </p:set>
+                                    <p:anim calcmode="lin" valueType="num">
+                                      <p:cBhvr>
+                                        <p:cTn id="43" dur="500" fill="hold"/>
+                                        <p:tgtEl>
+                                          <p:spTgt spid="7"/>
+                                        </p:tgtEl>
+                                        <p:attrNameLst>
+                                          <p:attrName>ppt_x</p:attrName>
+                                        </p:attrNameLst>
+                                      </p:cBhvr>
+                                      <p:tavLst>
+                                        <p:tav tm="0">
+                                          <p:val>
+                                            <p:strVal val="#ppt_x"/>
+                                          </p:val>
+                                        </p:tav>
+                                        <p:tav tm="50000">
+                                          <p:val>
+                                            <p:strVal val="#ppt_x+.1"/>
+                                          </p:val>
+                                        </p:tav>
+                                        <p:tav tm="100000">
+                                          <p:val>
+                                            <p:strVal val="#ppt_x"/>
+                                          </p:val>
+                                        </p:tav>
+                                      </p:tavLst>
+                                    </p:anim>
+                                    <p:anim calcmode="lin" valueType="num">
+                                      <p:cBhvr>
+                                        <p:cTn id="44" dur="500" fill="hold"/>
+                                        <p:tgtEl>
+                                          <p:spTgt spid="7"/>
+                                        </p:tgtEl>
+                                        <p:attrNameLst>
+                                          <p:attrName>ppt_y</p:attrName>
+                                        </p:attrNameLst>
+                                      </p:cBhvr>
+                                      <p:tavLst>
+                                        <p:tav tm="0">
+                                          <p:val>
+                                            <p:strVal val="#ppt_y"/>
+                                          </p:val>
+                                        </p:tav>
+                                        <p:tav tm="100000">
+                                          <p:val>
+                                            <p:strVal val="#ppt_y"/>
+                                          </p:val>
+                                        </p:tav>
+                                      </p:tavLst>
+                                    </p:anim>
+                                    <p:anim calcmode="lin" valueType="num">
+                                      <p:cBhvr>
+                                        <p:cTn id="45" dur="500" fill="hold"/>
+                                        <p:tgtEl>
+                                          <p:spTgt spid="7"/>
+                                        </p:tgtEl>
+                                        <p:attrNameLst>
+                                          <p:attrName>ppt_h</p:attrName>
+                                        </p:attrNameLst>
+                                      </p:cBhvr>
+                                      <p:tavLst>
+                                        <p:tav tm="0">
+                                          <p:val>
+                                            <p:strVal val="#ppt_h/10"/>
+                                          </p:val>
+                                        </p:tav>
+                                        <p:tav tm="50000">
+                                          <p:val>
+                                            <p:strVal val="#ppt_h+.01"/>
+                                          </p:val>
+                                        </p:tav>
+                                        <p:tav tm="100000">
+                                          <p:val>
+                                            <p:strVal val="#ppt_h"/>
+                                          </p:val>
+                                        </p:tav>
+                                      </p:tavLst>
+                                    </p:anim>
+                                    <p:anim calcmode="lin" valueType="num">
+                                      <p:cBhvr>
+                                        <p:cTn id="46" dur="500" fill="hold"/>
+                                        <p:tgtEl>
+                                          <p:spTgt spid="7"/>
+                                        </p:tgtEl>
+                                        <p:attrNameLst>
+                                          <p:attrName>ppt_w</p:attrName>
+                                        </p:attrNameLst>
+                                      </p:cBhvr>
+                                      <p:tavLst>
+                                        <p:tav tm="0">
+                                          <p:val>
+                                            <p:strVal val="#ppt_w/10"/>
+                                          </p:val>
+                                        </p:tav>
+                                        <p:tav tm="50000">
+                                          <p:val>
+                                            <p:strVal val="#ppt_w+.01"/>
+                                          </p:val>
+                                        </p:tav>
+                                        <p:tav tm="100000">
+                                          <p:val>
+                                            <p:strVal val="#ppt_w"/>
+                                          </p:val>
+                                        </p:tav>
+                                      </p:tavLst>
+                                    </p:anim>
+                                    <p:animEffect transition="in" filter="fade">
+                                      <p:cBhvr>
+                                        <p:cTn id="47" dur="500" tmFilter="0,0; .5, 1; 1, 1"/>
+                                        <p:tgtEl>
+                                          <p:spTgt spid="7"/>
+                                        </p:tgtEl>
+                                      </p:cBhvr>
+                                    </p:animEffect>
+                                  </p:childTnLst>
+                                </p:cTn>
+                              </p:par>
+                            </p:childTnLst>
+                          </p:cTn>
+                        </p:par>
+                      </p:childTnLst>
+                    </p:cTn>
+                  </p:par>
+                </p:childTnLst>
+              </p:cTn>
+              <p:prevCondLst>
+                <p:cond evt="onPrev" delay="0">
+                  <p:tgtEl>
+                    <p:sldTgt/>
+                  </p:tgtEl>
+                </p:cond>
+              </p:prevCondLst>
+              <p:nextCondLst>
+                <p:cond evt="onNext" delay="0">
+                  <p:tgtEl>
+                    <p:sldTgt/>
+                  </p:tgtEl>
+                </p:cond>
+              </p:nextCondLst>
+            </p:seq>
+          </p:childTnLst>
+        </p:cTn>
+      </p:par>
+    </p:tnLst>
+    <p:bldLst>
+      <p:bldP spid="3" grpId="0" animBg="1"/>
+      <p:bldP spid="4" grpId="0" animBg="1"/>
+      <p:bldP spid="5" grpId="0" animBg="1"/>
+      <p:bldP spid="6" grpId="0" animBg="1"/>
+      <p:bldP spid="7" grpId="0" animBg="1"/>
+    </p:bldLst>
+  </p:timing>
+</p:sld>
+</file>
+
+<file path=ppt/slides/slide23.xml><?xml version="1.0" encoding="utf-8"?>
+<p:sld xmlns:a="http://schemas.openxmlformats.org/drawingml/2006/main" xmlns:r="http://schemas.openxmlformats.org/officeDocument/2006/relationships" xmlns:p="http://schemas.openxmlformats.org/presentationml/2006/main">
+  <p:cSld>
+    <p:spTree>
+      <p:nvGrpSpPr>
+        <p:cNvPr id="1" name=""/>
+        <p:cNvGrpSpPr/>
+        <p:nvPr/>
+      </p:nvGrpSpPr>
+      <p:grpSpPr>
+        <a:xfrm>
+          <a:off x="0" y="0"/>
+          <a:ext cx="0" cy="0"/>
+          <a:chOff x="0" y="0"/>
+          <a:chExt cx="0" cy="0"/>
+        </a:xfrm>
+      </p:grpSpPr>
+      <p:sp>
+        <p:nvSpPr>
+          <p:cNvPr id="2" name="Slide Number Placeholder 1"/>
+          <p:cNvSpPr>
+            <a:spLocks noGrp="1"/>
+          </p:cNvSpPr>
+          <p:nvPr>
+            <p:ph type="sldNum" idx="12"/>
+          </p:nvPr>
+        </p:nvSpPr>
+        <p:spPr/>
+        <p:txBody>
+          <a:bodyPr/>
+          <a:lstStyle/>
+          <a:p>
+            <a:pPr marL="0" lvl="0" indent="0" algn="r" rtl="0">
+              <a:spcBef>
+                <a:spcPts val="0"/>
+              </a:spcBef>
+              <a:spcAft>
+                <a:spcPts val="0"/>
+              </a:spcAft>
+              <a:buNone/>
+            </a:pPr>
+            <a:fld id="{00000000-1234-1234-1234-123412341234}" type="slidenum">
+              <a:rPr lang="en" smtClean="0"/>
+              <a:t>23</a:t>
             </a:fld>
             <a:endParaRPr lang="en"/>
           </a:p>
@@ -39572,20 +40217,14 @@
               <a:rPr lang="vi-VN" sz="1200" dirty="0">
                 <a:latin typeface="+mn-lt"/>
               </a:rPr>
-              <a:t>would like to thank Mr. Nguyen Dinh Trong for creating favorable conditions and helping our team in the process of making a project. Thank you, everyone in the group, for always trusting and promoting each other to come today</a:t>
+              <a:t>would like to thank Mr. Nguyen Dinh Trong for creating favorable conditions and helping our team in the process of making a project. Thank you, everyone in the group, for always trusting and promoting each other to come today.</a:t>
             </a:r>
-            <a:r>
-              <a:rPr lang="vi-VN" sz="1200" dirty="0" smtClean="0">
-                <a:latin typeface="+mn-lt"/>
-              </a:rPr>
-              <a:t>.</a:t>
-            </a:r>
-            <a:endParaRPr lang="en-US" sz="1200" dirty="0" smtClean="0">
+            <a:endParaRPr lang="en-US" sz="1200" dirty="0">
               <a:latin typeface="+mn-lt"/>
             </a:endParaRPr>
           </a:p>
           <a:p>
-            <a:endParaRPr lang="en-US" sz="1200" dirty="0" smtClean="0">
+            <a:endParaRPr lang="en-US" sz="1200" dirty="0">
               <a:latin typeface="+mn-lt"/>
             </a:endParaRPr>
           </a:p>
@@ -39594,13 +40233,7 @@
               <a:rPr lang="en-US" sz="1200" dirty="0">
                 <a:latin typeface="+mn-lt"/>
               </a:rPr>
-              <a:t>However, due to limited time and many other reasons, although our team has tried our best, our project still has many shortcomings and limitations</a:t>
-            </a:r>
-            <a:r>
-              <a:rPr lang="en-US" sz="1200" dirty="0" smtClean="0">
-                <a:latin typeface="+mn-lt"/>
-              </a:rPr>
-              <a:t>.</a:t>
+              <a:t>However, due to limited time and many other reasons, although our team has tried our best, our project still has many shortcomings and limitations.</a:t>
             </a:r>
           </a:p>
           <a:p>
@@ -39613,17 +40246,8 @@
               <a:rPr lang="en-US" sz="1200" dirty="0">
                 <a:latin typeface="+mn-lt"/>
               </a:rPr>
-              <a:t>We look forward to the sympathy and advice of the board teachers and </a:t>
+              <a:t>We look forward to the sympathy and advice of the board teachers and friends.</a:t>
             </a:r>
-            <a:r>
-              <a:rPr lang="en-US" sz="1200" dirty="0" smtClean="0">
-                <a:latin typeface="+mn-lt"/>
-              </a:rPr>
-              <a:t>friends.</a:t>
-            </a:r>
-            <a:endParaRPr lang="en-US" sz="1200" dirty="0">
-              <a:latin typeface="+mn-lt"/>
-            </a:endParaRPr>
           </a:p>
         </p:txBody>
       </p:sp>
@@ -39851,7 +40475,7 @@
 </p:sld>
 </file>
 
-<file path=ppt/slides/slide21.xml><?xml version="1.0" encoding="utf-8"?>
+<file path=ppt/slides/slide24.xml><?xml version="1.0" encoding="utf-8"?>
 <p:sld xmlns:a="http://schemas.openxmlformats.org/drawingml/2006/main" xmlns:r="http://schemas.openxmlformats.org/officeDocument/2006/relationships" xmlns:p="http://schemas.openxmlformats.org/presentationml/2006/main">
   <p:cSld>
     <p:spTree>
@@ -39884,10 +40508,9 @@
           <a:lstStyle/>
           <a:p>
             <a:r>
-              <a:rPr lang="en-US" dirty="0" smtClean="0"/>
+              <a:rPr lang="en-US" dirty="0"/>
               <a:t>Thank You For Watching</a:t>
             </a:r>
-            <a:endParaRPr lang="en-US" dirty="0"/>
           </a:p>
         </p:txBody>
       </p:sp>
@@ -39913,13 +40536,6 @@
       </p:transition>
     </mc:Fallback>
   </mc:AlternateContent>
-  <p:timing>
-    <p:tnLst>
-      <p:par>
-        <p:cTn id="1" dur="indefinite" restart="never" nodeType="tmRoot"/>
-      </p:par>
-    </p:tnLst>
-  </p:timing>
 </p:sld>
 </file>
 
@@ -39986,19 +40602,7 @@
                 <a:cs typeface="Lato Light"/>
                 <a:sym typeface="Lato Light"/>
               </a:rPr>
-              <a:t>F</a:t>
-            </a:r>
-            <a:r>
-              <a:rPr lang="en" sz="1200" dirty="0" smtClean="0">
-                <a:solidFill>
-                  <a:schemeClr val="tx1"/>
-                </a:solidFill>
-                <a:latin typeface="+mj-lt"/>
-                <a:ea typeface="Lato Light"/>
-                <a:cs typeface="Lato Light"/>
-                <a:sym typeface="Lato Light"/>
-              </a:rPr>
-              <a:t>irst</a:t>
+              <a:t>First</a:t>
             </a:r>
             <a:endParaRPr sz="1200" dirty="0">
               <a:solidFill>
@@ -40047,13 +40651,13 @@
               <a:buNone/>
             </a:pPr>
             <a:r>
-              <a:rPr lang="en-US" dirty="0" smtClean="0">
+              <a:rPr lang="en-US" dirty="0">
                 <a:latin typeface="+mj-lt"/>
               </a:rPr>
               <a:t>   </a:t>
             </a:r>
             <a:r>
-              <a:rPr lang="en-US" sz="2800" dirty="0" smtClean="0">
+              <a:rPr lang="en-US" sz="2800" dirty="0">
                 <a:latin typeface="+mj-lt"/>
               </a:rPr>
               <a:t>Contents</a:t>
@@ -40193,10 +40797,9 @@
           <a:p>
             <a:pPr algn="ctr"/>
             <a:r>
-              <a:rPr lang="en-US" dirty="0" smtClean="0"/>
+              <a:rPr lang="en-US" dirty="0"/>
               <a:t>Research Purpose</a:t>
             </a:r>
-            <a:endParaRPr lang="en-US" dirty="0"/>
           </a:p>
         </p:txBody>
       </p:sp>
@@ -40235,10 +40838,9 @@
           <a:p>
             <a:pPr algn="ctr"/>
             <a:r>
-              <a:rPr lang="en-US" dirty="0" smtClean="0"/>
+              <a:rPr lang="en-US" dirty="0"/>
               <a:t>Development</a:t>
             </a:r>
-            <a:endParaRPr lang="en-US" dirty="0"/>
           </a:p>
         </p:txBody>
       </p:sp>
@@ -40277,10 +40879,9 @@
           <a:p>
             <a:pPr algn="ctr"/>
             <a:r>
-              <a:rPr lang="en-US" dirty="0" smtClean="0"/>
+              <a:rPr lang="en-US" dirty="0"/>
               <a:t>Introduce Website </a:t>
             </a:r>
-            <a:endParaRPr lang="en-US" dirty="0"/>
           </a:p>
         </p:txBody>
       </p:sp>
@@ -40319,10 +40920,9 @@
           <a:p>
             <a:pPr algn="ctr"/>
             <a:r>
-              <a:rPr lang="en-US" dirty="0" smtClean="0"/>
+              <a:rPr lang="en-US" dirty="0"/>
               <a:t>Website Interface &amp; Functionality </a:t>
             </a:r>
-            <a:endParaRPr lang="en-US" dirty="0"/>
           </a:p>
         </p:txBody>
       </p:sp>
@@ -40361,10 +40961,9 @@
           <a:p>
             <a:pPr algn="ctr"/>
             <a:r>
-              <a:rPr lang="en-US" dirty="0" smtClean="0"/>
+              <a:rPr lang="en-US" dirty="0"/>
               <a:t>Advantage &amp; Disadvantage</a:t>
             </a:r>
-            <a:endParaRPr lang="en-US" dirty="0"/>
           </a:p>
         </p:txBody>
       </p:sp>
@@ -40453,7 +41052,7 @@
               <a:buNone/>
             </a:pPr>
             <a:r>
-              <a:rPr lang="en" sz="1200" dirty="0" smtClean="0">
+              <a:rPr lang="en" sz="1200" dirty="0">
                 <a:solidFill>
                   <a:schemeClr val="tx1"/>
                 </a:solidFill>
@@ -40699,14 +41298,11 @@
           <a:lstStyle/>
           <a:p>
             <a:r>
-              <a:rPr lang="en-US" sz="1200" dirty="0" smtClean="0">
+              <a:rPr lang="en-US" sz="1200" dirty="0">
                 <a:latin typeface="+mj-lt"/>
               </a:rPr>
               <a:t>Second</a:t>
             </a:r>
-            <a:endParaRPr lang="en-US" sz="1200" dirty="0">
-              <a:latin typeface="+mj-lt"/>
-            </a:endParaRPr>
           </a:p>
         </p:txBody>
       </p:sp>
@@ -40733,14 +41329,11 @@
           <a:lstStyle/>
           <a:p>
             <a:r>
-              <a:rPr lang="en-US" sz="1200" dirty="0" smtClean="0">
+              <a:rPr lang="en-US" sz="1200" dirty="0">
                 <a:latin typeface="+mj-lt"/>
               </a:rPr>
               <a:t>Third</a:t>
             </a:r>
-            <a:endParaRPr lang="en-US" sz="1200" dirty="0">
-              <a:latin typeface="+mj-lt"/>
-            </a:endParaRPr>
           </a:p>
         </p:txBody>
       </p:sp>
@@ -40767,14 +41360,11 @@
           <a:lstStyle/>
           <a:p>
             <a:r>
-              <a:rPr lang="en-US" sz="1200" dirty="0" smtClean="0">
+              <a:rPr lang="en-US" sz="1200" dirty="0">
                 <a:latin typeface="+mj-lt"/>
               </a:rPr>
               <a:t>Fourth</a:t>
             </a:r>
-            <a:endParaRPr lang="en-US" sz="1200" dirty="0">
-              <a:latin typeface="+mj-lt"/>
-            </a:endParaRPr>
           </a:p>
         </p:txBody>
       </p:sp>
@@ -41746,7 +42336,7 @@
           <a:lstStyle/>
           <a:p>
             <a:r>
-              <a:rPr lang="en-US" b="1" dirty="0" smtClean="0">
+              <a:rPr lang="en-US" b="1" dirty="0">
                 <a:solidFill>
                   <a:srgbClr val="FFFF00"/>
                 </a:solidFill>
@@ -41785,7 +42375,7 @@
           <a:lstStyle/>
           <a:p>
             <a:r>
-              <a:rPr lang="en-US" sz="2000" b="1" dirty="0" smtClean="0">
+              <a:rPr lang="en-US" sz="2000" b="1" dirty="0">
                 <a:solidFill>
                   <a:srgbClr val="00B0F0"/>
                 </a:solidFill>
@@ -41793,16 +42383,10 @@
               </a:rPr>
               <a:t>RESEARCH</a:t>
             </a:r>
-            <a:endParaRPr lang="en-US" sz="2000" b="1" dirty="0">
-              <a:solidFill>
-                <a:srgbClr val="00B0F0"/>
-              </a:solidFill>
-              <a:latin typeface="+mj-lt"/>
-            </a:endParaRPr>
           </a:p>
           <a:p>
             <a:r>
-              <a:rPr lang="en-US" sz="2000" b="1" dirty="0" smtClean="0">
+              <a:rPr lang="en-US" sz="2000" b="1" dirty="0">
                 <a:solidFill>
                   <a:srgbClr val="00B0F0"/>
                 </a:solidFill>
@@ -41810,12 +42394,6 @@
               </a:rPr>
               <a:t>PURPOSES</a:t>
             </a:r>
-            <a:endParaRPr lang="en-US" sz="2000" b="1" dirty="0">
-              <a:solidFill>
-                <a:srgbClr val="00B0F0"/>
-              </a:solidFill>
-              <a:latin typeface="+mj-lt"/>
-            </a:endParaRPr>
           </a:p>
           <a:p>
             <a:endParaRPr lang="en-US" dirty="0">
@@ -41849,121 +42427,13 @@
           <a:lstStyle/>
           <a:p>
             <a:r>
-              <a:rPr lang="en-US" sz="1600" dirty="0" smtClean="0">
-                <a:solidFill>
-                  <a:schemeClr val="bg1"/>
-                </a:solidFill>
-                <a:latin typeface="+mn-lt"/>
-              </a:rPr>
-              <a:t>Our </a:t>
-            </a:r>
-            <a:r>
               <a:rPr lang="en-US" sz="1600" dirty="0">
                 <a:solidFill>
                   <a:schemeClr val="bg1"/>
                 </a:solidFill>
                 <a:latin typeface="+mn-lt"/>
               </a:rPr>
-              <a:t>team was assigned to the project to design a sales website that includes products</a:t>
-            </a:r>
-            <a:r>
-              <a:rPr lang="en-US" sz="1600">
-                <a:solidFill>
-                  <a:schemeClr val="bg1"/>
-                </a:solidFill>
-                <a:latin typeface="+mn-lt"/>
-              </a:rPr>
-              <a:t>: </a:t>
-            </a:r>
-            <a:r>
-              <a:rPr lang="en-US" sz="1600" smtClean="0">
-                <a:solidFill>
-                  <a:schemeClr val="bg1"/>
-                </a:solidFill>
-                <a:latin typeface="+mn-lt"/>
-              </a:rPr>
-              <a:t>    </a:t>
-            </a:r>
-            <a:r>
-              <a:rPr lang="en-US" sz="1600" smtClean="0">
-                <a:solidFill>
-                  <a:schemeClr val="bg1"/>
-                </a:solidFill>
-                <a:latin typeface="+mn-lt"/>
-              </a:rPr>
-              <a:t>Calendars</a:t>
-            </a:r>
-            <a:r>
-              <a:rPr lang="en-US" sz="1600">
-                <a:solidFill>
-                  <a:schemeClr val="bg1"/>
-                </a:solidFill>
-                <a:latin typeface="+mn-lt"/>
-              </a:rPr>
-              <a:t>, </a:t>
-            </a:r>
-            <a:r>
-              <a:rPr lang="en-US" sz="1600" smtClean="0">
-                <a:solidFill>
-                  <a:schemeClr val="bg1"/>
-                </a:solidFill>
-                <a:latin typeface="+mn-lt"/>
-              </a:rPr>
-              <a:t>Journals</a:t>
-            </a:r>
-            <a:r>
-              <a:rPr lang="en-US" sz="1600">
-                <a:solidFill>
-                  <a:schemeClr val="bg1"/>
-                </a:solidFill>
-                <a:latin typeface="+mn-lt"/>
-              </a:rPr>
-              <a:t>, </a:t>
-            </a:r>
-            <a:r>
-              <a:rPr lang="en-US" sz="1600" smtClean="0">
-                <a:solidFill>
-                  <a:schemeClr val="bg1"/>
-                </a:solidFill>
-                <a:latin typeface="+mn-lt"/>
-              </a:rPr>
-              <a:t>Diaries </a:t>
-            </a:r>
-            <a:r>
-              <a:rPr lang="en-US" sz="1600">
-                <a:solidFill>
-                  <a:schemeClr val="bg1"/>
-                </a:solidFill>
-                <a:latin typeface="+mn-lt"/>
-              </a:rPr>
-              <a:t>and </a:t>
-            </a:r>
-            <a:r>
-              <a:rPr lang="en-US" sz="1600" smtClean="0">
-                <a:solidFill>
-                  <a:schemeClr val="bg1"/>
-                </a:solidFill>
-                <a:latin typeface="+mn-lt"/>
-              </a:rPr>
-              <a:t>Folders</a:t>
-            </a:r>
-            <a:r>
-              <a:rPr lang="en-US" sz="1600" dirty="0">
-                <a:solidFill>
-                  <a:schemeClr val="bg1"/>
-                </a:solidFill>
-                <a:latin typeface="+mn-lt"/>
-              </a:rPr>
-              <a:t>. We decided to design the website with the following criteria</a:t>
-            </a:r>
-            <a:r>
-              <a:rPr lang="en-US" sz="1600" dirty="0" smtClean="0">
-                <a:solidFill>
-                  <a:schemeClr val="bg1"/>
-                </a:solidFill>
-                <a:latin typeface="+mn-lt"/>
-              </a:rPr>
-              <a:t>:</a:t>
+              <a:t>Our team was assigned to the project to design a sales website that includes products:     calendars, journals, diaries and folders. We decided to design the website with the following criteria:</a:t>
             </a:r>
           </a:p>
           <a:p>
@@ -41980,22 +42450,13 @@
               <a:buChar char="-"/>
             </a:pPr>
             <a:r>
-              <a:rPr lang="en-US" sz="1600" dirty="0" smtClean="0">
-                <a:solidFill>
-                  <a:schemeClr val="bg1"/>
-                </a:solidFill>
-                <a:latin typeface="+mn-lt"/>
-              </a:rPr>
-              <a:t>Create </a:t>
-            </a:r>
-            <a:r>
               <a:rPr lang="en-US" sz="1600" dirty="0">
                 <a:solidFill>
                   <a:schemeClr val="bg1"/>
                 </a:solidFill>
                 <a:latin typeface="+mn-lt"/>
               </a:rPr>
-              <a:t>a simple interface, easy to use, easy access for new people or have used the internet for a long time.</a:t>
+              <a:t>Create a simple interface, easy to use, easy access for new people or have used the internet for a long time.</a:t>
             </a:r>
           </a:p>
           <a:p>
@@ -42768,7 +43229,7 @@
           <a:lstStyle/>
           <a:p>
             <a:r>
-              <a:rPr lang="en-US" b="1" dirty="0" smtClean="0">
+              <a:rPr lang="en-US" b="1" dirty="0">
                 <a:solidFill>
                   <a:srgbClr val="FFFF00"/>
                 </a:solidFill>
@@ -42807,7 +43268,7 @@
           <a:lstStyle/>
           <a:p>
             <a:r>
-              <a:rPr lang="en-US" sz="2000" b="1" dirty="0" smtClean="0">
+              <a:rPr lang="en-US" sz="2000" b="1" dirty="0">
                 <a:solidFill>
                   <a:srgbClr val="FFC000"/>
                 </a:solidFill>
@@ -42815,12 +43276,6 @@
               </a:rPr>
               <a:t>INTRODUCE</a:t>
             </a:r>
-            <a:endParaRPr lang="en-US" sz="2000" b="1" dirty="0">
-              <a:solidFill>
-                <a:srgbClr val="FFC000"/>
-              </a:solidFill>
-              <a:latin typeface="+mj-lt"/>
-            </a:endParaRPr>
           </a:p>
         </p:txBody>
       </p:sp>
@@ -42850,17 +43305,8 @@
               <a:rPr lang="en-US" sz="1600" dirty="0">
                 <a:latin typeface="+mn-lt"/>
               </a:rPr>
-              <a:t>We built Ryana Calendars in learned languages like HTML, CSS, and some basic JavaScript. Ryana Calendars has basic functions such as being able to select the item to search, categorize the item according to its function, view product details, search for it on Google Map, send feedback to the admin. In the languages mentioned above we have been trying for the past 1 month to do the best we can for ourselves, now I invite teachers and everyone to see the results of our group</a:t>
+              <a:t>We built Ryana Calendars in learned languages like HTML, CSS, and some basic JavaScript. Ryana Calendars has basic functions such as being able to select the item to search, categorize the item according to its function, view product details, search for it on Google Map, send feedback to the admin. In the languages mentioned above we have been trying for the past 1 month to do the best we can for ourselves, now I invite teachers and everyone to see the results of our group. </a:t>
             </a:r>
-            <a:r>
-              <a:rPr lang="en-US" sz="1600" dirty="0" smtClean="0">
-                <a:latin typeface="+mn-lt"/>
-              </a:rPr>
-              <a:t>. </a:t>
-            </a:r>
-            <a:endParaRPr lang="en-US" sz="1600" dirty="0">
-              <a:latin typeface="+mn-lt"/>
-            </a:endParaRPr>
           </a:p>
           <a:p>
             <a:endParaRPr lang="en-US" dirty="0"/>
@@ -42890,10 +43336,9 @@
           <a:lstStyle/>
           <a:p>
             <a:r>
-              <a:rPr lang="en-US" dirty="0" smtClean="0"/>
+              <a:rPr lang="en-US" dirty="0"/>
               <a:t>Please</a:t>
             </a:r>
-            <a:endParaRPr lang="en-US" dirty="0"/>
           </a:p>
         </p:txBody>
       </p:sp>
@@ -44300,10 +44745,9 @@
           <a:p>
             <a:pPr algn="ctr"/>
             <a:r>
-              <a:rPr lang="en-US" dirty="0" smtClean="0"/>
+              <a:rPr lang="en-US" dirty="0"/>
               <a:t>Admin</a:t>
             </a:r>
-            <a:endParaRPr lang="en-US" dirty="0"/>
           </a:p>
         </p:txBody>
       </p:sp>
@@ -44342,10 +44786,9 @@
           <a:p>
             <a:pPr algn="ctr"/>
             <a:r>
-              <a:rPr lang="en-US" dirty="0" smtClean="0"/>
+              <a:rPr lang="en-US" dirty="0"/>
               <a:t>Add And Remove Products</a:t>
             </a:r>
-            <a:endParaRPr lang="en-US" dirty="0"/>
           </a:p>
         </p:txBody>
       </p:sp>
@@ -44384,12 +44827,8 @@
           <a:p>
             <a:pPr algn="ctr"/>
             <a:r>
-              <a:rPr lang="en-US" dirty="0" smtClean="0"/>
-              <a:t>Update And </a:t>
-            </a:r>
-            <a:r>
               <a:rPr lang="en-US" dirty="0"/>
-              <a:t>Maintenance</a:t>
+              <a:t>Update And Maintenance</a:t>
             </a:r>
           </a:p>
         </p:txBody>
@@ -44428,12 +44867,12 @@
           <a:lstStyle/>
           <a:p>
             <a:pPr algn="ctr"/>
-            <a:endParaRPr lang="en-US" dirty="0" smtClean="0"/>
+            <a:endParaRPr lang="en-US" dirty="0"/>
           </a:p>
           <a:p>
             <a:pPr algn="ctr"/>
             <a:r>
-              <a:rPr lang="en-US" dirty="0" smtClean="0"/>
+              <a:rPr lang="en-US" dirty="0"/>
               <a:t>Provide User Account</a:t>
             </a:r>
           </a:p>
@@ -45874,10 +46313,9 @@
           <a:p>
             <a:pPr algn="ctr"/>
             <a:r>
-              <a:rPr lang="en-US" dirty="0" smtClean="0"/>
+              <a:rPr lang="en-US" dirty="0"/>
               <a:t>Customer</a:t>
             </a:r>
-            <a:endParaRPr lang="en-US" dirty="0"/>
           </a:p>
         </p:txBody>
       </p:sp>
@@ -45916,10 +46354,9 @@
           <a:p>
             <a:pPr algn="ctr"/>
             <a:r>
-              <a:rPr lang="en-US" dirty="0" smtClean="0"/>
+              <a:rPr lang="en-US" dirty="0"/>
               <a:t>Buy Products</a:t>
             </a:r>
-            <a:endParaRPr lang="en-US" dirty="0"/>
           </a:p>
         </p:txBody>
       </p:sp>
@@ -45958,10 +46395,9 @@
           <a:p>
             <a:pPr algn="ctr"/>
             <a:r>
-              <a:rPr lang="en-US" dirty="0" smtClean="0"/>
+              <a:rPr lang="en-US" dirty="0"/>
               <a:t>Feedback</a:t>
             </a:r>
-            <a:endParaRPr lang="en-US" dirty="0"/>
           </a:p>
         </p:txBody>
       </p:sp>
@@ -45999,12 +46435,12 @@
           <a:lstStyle/>
           <a:p>
             <a:pPr algn="ctr"/>
-            <a:endParaRPr lang="en-US" dirty="0" smtClean="0"/>
+            <a:endParaRPr lang="en-US" dirty="0"/>
           </a:p>
           <a:p>
             <a:pPr algn="ctr"/>
             <a:r>
-              <a:rPr lang="en-US" dirty="0" smtClean="0"/>
+              <a:rPr lang="en-US" dirty="0"/>
               <a:t>Message For Admin</a:t>
             </a:r>
           </a:p>
@@ -46476,25 +46912,22 @@
           <a:lstStyle/>
           <a:p>
             <a:r>
-              <a:rPr lang="en-US" sz="2800" b="1" dirty="0" smtClean="0">
+              <a:rPr lang="en-US" sz="2800" b="1" dirty="0">
                 <a:latin typeface="+mj-lt"/>
               </a:rPr>
               <a:t>WEBSITE INTERFACE   AND </a:t>
             </a:r>
             <a:br>
-              <a:rPr lang="en-US" sz="2800" b="1" dirty="0" smtClean="0">
+              <a:rPr lang="en-US" sz="2800" b="1" dirty="0">
                 <a:latin typeface="+mj-lt"/>
               </a:rPr>
             </a:br>
             <a:r>
-              <a:rPr lang="en-US" sz="2800" b="1" dirty="0" smtClean="0">
+              <a:rPr lang="en-US" sz="2800" b="1" dirty="0">
                 <a:latin typeface="+mj-lt"/>
               </a:rPr>
               <a:t>FUNCTIONALITY</a:t>
             </a:r>
-            <a:endParaRPr lang="en-US" sz="2800" b="1" dirty="0">
-              <a:latin typeface="+mj-lt"/>
-            </a:endParaRPr>
           </a:p>
         </p:txBody>
       </p:sp>
@@ -46520,13 +46953,6 @@
       </p:transition>
     </mc:Fallback>
   </mc:AlternateContent>
-  <p:timing>
-    <p:tnLst>
-      <p:par>
-        <p:cTn id="1" dur="indefinite" restart="never" nodeType="tmRoot"/>
-      </p:par>
-    </p:tnLst>
-  </p:timing>
 </p:sld>
 </file>
 
@@ -46572,6 +46998,101 @@
           </a:p>
         </p:txBody>
       </p:sp>
+      <p:pic>
+        <p:nvPicPr>
+          <p:cNvPr id="6" name="Picture 5">
+            <a:extLst>
+              <a:ext uri="{FF2B5EF4-FFF2-40B4-BE49-F238E27FC236}">
+                <a16:creationId xmlns:a16="http://schemas.microsoft.com/office/drawing/2014/main" id="{024C1BBF-A760-4A77-9877-6D82B6F5657F}"/>
+              </a:ext>
+            </a:extLst>
+          </p:cNvPr>
+          <p:cNvPicPr>
+            <a:picLocks noChangeAspect="1"/>
+          </p:cNvPicPr>
+          <p:nvPr/>
+        </p:nvPicPr>
+        <p:blipFill>
+          <a:blip r:embed="rId2"/>
+          <a:stretch>
+            <a:fillRect/>
+          </a:stretch>
+        </p:blipFill>
+        <p:spPr>
+          <a:xfrm>
+            <a:off x="2081069" y="757589"/>
+            <a:ext cx="1996613" cy="3520745"/>
+          </a:xfrm>
+          <a:prstGeom prst="rect">
+            <a:avLst/>
+          </a:prstGeom>
+        </p:spPr>
+      </p:pic>
+      <p:pic>
+        <p:nvPicPr>
+          <p:cNvPr id="8" name="Picture 7">
+            <a:extLst>
+              <a:ext uri="{FF2B5EF4-FFF2-40B4-BE49-F238E27FC236}">
+                <a16:creationId xmlns:a16="http://schemas.microsoft.com/office/drawing/2014/main" id="{F0626CA8-0E39-4DDD-8AC0-84255E30D5EB}"/>
+              </a:ext>
+            </a:extLst>
+          </p:cNvPr>
+          <p:cNvPicPr>
+            <a:picLocks noChangeAspect="1"/>
+          </p:cNvPicPr>
+          <p:nvPr/>
+        </p:nvPicPr>
+        <p:blipFill>
+          <a:blip r:embed="rId3"/>
+          <a:stretch>
+            <a:fillRect/>
+          </a:stretch>
+        </p:blipFill>
+        <p:spPr>
+          <a:xfrm>
+            <a:off x="5095716" y="757589"/>
+            <a:ext cx="2004234" cy="3513124"/>
+          </a:xfrm>
+          <a:prstGeom prst="rect">
+            <a:avLst/>
+          </a:prstGeom>
+        </p:spPr>
+      </p:pic>
+      <p:sp>
+        <p:nvSpPr>
+          <p:cNvPr id="11" name="TextBox 10">
+            <a:extLst>
+              <a:ext uri="{FF2B5EF4-FFF2-40B4-BE49-F238E27FC236}">
+                <a16:creationId xmlns:a16="http://schemas.microsoft.com/office/drawing/2014/main" id="{A698CFD3-19A4-4118-A0B3-8D5D6575AB61}"/>
+              </a:ext>
+            </a:extLst>
+          </p:cNvPr>
+          <p:cNvSpPr txBox="1"/>
+          <p:nvPr/>
+        </p:nvSpPr>
+        <p:spPr>
+          <a:xfrm>
+            <a:off x="3617260" y="4464424"/>
+            <a:ext cx="1788458" cy="307777"/>
+          </a:xfrm>
+          <a:prstGeom prst="rect">
+            <a:avLst/>
+          </a:prstGeom>
+          <a:noFill/>
+        </p:spPr>
+        <p:txBody>
+          <a:bodyPr wrap="square" rtlCol="0">
+            <a:spAutoFit/>
+          </a:bodyPr>
+          <a:lstStyle/>
+          <a:p>
+            <a:r>
+              <a:rPr lang="en-US" dirty="0"/>
+              <a:t>        Home Page</a:t>
+            </a:r>
+          </a:p>
+        </p:txBody>
+      </p:sp>
     </p:spTree>
     <p:extLst>
       <p:ext uri="{BB962C8B-B14F-4D97-AF65-F5344CB8AC3E}">
@@ -46582,13 +47103,6 @@
   <p:clrMapOvr>
     <a:masterClrMapping/>
   </p:clrMapOvr>
-  <p:timing>
-    <p:tnLst>
-      <p:par>
-        <p:cTn id="1" dur="indefinite" restart="never" nodeType="tmRoot"/>
-      </p:par>
-    </p:tnLst>
-  </p:timing>
 </p:sld>
 </file>
 
